--- a/Slides/13_EDUC_6050_2018.pptx
+++ b/Slides/13_EDUC_6050_2018.pptx
@@ -5,7 +5,7 @@
     <p:sldMasterId id="2147483648" r:id="rId1"/>
   </p:sldMasterIdLst>
   <p:notesMasterIdLst>
-    <p:notesMasterId r:id="rId52"/>
+    <p:notesMasterId r:id="rId47"/>
   </p:notesMasterIdLst>
   <p:sldIdLst>
     <p:sldId id="446" r:id="rId2"/>
@@ -50,14 +50,9 @@
     <p:sldId id="491" r:id="rId41"/>
     <p:sldId id="492" r:id="rId42"/>
     <p:sldId id="494" r:id="rId43"/>
-    <p:sldId id="506" r:id="rId44"/>
-    <p:sldId id="507" r:id="rId45"/>
-    <p:sldId id="508" r:id="rId46"/>
-    <p:sldId id="509" r:id="rId47"/>
-    <p:sldId id="510" r:id="rId48"/>
-    <p:sldId id="511" r:id="rId49"/>
-    <p:sldId id="512" r:id="rId50"/>
-    <p:sldId id="349" r:id="rId51"/>
+    <p:sldId id="511" r:id="rId44"/>
+    <p:sldId id="512" r:id="rId45"/>
+    <p:sldId id="349" r:id="rId46"/>
   </p:sldIdLst>
   <p:sldSz cx="12192000" cy="6858000"/>
   <p:notesSz cx="6858000" cy="9144000"/>
@@ -3734,430 +3729,7 @@
           <a:p>
             <a:fld id="{AECF59C2-7033-4B4D-ACA3-71A130EDE93E}" type="slidenum">
               <a:rPr lang="en-US" smtClean="0"/>
-              <a:t>43</a:t>
-            </a:fld>
-            <a:endParaRPr lang="en-US"/>
-          </a:p>
-        </p:txBody>
-      </p:sp>
-    </p:spTree>
-    <p:extLst>
-      <p:ext uri="{BB962C8B-B14F-4D97-AF65-F5344CB8AC3E}">
-        <p14:creationId xmlns:p14="http://schemas.microsoft.com/office/powerpoint/2010/main" val="4243872607"/>
-      </p:ext>
-    </p:extLst>
-  </p:cSld>
-  <p:clrMapOvr>
-    <a:masterClrMapping/>
-  </p:clrMapOvr>
-</p:notes>
-</file>
-
-<file path=ppt/notesSlides/notesSlide44.xml><?xml version="1.0" encoding="utf-8"?>
-<p:notes xmlns:a="http://schemas.openxmlformats.org/drawingml/2006/main" xmlns:r="http://schemas.openxmlformats.org/officeDocument/2006/relationships" xmlns:p="http://schemas.openxmlformats.org/presentationml/2006/main">
-  <p:cSld>
-    <p:spTree>
-      <p:nvGrpSpPr>
-        <p:cNvPr id="1" name=""/>
-        <p:cNvGrpSpPr/>
-        <p:nvPr/>
-      </p:nvGrpSpPr>
-      <p:grpSpPr>
-        <a:xfrm>
-          <a:off x="0" y="0"/>
-          <a:ext cx="0" cy="0"/>
-          <a:chOff x="0" y="0"/>
-          <a:chExt cx="0" cy="0"/>
-        </a:xfrm>
-      </p:grpSpPr>
-      <p:sp>
-        <p:nvSpPr>
-          <p:cNvPr id="2" name="Slide Image Placeholder 1"/>
-          <p:cNvSpPr>
-            <a:spLocks noGrp="1" noRot="1" noChangeAspect="1"/>
-          </p:cNvSpPr>
-          <p:nvPr>
-            <p:ph type="sldImg"/>
-          </p:nvPr>
-        </p:nvSpPr>
-        <p:spPr/>
-      </p:sp>
-      <p:sp>
-        <p:nvSpPr>
-          <p:cNvPr id="3" name="Notes Placeholder 2"/>
-          <p:cNvSpPr>
-            <a:spLocks noGrp="1"/>
-          </p:cNvSpPr>
-          <p:nvPr>
-            <p:ph type="body" idx="1"/>
-          </p:nvPr>
-        </p:nvSpPr>
-        <p:spPr/>
-        <p:txBody>
-          <a:bodyPr/>
-          <a:lstStyle/>
-          <a:p>
-            <a:endParaRPr lang="en-US" dirty="0"/>
-          </a:p>
-        </p:txBody>
-      </p:sp>
-      <p:sp>
-        <p:nvSpPr>
-          <p:cNvPr id="4" name="Slide Number Placeholder 3"/>
-          <p:cNvSpPr>
-            <a:spLocks noGrp="1"/>
-          </p:cNvSpPr>
-          <p:nvPr>
-            <p:ph type="sldNum" sz="quarter" idx="10"/>
-          </p:nvPr>
-        </p:nvSpPr>
-        <p:spPr/>
-        <p:txBody>
-          <a:bodyPr/>
-          <a:lstStyle/>
-          <a:p>
-            <a:fld id="{AECF59C2-7033-4B4D-ACA3-71A130EDE93E}" type="slidenum">
-              <a:rPr lang="en-US" smtClean="0"/>
-              <a:t>44</a:t>
-            </a:fld>
-            <a:endParaRPr lang="en-US"/>
-          </a:p>
-        </p:txBody>
-      </p:sp>
-    </p:spTree>
-    <p:extLst>
-      <p:ext uri="{BB962C8B-B14F-4D97-AF65-F5344CB8AC3E}">
-        <p14:creationId xmlns:p14="http://schemas.microsoft.com/office/powerpoint/2010/main" val="44486528"/>
-      </p:ext>
-    </p:extLst>
-  </p:cSld>
-  <p:clrMapOvr>
-    <a:masterClrMapping/>
-  </p:clrMapOvr>
-</p:notes>
-</file>
-
-<file path=ppt/notesSlides/notesSlide45.xml><?xml version="1.0" encoding="utf-8"?>
-<p:notes xmlns:a="http://schemas.openxmlformats.org/drawingml/2006/main" xmlns:r="http://schemas.openxmlformats.org/officeDocument/2006/relationships" xmlns:p="http://schemas.openxmlformats.org/presentationml/2006/main">
-  <p:cSld>
-    <p:spTree>
-      <p:nvGrpSpPr>
-        <p:cNvPr id="1" name=""/>
-        <p:cNvGrpSpPr/>
-        <p:nvPr/>
-      </p:nvGrpSpPr>
-      <p:grpSpPr>
-        <a:xfrm>
-          <a:off x="0" y="0"/>
-          <a:ext cx="0" cy="0"/>
-          <a:chOff x="0" y="0"/>
-          <a:chExt cx="0" cy="0"/>
-        </a:xfrm>
-      </p:grpSpPr>
-      <p:sp>
-        <p:nvSpPr>
-          <p:cNvPr id="2" name="Slide Image Placeholder 1"/>
-          <p:cNvSpPr>
-            <a:spLocks noGrp="1" noRot="1" noChangeAspect="1"/>
-          </p:cNvSpPr>
-          <p:nvPr>
-            <p:ph type="sldImg"/>
-          </p:nvPr>
-        </p:nvSpPr>
-        <p:spPr/>
-      </p:sp>
-      <p:sp>
-        <p:nvSpPr>
-          <p:cNvPr id="3" name="Notes Placeholder 2"/>
-          <p:cNvSpPr>
-            <a:spLocks noGrp="1"/>
-          </p:cNvSpPr>
-          <p:nvPr>
-            <p:ph type="body" idx="1"/>
-          </p:nvPr>
-        </p:nvSpPr>
-        <p:spPr/>
-        <p:txBody>
-          <a:bodyPr/>
-          <a:lstStyle/>
-          <a:p>
-            <a:r>
-              <a:rPr lang="en-US" dirty="0"/>
-              <a:t>Bully victimization -&gt; Depression -&gt; Substance Use</a:t>
-            </a:r>
-          </a:p>
-        </p:txBody>
-      </p:sp>
-      <p:sp>
-        <p:nvSpPr>
-          <p:cNvPr id="4" name="Slide Number Placeholder 3"/>
-          <p:cNvSpPr>
-            <a:spLocks noGrp="1"/>
-          </p:cNvSpPr>
-          <p:nvPr>
-            <p:ph type="sldNum" sz="quarter" idx="10"/>
-          </p:nvPr>
-        </p:nvSpPr>
-        <p:spPr/>
-        <p:txBody>
-          <a:bodyPr/>
-          <a:lstStyle/>
-          <a:p>
-            <a:fld id="{AECF59C2-7033-4B4D-ACA3-71A130EDE93E}" type="slidenum">
-              <a:rPr lang="en-US" smtClean="0"/>
               <a:t>45</a:t>
-            </a:fld>
-            <a:endParaRPr lang="en-US"/>
-          </a:p>
-        </p:txBody>
-      </p:sp>
-    </p:spTree>
-    <p:extLst>
-      <p:ext uri="{BB962C8B-B14F-4D97-AF65-F5344CB8AC3E}">
-        <p14:creationId xmlns:p14="http://schemas.microsoft.com/office/powerpoint/2010/main" val="2695930622"/>
-      </p:ext>
-    </p:extLst>
-  </p:cSld>
-  <p:clrMapOvr>
-    <a:masterClrMapping/>
-  </p:clrMapOvr>
-</p:notes>
-</file>
-
-<file path=ppt/notesSlides/notesSlide46.xml><?xml version="1.0" encoding="utf-8"?>
-<p:notes xmlns:a="http://schemas.openxmlformats.org/drawingml/2006/main" xmlns:r="http://schemas.openxmlformats.org/officeDocument/2006/relationships" xmlns:p="http://schemas.openxmlformats.org/presentationml/2006/main">
-  <p:cSld>
-    <p:spTree>
-      <p:nvGrpSpPr>
-        <p:cNvPr id="1" name=""/>
-        <p:cNvGrpSpPr/>
-        <p:nvPr/>
-      </p:nvGrpSpPr>
-      <p:grpSpPr>
-        <a:xfrm>
-          <a:off x="0" y="0"/>
-          <a:ext cx="0" cy="0"/>
-          <a:chOff x="0" y="0"/>
-          <a:chExt cx="0" cy="0"/>
-        </a:xfrm>
-      </p:grpSpPr>
-      <p:sp>
-        <p:nvSpPr>
-          <p:cNvPr id="2" name="Slide Image Placeholder 1"/>
-          <p:cNvSpPr>
-            <a:spLocks noGrp="1" noRot="1" noChangeAspect="1"/>
-          </p:cNvSpPr>
-          <p:nvPr>
-            <p:ph type="sldImg"/>
-          </p:nvPr>
-        </p:nvSpPr>
-        <p:spPr/>
-      </p:sp>
-      <p:sp>
-        <p:nvSpPr>
-          <p:cNvPr id="3" name="Notes Placeholder 2"/>
-          <p:cNvSpPr>
-            <a:spLocks noGrp="1"/>
-          </p:cNvSpPr>
-          <p:nvPr>
-            <p:ph type="body" idx="1"/>
-          </p:nvPr>
-        </p:nvSpPr>
-        <p:spPr/>
-        <p:txBody>
-          <a:bodyPr/>
-          <a:lstStyle/>
-          <a:p>
-            <a:endParaRPr lang="en-US" dirty="0"/>
-          </a:p>
-        </p:txBody>
-      </p:sp>
-      <p:sp>
-        <p:nvSpPr>
-          <p:cNvPr id="4" name="Slide Number Placeholder 3"/>
-          <p:cNvSpPr>
-            <a:spLocks noGrp="1"/>
-          </p:cNvSpPr>
-          <p:nvPr>
-            <p:ph type="sldNum" sz="quarter" idx="10"/>
-          </p:nvPr>
-        </p:nvSpPr>
-        <p:spPr/>
-        <p:txBody>
-          <a:bodyPr/>
-          <a:lstStyle/>
-          <a:p>
-            <a:fld id="{AECF59C2-7033-4B4D-ACA3-71A130EDE93E}" type="slidenum">
-              <a:rPr lang="en-US" smtClean="0"/>
-              <a:t>46</a:t>
-            </a:fld>
-            <a:endParaRPr lang="en-US"/>
-          </a:p>
-        </p:txBody>
-      </p:sp>
-    </p:spTree>
-    <p:extLst>
-      <p:ext uri="{BB962C8B-B14F-4D97-AF65-F5344CB8AC3E}">
-        <p14:creationId xmlns:p14="http://schemas.microsoft.com/office/powerpoint/2010/main" val="3614233259"/>
-      </p:ext>
-    </p:extLst>
-  </p:cSld>
-  <p:clrMapOvr>
-    <a:masterClrMapping/>
-  </p:clrMapOvr>
-</p:notes>
-</file>
-
-<file path=ppt/notesSlides/notesSlide47.xml><?xml version="1.0" encoding="utf-8"?>
-<p:notes xmlns:a="http://schemas.openxmlformats.org/drawingml/2006/main" xmlns:r="http://schemas.openxmlformats.org/officeDocument/2006/relationships" xmlns:p="http://schemas.openxmlformats.org/presentationml/2006/main">
-  <p:cSld>
-    <p:spTree>
-      <p:nvGrpSpPr>
-        <p:cNvPr id="1" name=""/>
-        <p:cNvGrpSpPr/>
-        <p:nvPr/>
-      </p:nvGrpSpPr>
-      <p:grpSpPr>
-        <a:xfrm>
-          <a:off x="0" y="0"/>
-          <a:ext cx="0" cy="0"/>
-          <a:chOff x="0" y="0"/>
-          <a:chExt cx="0" cy="0"/>
-        </a:xfrm>
-      </p:grpSpPr>
-      <p:sp>
-        <p:nvSpPr>
-          <p:cNvPr id="2" name="Slide Image Placeholder 1"/>
-          <p:cNvSpPr>
-            <a:spLocks noGrp="1" noRot="1" noChangeAspect="1"/>
-          </p:cNvSpPr>
-          <p:nvPr>
-            <p:ph type="sldImg"/>
-          </p:nvPr>
-        </p:nvSpPr>
-        <p:spPr/>
-      </p:sp>
-      <p:sp>
-        <p:nvSpPr>
-          <p:cNvPr id="3" name="Notes Placeholder 2"/>
-          <p:cNvSpPr>
-            <a:spLocks noGrp="1"/>
-          </p:cNvSpPr>
-          <p:nvPr>
-            <p:ph type="body" idx="1"/>
-          </p:nvPr>
-        </p:nvSpPr>
-        <p:spPr/>
-        <p:txBody>
-          <a:bodyPr/>
-          <a:lstStyle/>
-          <a:p>
-            <a:endParaRPr lang="en-US" dirty="0"/>
-          </a:p>
-        </p:txBody>
-      </p:sp>
-      <p:sp>
-        <p:nvSpPr>
-          <p:cNvPr id="4" name="Slide Number Placeholder 3"/>
-          <p:cNvSpPr>
-            <a:spLocks noGrp="1"/>
-          </p:cNvSpPr>
-          <p:nvPr>
-            <p:ph type="sldNum" sz="quarter" idx="10"/>
-          </p:nvPr>
-        </p:nvSpPr>
-        <p:spPr/>
-        <p:txBody>
-          <a:bodyPr/>
-          <a:lstStyle/>
-          <a:p>
-            <a:fld id="{AECF59C2-7033-4B4D-ACA3-71A130EDE93E}" type="slidenum">
-              <a:rPr lang="en-US" smtClean="0"/>
-              <a:t>47</a:t>
-            </a:fld>
-            <a:endParaRPr lang="en-US"/>
-          </a:p>
-        </p:txBody>
-      </p:sp>
-    </p:spTree>
-    <p:extLst>
-      <p:ext uri="{BB962C8B-B14F-4D97-AF65-F5344CB8AC3E}">
-        <p14:creationId xmlns:p14="http://schemas.microsoft.com/office/powerpoint/2010/main" val="4076461061"/>
-      </p:ext>
-    </p:extLst>
-  </p:cSld>
-  <p:clrMapOvr>
-    <a:masterClrMapping/>
-  </p:clrMapOvr>
-</p:notes>
-</file>
-
-<file path=ppt/notesSlides/notesSlide48.xml><?xml version="1.0" encoding="utf-8"?>
-<p:notes xmlns:a="http://schemas.openxmlformats.org/drawingml/2006/main" xmlns:r="http://schemas.openxmlformats.org/officeDocument/2006/relationships" xmlns:p="http://schemas.openxmlformats.org/presentationml/2006/main">
-  <p:cSld>
-    <p:spTree>
-      <p:nvGrpSpPr>
-        <p:cNvPr id="1" name=""/>
-        <p:cNvGrpSpPr/>
-        <p:nvPr/>
-      </p:nvGrpSpPr>
-      <p:grpSpPr>
-        <a:xfrm>
-          <a:off x="0" y="0"/>
-          <a:ext cx="0" cy="0"/>
-          <a:chOff x="0" y="0"/>
-          <a:chExt cx="0" cy="0"/>
-        </a:xfrm>
-      </p:grpSpPr>
-      <p:sp>
-        <p:nvSpPr>
-          <p:cNvPr id="2" name="Slide Image Placeholder 1"/>
-          <p:cNvSpPr>
-            <a:spLocks noGrp="1" noRot="1" noChangeAspect="1"/>
-          </p:cNvSpPr>
-          <p:nvPr>
-            <p:ph type="sldImg"/>
-          </p:nvPr>
-        </p:nvSpPr>
-        <p:spPr/>
-      </p:sp>
-      <p:sp>
-        <p:nvSpPr>
-          <p:cNvPr id="3" name="Notes Placeholder 2"/>
-          <p:cNvSpPr>
-            <a:spLocks noGrp="1"/>
-          </p:cNvSpPr>
-          <p:nvPr>
-            <p:ph type="body" idx="1"/>
-          </p:nvPr>
-        </p:nvSpPr>
-        <p:spPr/>
-        <p:txBody>
-          <a:bodyPr/>
-          <a:lstStyle/>
-          <a:p>
-            <a:endParaRPr lang="en-US" dirty="0"/>
-          </a:p>
-        </p:txBody>
-      </p:sp>
-      <p:sp>
-        <p:nvSpPr>
-          <p:cNvPr id="4" name="Slide Number Placeholder 3"/>
-          <p:cNvSpPr>
-            <a:spLocks noGrp="1"/>
-          </p:cNvSpPr>
-          <p:nvPr>
-            <p:ph type="sldNum" sz="quarter" idx="10"/>
-          </p:nvPr>
-        </p:nvSpPr>
-        <p:spPr/>
-        <p:txBody>
-          <a:bodyPr/>
-          <a:lstStyle/>
-          <a:p>
-            <a:fld id="{AECF59C2-7033-4B4D-ACA3-71A130EDE93E}" type="slidenum">
-              <a:rPr lang="en-US" smtClean="0"/>
-              <a:t>50</a:t>
             </a:fld>
             <a:endParaRPr lang="en-US"/>
           </a:p>
@@ -31872,41 +31444,61 @@
       </p:grpSpPr>
       <p:sp>
         <p:nvSpPr>
-          <p:cNvPr id="2" name="Title 1"/>
-          <p:cNvSpPr>
-            <a:spLocks noGrp="1"/>
-          </p:cNvSpPr>
-          <p:nvPr>
-            <p:ph type="title"/>
-          </p:nvPr>
+          <p:cNvPr id="4" name="Rectangle 3"/>
+          <p:cNvSpPr/>
+          <p:nvPr/>
         </p:nvSpPr>
         <p:spPr>
           <a:xfrm>
-            <a:off x="838200" y="2232025"/>
-            <a:ext cx="10515600" cy="2212975"/>
+            <a:off x="408212" y="1108332"/>
+            <a:ext cx="11413671" cy="4216539"/>
           </a:xfrm>
+          <a:prstGeom prst="rect">
+            <a:avLst/>
+          </a:prstGeom>
         </p:spPr>
         <p:txBody>
-          <a:bodyPr>
-            <a:noAutofit/>
+          <a:bodyPr wrap="square">
+            <a:spAutoFit/>
           </a:bodyPr>
           <a:lstStyle/>
           <a:p>
             <a:pPr algn="ctr"/>
             <a:r>
               <a:rPr lang="en-US" sz="8800" b="1" dirty="0">
+                <a:solidFill>
+                  <a:schemeClr val="accent3"/>
+                </a:solidFill>
                 <a:latin typeface="Consolas" charset="0"/>
                 <a:ea typeface="Consolas" charset="0"/>
                 <a:cs typeface="Consolas" charset="0"/>
               </a:rPr>
-              <a:t>Mediation vs. Moderation</a:t>
+              <a:t>Questions?</a:t>
             </a:r>
           </a:p>
-        </p:txBody>
-      </p:sp>
-      <p:sp>
-        <p:nvSpPr>
-          <p:cNvPr id="5" name="Slide Number Placeholder 4"/>
+          <a:p>
+            <a:pPr algn="ctr"/>
+            <a:r>
+              <a:rPr lang="en-US" sz="6000" b="1" dirty="0">
+                <a:solidFill>
+                  <a:schemeClr val="accent1"/>
+                </a:solidFill>
+                <a:latin typeface="Consolas" charset="0"/>
+                <a:cs typeface="Consolas" charset="0"/>
+              </a:rPr>
+              <a:t>Please post them to the discussion board before class starts</a:t>
+            </a:r>
+            <a:endParaRPr lang="en-US" sz="6000" dirty="0">
+              <a:solidFill>
+                <a:schemeClr val="accent1"/>
+              </a:solidFill>
+            </a:endParaRPr>
+          </a:p>
+        </p:txBody>
+      </p:sp>
+      <p:sp>
+        <p:nvSpPr>
+          <p:cNvPr id="2" name="Slide Number Placeholder 1"/>
           <p:cNvSpPr>
             <a:spLocks noGrp="1"/>
           </p:cNvSpPr>
@@ -31927,10 +31519,51 @@
           </a:p>
         </p:txBody>
       </p:sp>
+      <p:sp>
+        <p:nvSpPr>
+          <p:cNvPr id="3" name="TextBox 2">
+            <a:extLst>
+              <a:ext uri="{FF2B5EF4-FFF2-40B4-BE49-F238E27FC236}">
+                <a16:creationId xmlns:a16="http://schemas.microsoft.com/office/drawing/2014/main" id="{AFE30D6B-58FB-6F42-B0AC-D167B8DED558}"/>
+              </a:ext>
+            </a:extLst>
+          </p:cNvPr>
+          <p:cNvSpPr txBox="1"/>
+          <p:nvPr/>
+        </p:nvSpPr>
+        <p:spPr>
+          <a:xfrm>
+            <a:off x="3869882" y="5987018"/>
+            <a:ext cx="4490332" cy="369332"/>
+          </a:xfrm>
+          <a:prstGeom prst="rect">
+            <a:avLst/>
+          </a:prstGeom>
+          <a:noFill/>
+        </p:spPr>
+        <p:txBody>
+          <a:bodyPr wrap="none" rtlCol="0">
+            <a:spAutoFit/>
+          </a:bodyPr>
+          <a:lstStyle/>
+          <a:p>
+            <a:r>
+              <a:rPr lang="en-US" b="1" dirty="0">
+                <a:solidFill>
+                  <a:schemeClr val="accent6"/>
+                </a:solidFill>
+                <a:latin typeface="Consolas" panose="020B0609020204030204" pitchFamily="49" charset="0"/>
+                <a:cs typeface="Consolas" panose="020B0609020204030204" pitchFamily="49" charset="0"/>
+              </a:rPr>
+              <a:t>End of Pre-Recorded Lecture Slides</a:t>
+            </a:r>
+          </a:p>
+        </p:txBody>
+      </p:sp>
     </p:spTree>
     <p:extLst>
       <p:ext uri="{BB962C8B-B14F-4D97-AF65-F5344CB8AC3E}">
-        <p14:creationId xmlns:p14="http://schemas.microsoft.com/office/powerpoint/2010/main" val="1875057752"/>
+        <p14:creationId xmlns:p14="http://schemas.microsoft.com/office/powerpoint/2010/main" val="3696218960"/>
       </p:ext>
     </p:extLst>
   </p:cSld>
@@ -31959,1466 +31592,6 @@
       </p:grpSpPr>
       <p:sp>
         <p:nvSpPr>
-          <p:cNvPr id="2" name="Title 1"/>
-          <p:cNvSpPr>
-            <a:spLocks noGrp="1"/>
-          </p:cNvSpPr>
-          <p:nvPr>
-            <p:ph type="title"/>
-          </p:nvPr>
-        </p:nvSpPr>
-        <p:spPr>
-          <a:xfrm>
-            <a:off x="838200" y="389049"/>
-            <a:ext cx="10515600" cy="837240"/>
-          </a:xfrm>
-        </p:spPr>
-        <p:txBody>
-          <a:bodyPr>
-            <a:noAutofit/>
-          </a:bodyPr>
-          <a:lstStyle/>
-          <a:p>
-            <a:r>
-              <a:rPr lang="en-US" b="1" dirty="0">
-                <a:latin typeface="Consolas" charset="0"/>
-                <a:ea typeface="Consolas" charset="0"/>
-                <a:cs typeface="Consolas" charset="0"/>
-              </a:rPr>
-              <a:t>Mediation vs. Moderation</a:t>
-            </a:r>
-          </a:p>
-        </p:txBody>
-      </p:sp>
-      <p:sp>
-        <p:nvSpPr>
-          <p:cNvPr id="5" name="Slide Number Placeholder 4"/>
-          <p:cNvSpPr>
-            <a:spLocks noGrp="1"/>
-          </p:cNvSpPr>
-          <p:nvPr>
-            <p:ph type="sldNum" sz="quarter" idx="12"/>
-          </p:nvPr>
-        </p:nvSpPr>
-        <p:spPr/>
-        <p:txBody>
-          <a:bodyPr/>
-          <a:lstStyle/>
-          <a:p>
-            <a:fld id="{4655F2EB-082D-1A4D-B2FA-EA5F6FE60629}" type="slidenum">
-              <a:rPr lang="en-US" smtClean="0"/>
-              <a:t>44</a:t>
-            </a:fld>
-            <a:endParaRPr lang="en-US"/>
-          </a:p>
-        </p:txBody>
-      </p:sp>
-      <p:sp>
-        <p:nvSpPr>
-          <p:cNvPr id="3" name="TextBox 2">
-            <a:extLst>
-              <a:ext uri="{FF2B5EF4-FFF2-40B4-BE49-F238E27FC236}">
-                <a16:creationId xmlns:a16="http://schemas.microsoft.com/office/drawing/2014/main" id="{3DF70B55-3578-F14A-A4B8-09CE79D95D9C}"/>
-              </a:ext>
-            </a:extLst>
-          </p:cNvPr>
-          <p:cNvSpPr txBox="1"/>
-          <p:nvPr/>
-        </p:nvSpPr>
-        <p:spPr>
-          <a:xfrm>
-            <a:off x="1672233" y="1953491"/>
-            <a:ext cx="2723823" cy="707886"/>
-          </a:xfrm>
-          <a:prstGeom prst="rect">
-            <a:avLst/>
-          </a:prstGeom>
-          <a:noFill/>
-        </p:spPr>
-        <p:txBody>
-          <a:bodyPr wrap="none" rtlCol="0">
-            <a:spAutoFit/>
-          </a:bodyPr>
-          <a:lstStyle/>
-          <a:p>
-            <a:r>
-              <a:rPr lang="en-US" sz="4000" b="1" dirty="0">
-                <a:solidFill>
-                  <a:schemeClr val="accent2"/>
-                </a:solidFill>
-                <a:latin typeface="Consolas" panose="020B0609020204030204" pitchFamily="49" charset="0"/>
-                <a:cs typeface="Consolas" panose="020B0609020204030204" pitchFamily="49" charset="0"/>
-              </a:rPr>
-              <a:t>Mediation</a:t>
-            </a:r>
-          </a:p>
-        </p:txBody>
-      </p:sp>
-      <p:sp>
-        <p:nvSpPr>
-          <p:cNvPr id="10" name="TextBox 9">
-            <a:extLst>
-              <a:ext uri="{FF2B5EF4-FFF2-40B4-BE49-F238E27FC236}">
-                <a16:creationId xmlns:a16="http://schemas.microsoft.com/office/drawing/2014/main" id="{E44811FA-5435-7741-8408-0C7CB6A9701E}"/>
-              </a:ext>
-            </a:extLst>
-          </p:cNvPr>
-          <p:cNvSpPr txBox="1"/>
-          <p:nvPr/>
-        </p:nvSpPr>
-        <p:spPr>
-          <a:xfrm>
-            <a:off x="7107623" y="1953491"/>
-            <a:ext cx="3005951" cy="707886"/>
-          </a:xfrm>
-          <a:prstGeom prst="rect">
-            <a:avLst/>
-          </a:prstGeom>
-          <a:noFill/>
-        </p:spPr>
-        <p:txBody>
-          <a:bodyPr wrap="none" rtlCol="0">
-            <a:spAutoFit/>
-          </a:bodyPr>
-          <a:lstStyle/>
-          <a:p>
-            <a:r>
-              <a:rPr lang="en-US" sz="4000" b="1" dirty="0">
-                <a:solidFill>
-                  <a:schemeClr val="accent3"/>
-                </a:solidFill>
-                <a:latin typeface="Consolas" panose="020B0609020204030204" pitchFamily="49" charset="0"/>
-                <a:cs typeface="Consolas" panose="020B0609020204030204" pitchFamily="49" charset="0"/>
-              </a:rPr>
-              <a:t>Moderation</a:t>
-            </a:r>
-          </a:p>
-        </p:txBody>
-      </p:sp>
-      <p:sp>
-        <p:nvSpPr>
-          <p:cNvPr id="11" name="TextBox 10">
-            <a:extLst>
-              <a:ext uri="{FF2B5EF4-FFF2-40B4-BE49-F238E27FC236}">
-                <a16:creationId xmlns:a16="http://schemas.microsoft.com/office/drawing/2014/main" id="{6A787D3A-2963-3148-97EF-BB351326E83C}"/>
-              </a:ext>
-            </a:extLst>
-          </p:cNvPr>
-          <p:cNvSpPr txBox="1"/>
-          <p:nvPr/>
-        </p:nvSpPr>
-        <p:spPr>
-          <a:xfrm>
-            <a:off x="6005945" y="2661522"/>
-            <a:ext cx="5209309" cy="2554545"/>
-          </a:xfrm>
-          <a:prstGeom prst="rect">
-            <a:avLst/>
-          </a:prstGeom>
-          <a:solidFill>
-            <a:schemeClr val="accent3"/>
-          </a:solidFill>
-        </p:spPr>
-        <p:txBody>
-          <a:bodyPr wrap="square" rtlCol="0">
-            <a:spAutoFit/>
-          </a:bodyPr>
-          <a:lstStyle/>
-          <a:p>
-            <a:pPr marL="457200" indent="-457200">
-              <a:buFont typeface="Arial" panose="020B0604020202020204" pitchFamily="34" charset="0"/>
-              <a:buChar char="•"/>
-            </a:pPr>
-            <a:r>
-              <a:rPr lang="en-US" sz="3200" b="1" dirty="0">
-                <a:solidFill>
-                  <a:schemeClr val="accent3">
-                    <a:lumMod val="20000"/>
-                    <a:lumOff val="80000"/>
-                  </a:schemeClr>
-                </a:solidFill>
-                <a:latin typeface="Consolas" panose="020B0609020204030204" pitchFamily="49" charset="0"/>
-                <a:cs typeface="Consolas" panose="020B0609020204030204" pitchFamily="49" charset="0"/>
-              </a:rPr>
-              <a:t>Synonym for interaction</a:t>
-            </a:r>
-          </a:p>
-          <a:p>
-            <a:pPr marL="457200" indent="-457200">
-              <a:buFont typeface="Arial" panose="020B0604020202020204" pitchFamily="34" charset="0"/>
-              <a:buChar char="•"/>
-            </a:pPr>
-            <a:r>
-              <a:rPr lang="en-US" sz="3200" b="1" dirty="0">
-                <a:solidFill>
-                  <a:schemeClr val="accent3">
-                    <a:lumMod val="20000"/>
-                    <a:lumOff val="80000"/>
-                  </a:schemeClr>
-                </a:solidFill>
-                <a:latin typeface="Consolas" panose="020B0609020204030204" pitchFamily="49" charset="0"/>
-                <a:cs typeface="Consolas" panose="020B0609020204030204" pitchFamily="49" charset="0"/>
-              </a:rPr>
-              <a:t>Jamovi performs this</a:t>
-            </a:r>
-          </a:p>
-          <a:p>
-            <a:pPr marL="457200" indent="-457200">
-              <a:buFont typeface="Arial" panose="020B0604020202020204" pitchFamily="34" charset="0"/>
-              <a:buChar char="•"/>
-            </a:pPr>
-            <a:r>
-              <a:rPr lang="en-US" sz="3200" b="1" dirty="0">
-                <a:solidFill>
-                  <a:schemeClr val="accent3">
-                    <a:lumMod val="20000"/>
-                    <a:lumOff val="80000"/>
-                  </a:schemeClr>
-                </a:solidFill>
-                <a:latin typeface="Consolas" panose="020B0609020204030204" pitchFamily="49" charset="0"/>
-                <a:cs typeface="Consolas" panose="020B0609020204030204" pitchFamily="49" charset="0"/>
-              </a:rPr>
-              <a:t>“The effect of X on Y depends on M”</a:t>
-            </a:r>
-          </a:p>
-        </p:txBody>
-      </p:sp>
-      <p:sp>
-        <p:nvSpPr>
-          <p:cNvPr id="12" name="TextBox 11">
-            <a:extLst>
-              <a:ext uri="{FF2B5EF4-FFF2-40B4-BE49-F238E27FC236}">
-                <a16:creationId xmlns:a16="http://schemas.microsoft.com/office/drawing/2014/main" id="{014BB495-35FE-5A41-BBE0-A03BA880157A}"/>
-              </a:ext>
-            </a:extLst>
-          </p:cNvPr>
-          <p:cNvSpPr txBox="1"/>
-          <p:nvPr/>
-        </p:nvSpPr>
-        <p:spPr>
-          <a:xfrm>
-            <a:off x="304798" y="2661377"/>
-            <a:ext cx="5458691" cy="4031873"/>
-          </a:xfrm>
-          <a:prstGeom prst="rect">
-            <a:avLst/>
-          </a:prstGeom>
-          <a:solidFill>
-            <a:schemeClr val="accent2"/>
-          </a:solidFill>
-          <a:ln>
-            <a:solidFill>
-              <a:schemeClr val="accent2"/>
-            </a:solidFill>
-          </a:ln>
-        </p:spPr>
-        <p:txBody>
-          <a:bodyPr wrap="square" rtlCol="0">
-            <a:spAutoFit/>
-          </a:bodyPr>
-          <a:lstStyle/>
-          <a:p>
-            <a:pPr marL="457200" indent="-457200">
-              <a:buFont typeface="Arial" panose="020B0604020202020204" pitchFamily="34" charset="0"/>
-              <a:buChar char="•"/>
-            </a:pPr>
-            <a:r>
-              <a:rPr lang="en-US" sz="3200" b="1" dirty="0">
-                <a:solidFill>
-                  <a:schemeClr val="accent2">
-                    <a:lumMod val="20000"/>
-                    <a:lumOff val="80000"/>
-                  </a:schemeClr>
-                </a:solidFill>
-                <a:latin typeface="Consolas" panose="020B0609020204030204" pitchFamily="49" charset="0"/>
-                <a:cs typeface="Consolas" panose="020B0609020204030204" pitchFamily="49" charset="0"/>
-              </a:rPr>
-              <a:t>Tells us about the path of an effect (from one variable to an intermediate one then to the outcome)</a:t>
-            </a:r>
-          </a:p>
-          <a:p>
-            <a:pPr marL="457200" indent="-457200">
-              <a:buFont typeface="Arial" panose="020B0604020202020204" pitchFamily="34" charset="0"/>
-              <a:buChar char="•"/>
-            </a:pPr>
-            <a:r>
-              <a:rPr lang="en-US" sz="3200" b="1" dirty="0">
-                <a:solidFill>
-                  <a:schemeClr val="accent2">
-                    <a:lumMod val="20000"/>
-                    <a:lumOff val="80000"/>
-                  </a:schemeClr>
-                </a:solidFill>
-                <a:latin typeface="Consolas" panose="020B0609020204030204" pitchFamily="49" charset="0"/>
-                <a:cs typeface="Consolas" panose="020B0609020204030204" pitchFamily="49" charset="0"/>
-              </a:rPr>
-              <a:t>Jamovi performs this</a:t>
-            </a:r>
-          </a:p>
-          <a:p>
-            <a:pPr marL="457200" indent="-457200">
-              <a:buFont typeface="Arial" panose="020B0604020202020204" pitchFamily="34" charset="0"/>
-              <a:buChar char="•"/>
-            </a:pPr>
-            <a:r>
-              <a:rPr lang="en-US" sz="3200" b="1" dirty="0">
-                <a:solidFill>
-                  <a:schemeClr val="accent2">
-                    <a:lumMod val="20000"/>
-                    <a:lumOff val="80000"/>
-                  </a:schemeClr>
-                </a:solidFill>
-                <a:latin typeface="Consolas" panose="020B0609020204030204" pitchFamily="49" charset="0"/>
-                <a:cs typeface="Consolas" panose="020B0609020204030204" pitchFamily="49" charset="0"/>
-              </a:rPr>
-              <a:t>“The effect of X goes through M to Y”</a:t>
-            </a:r>
-          </a:p>
-        </p:txBody>
-      </p:sp>
-    </p:spTree>
-    <p:extLst>
-      <p:ext uri="{BB962C8B-B14F-4D97-AF65-F5344CB8AC3E}">
-        <p14:creationId xmlns:p14="http://schemas.microsoft.com/office/powerpoint/2010/main" val="3124887899"/>
-      </p:ext>
-    </p:extLst>
-  </p:cSld>
-  <p:clrMapOvr>
-    <a:masterClrMapping/>
-  </p:clrMapOvr>
-</p:sld>
-</file>
-
-<file path=ppt/slides/slide45.xml><?xml version="1.0" encoding="utf-8"?>
-<p:sld xmlns:a="http://schemas.openxmlformats.org/drawingml/2006/main" xmlns:r="http://schemas.openxmlformats.org/officeDocument/2006/relationships" xmlns:p="http://schemas.openxmlformats.org/presentationml/2006/main">
-  <p:cSld>
-    <p:spTree>
-      <p:nvGrpSpPr>
-        <p:cNvPr id="1" name=""/>
-        <p:cNvGrpSpPr/>
-        <p:nvPr/>
-      </p:nvGrpSpPr>
-      <p:grpSpPr>
-        <a:xfrm>
-          <a:off x="0" y="0"/>
-          <a:ext cx="0" cy="0"/>
-          <a:chOff x="0" y="0"/>
-          <a:chExt cx="0" cy="0"/>
-        </a:xfrm>
-      </p:grpSpPr>
-      <p:sp>
-        <p:nvSpPr>
-          <p:cNvPr id="5" name="Slide Number Placeholder 4"/>
-          <p:cNvSpPr>
-            <a:spLocks noGrp="1"/>
-          </p:cNvSpPr>
-          <p:nvPr>
-            <p:ph type="sldNum" sz="quarter" idx="12"/>
-          </p:nvPr>
-        </p:nvSpPr>
-        <p:spPr/>
-        <p:txBody>
-          <a:bodyPr/>
-          <a:lstStyle/>
-          <a:p>
-            <a:fld id="{4655F2EB-082D-1A4D-B2FA-EA5F6FE60629}" type="slidenum">
-              <a:rPr lang="en-US" smtClean="0"/>
-              <a:t>45</a:t>
-            </a:fld>
-            <a:endParaRPr lang="en-US"/>
-          </a:p>
-        </p:txBody>
-      </p:sp>
-      <p:sp>
-        <p:nvSpPr>
-          <p:cNvPr id="3" name="TextBox 2">
-            <a:extLst>
-              <a:ext uri="{FF2B5EF4-FFF2-40B4-BE49-F238E27FC236}">
-                <a16:creationId xmlns:a16="http://schemas.microsoft.com/office/drawing/2014/main" id="{3DF70B55-3578-F14A-A4B8-09CE79D95D9C}"/>
-              </a:ext>
-            </a:extLst>
-          </p:cNvPr>
-          <p:cNvSpPr txBox="1"/>
-          <p:nvPr/>
-        </p:nvSpPr>
-        <p:spPr>
-          <a:xfrm>
-            <a:off x="799397" y="401782"/>
-            <a:ext cx="4758034" cy="1200329"/>
-          </a:xfrm>
-          <a:prstGeom prst="rect">
-            <a:avLst/>
-          </a:prstGeom>
-          <a:noFill/>
-        </p:spPr>
-        <p:txBody>
-          <a:bodyPr wrap="none" rtlCol="0">
-            <a:spAutoFit/>
-          </a:bodyPr>
-          <a:lstStyle/>
-          <a:p>
-            <a:r>
-              <a:rPr lang="en-US" sz="7200" b="1" dirty="0">
-                <a:solidFill>
-                  <a:schemeClr val="accent2"/>
-                </a:solidFill>
-                <a:latin typeface="Consolas" panose="020B0609020204030204" pitchFamily="49" charset="0"/>
-                <a:cs typeface="Consolas" panose="020B0609020204030204" pitchFamily="49" charset="0"/>
-              </a:rPr>
-              <a:t>Mediation</a:t>
-            </a:r>
-          </a:p>
-        </p:txBody>
-      </p:sp>
-      <p:sp>
-        <p:nvSpPr>
-          <p:cNvPr id="7" name="Rectangle 6">
-            <a:extLst>
-              <a:ext uri="{FF2B5EF4-FFF2-40B4-BE49-F238E27FC236}">
-                <a16:creationId xmlns:a16="http://schemas.microsoft.com/office/drawing/2014/main" id="{1A2E7CC6-5044-8D47-B21A-C9987EB52D30}"/>
-              </a:ext>
-            </a:extLst>
-          </p:cNvPr>
-          <p:cNvSpPr/>
-          <p:nvPr/>
-        </p:nvSpPr>
-        <p:spPr>
-          <a:xfrm>
-            <a:off x="799397" y="3934692"/>
-            <a:ext cx="2858203" cy="1288472"/>
-          </a:xfrm>
-          <a:prstGeom prst="rect">
-            <a:avLst/>
-          </a:prstGeom>
-          <a:solidFill>
-            <a:schemeClr val="bg1">
-              <a:lumMod val="95000"/>
-            </a:schemeClr>
-          </a:solidFill>
-          <a:ln w="38100">
-            <a:solidFill>
-              <a:schemeClr val="accent2"/>
-            </a:solidFill>
-          </a:ln>
-        </p:spPr>
-        <p:style>
-          <a:lnRef idx="2">
-            <a:schemeClr val="accent1">
-              <a:shade val="50000"/>
-            </a:schemeClr>
-          </a:lnRef>
-          <a:fillRef idx="1">
-            <a:schemeClr val="accent1"/>
-          </a:fillRef>
-          <a:effectRef idx="0">
-            <a:schemeClr val="accent1"/>
-          </a:effectRef>
-          <a:fontRef idx="minor">
-            <a:schemeClr val="lt1"/>
-          </a:fontRef>
-        </p:style>
-        <p:txBody>
-          <a:bodyPr rtlCol="0" anchor="ctr"/>
-          <a:lstStyle/>
-          <a:p>
-            <a:pPr algn="ctr"/>
-            <a:r>
-              <a:rPr lang="en-US" sz="6000" b="1" dirty="0">
-                <a:solidFill>
-                  <a:schemeClr val="accent2"/>
-                </a:solidFill>
-                <a:latin typeface="Consolas" panose="020B0609020204030204" pitchFamily="49" charset="0"/>
-                <a:cs typeface="Consolas" panose="020B0609020204030204" pitchFamily="49" charset="0"/>
-              </a:rPr>
-              <a:t>X</a:t>
-            </a:r>
-          </a:p>
-        </p:txBody>
-      </p:sp>
-      <p:sp>
-        <p:nvSpPr>
-          <p:cNvPr id="14" name="Rectangle 13">
-            <a:extLst>
-              <a:ext uri="{FF2B5EF4-FFF2-40B4-BE49-F238E27FC236}">
-                <a16:creationId xmlns:a16="http://schemas.microsoft.com/office/drawing/2014/main" id="{39B40A8B-3E77-FA4D-9C14-FEF090F66CF5}"/>
-              </a:ext>
-            </a:extLst>
-          </p:cNvPr>
-          <p:cNvSpPr/>
-          <p:nvPr/>
-        </p:nvSpPr>
-        <p:spPr>
-          <a:xfrm>
-            <a:off x="4734088" y="2297347"/>
-            <a:ext cx="2858203" cy="1288472"/>
-          </a:xfrm>
-          <a:prstGeom prst="rect">
-            <a:avLst/>
-          </a:prstGeom>
-          <a:solidFill>
-            <a:schemeClr val="bg1">
-              <a:lumMod val="95000"/>
-            </a:schemeClr>
-          </a:solidFill>
-          <a:ln w="38100">
-            <a:solidFill>
-              <a:schemeClr val="accent2"/>
-            </a:solidFill>
-          </a:ln>
-        </p:spPr>
-        <p:style>
-          <a:lnRef idx="2">
-            <a:schemeClr val="accent1">
-              <a:shade val="50000"/>
-            </a:schemeClr>
-          </a:lnRef>
-          <a:fillRef idx="1">
-            <a:schemeClr val="accent1"/>
-          </a:fillRef>
-          <a:effectRef idx="0">
-            <a:schemeClr val="accent1"/>
-          </a:effectRef>
-          <a:fontRef idx="minor">
-            <a:schemeClr val="lt1"/>
-          </a:fontRef>
-        </p:style>
-        <p:txBody>
-          <a:bodyPr rtlCol="0" anchor="ctr"/>
-          <a:lstStyle/>
-          <a:p>
-            <a:pPr algn="ctr"/>
-            <a:r>
-              <a:rPr lang="en-US" sz="6000" b="1" dirty="0">
-                <a:solidFill>
-                  <a:schemeClr val="accent2"/>
-                </a:solidFill>
-                <a:latin typeface="Consolas" panose="020B0609020204030204" pitchFamily="49" charset="0"/>
-                <a:cs typeface="Consolas" panose="020B0609020204030204" pitchFamily="49" charset="0"/>
-              </a:rPr>
-              <a:t>Med</a:t>
-            </a:r>
-          </a:p>
-        </p:txBody>
-      </p:sp>
-      <p:sp>
-        <p:nvSpPr>
-          <p:cNvPr id="15" name="Rectangle 14">
-            <a:extLst>
-              <a:ext uri="{FF2B5EF4-FFF2-40B4-BE49-F238E27FC236}">
-                <a16:creationId xmlns:a16="http://schemas.microsoft.com/office/drawing/2014/main" id="{4DBA186F-5123-1B4A-A813-9D9052768ADE}"/>
-              </a:ext>
-            </a:extLst>
-          </p:cNvPr>
-          <p:cNvSpPr/>
-          <p:nvPr/>
-        </p:nvSpPr>
-        <p:spPr>
-          <a:xfrm>
-            <a:off x="8610600" y="3934692"/>
-            <a:ext cx="2858203" cy="1288472"/>
-          </a:xfrm>
-          <a:prstGeom prst="rect">
-            <a:avLst/>
-          </a:prstGeom>
-          <a:solidFill>
-            <a:schemeClr val="bg1">
-              <a:lumMod val="95000"/>
-            </a:schemeClr>
-          </a:solidFill>
-          <a:ln w="38100">
-            <a:solidFill>
-              <a:schemeClr val="accent2"/>
-            </a:solidFill>
-          </a:ln>
-        </p:spPr>
-        <p:style>
-          <a:lnRef idx="2">
-            <a:schemeClr val="accent1">
-              <a:shade val="50000"/>
-            </a:schemeClr>
-          </a:lnRef>
-          <a:fillRef idx="1">
-            <a:schemeClr val="accent1"/>
-          </a:fillRef>
-          <a:effectRef idx="0">
-            <a:schemeClr val="accent1"/>
-          </a:effectRef>
-          <a:fontRef idx="minor">
-            <a:schemeClr val="lt1"/>
-          </a:fontRef>
-        </p:style>
-        <p:txBody>
-          <a:bodyPr rtlCol="0" anchor="ctr"/>
-          <a:lstStyle/>
-          <a:p>
-            <a:pPr algn="ctr"/>
-            <a:r>
-              <a:rPr lang="en-US" sz="6000" b="1" dirty="0">
-                <a:solidFill>
-                  <a:schemeClr val="accent2"/>
-                </a:solidFill>
-                <a:latin typeface="Consolas" panose="020B0609020204030204" pitchFamily="49" charset="0"/>
-                <a:cs typeface="Consolas" panose="020B0609020204030204" pitchFamily="49" charset="0"/>
-              </a:rPr>
-              <a:t>Y</a:t>
-            </a:r>
-          </a:p>
-        </p:txBody>
-      </p:sp>
-      <p:cxnSp>
-        <p:nvCxnSpPr>
-          <p:cNvPr id="9" name="Straight Arrow Connector 8">
-            <a:extLst>
-              <a:ext uri="{FF2B5EF4-FFF2-40B4-BE49-F238E27FC236}">
-                <a16:creationId xmlns:a16="http://schemas.microsoft.com/office/drawing/2014/main" id="{85E25D7D-0F70-FD40-A37C-3369E3C680F4}"/>
-              </a:ext>
-            </a:extLst>
-          </p:cNvPr>
-          <p:cNvCxnSpPr>
-            <a:stCxn id="7" idx="3"/>
-            <a:endCxn id="14" idx="1"/>
-          </p:cNvCxnSpPr>
-          <p:nvPr/>
-        </p:nvCxnSpPr>
-        <p:spPr>
-          <a:xfrm flipV="1">
-            <a:off x="3657600" y="2941583"/>
-            <a:ext cx="1076488" cy="1637345"/>
-          </a:xfrm>
-          <a:prstGeom prst="straightConnector1">
-            <a:avLst/>
-          </a:prstGeom>
-          <a:ln w="38100">
-            <a:solidFill>
-              <a:schemeClr val="accent2"/>
-            </a:solidFill>
-            <a:tailEnd type="triangle"/>
-          </a:ln>
-        </p:spPr>
-        <p:style>
-          <a:lnRef idx="1">
-            <a:schemeClr val="accent1"/>
-          </a:lnRef>
-          <a:fillRef idx="0">
-            <a:schemeClr val="accent1"/>
-          </a:fillRef>
-          <a:effectRef idx="0">
-            <a:schemeClr val="accent1"/>
-          </a:effectRef>
-          <a:fontRef idx="minor">
-            <a:schemeClr val="tx1"/>
-          </a:fontRef>
-        </p:style>
-      </p:cxnSp>
-      <p:cxnSp>
-        <p:nvCxnSpPr>
-          <p:cNvPr id="17" name="Straight Arrow Connector 16">
-            <a:extLst>
-              <a:ext uri="{FF2B5EF4-FFF2-40B4-BE49-F238E27FC236}">
-                <a16:creationId xmlns:a16="http://schemas.microsoft.com/office/drawing/2014/main" id="{3563EB65-C207-7445-9702-08EF35285BF4}"/>
-              </a:ext>
-            </a:extLst>
-          </p:cNvPr>
-          <p:cNvCxnSpPr>
-            <a:cxnSpLocks/>
-            <a:stCxn id="14" idx="3"/>
-            <a:endCxn id="15" idx="1"/>
-          </p:cNvCxnSpPr>
-          <p:nvPr/>
-        </p:nvCxnSpPr>
-        <p:spPr>
-          <a:xfrm>
-            <a:off x="7592291" y="2941583"/>
-            <a:ext cx="1018309" cy="1637345"/>
-          </a:xfrm>
-          <a:prstGeom prst="straightConnector1">
-            <a:avLst/>
-          </a:prstGeom>
-          <a:ln w="38100">
-            <a:solidFill>
-              <a:schemeClr val="accent2"/>
-            </a:solidFill>
-            <a:tailEnd type="triangle"/>
-          </a:ln>
-        </p:spPr>
-        <p:style>
-          <a:lnRef idx="1">
-            <a:schemeClr val="accent1"/>
-          </a:lnRef>
-          <a:fillRef idx="0">
-            <a:schemeClr val="accent1"/>
-          </a:fillRef>
-          <a:effectRef idx="0">
-            <a:schemeClr val="accent1"/>
-          </a:effectRef>
-          <a:fontRef idx="minor">
-            <a:schemeClr val="tx1"/>
-          </a:fontRef>
-        </p:style>
-      </p:cxnSp>
-      <p:cxnSp>
-        <p:nvCxnSpPr>
-          <p:cNvPr id="20" name="Straight Arrow Connector 19">
-            <a:extLst>
-              <a:ext uri="{FF2B5EF4-FFF2-40B4-BE49-F238E27FC236}">
-                <a16:creationId xmlns:a16="http://schemas.microsoft.com/office/drawing/2014/main" id="{555A64E1-EBDF-6A45-9225-2BAEE39667BC}"/>
-              </a:ext>
-            </a:extLst>
-          </p:cNvPr>
-          <p:cNvCxnSpPr>
-            <a:cxnSpLocks/>
-            <a:stCxn id="7" idx="3"/>
-            <a:endCxn id="15" idx="1"/>
-          </p:cNvCxnSpPr>
-          <p:nvPr/>
-        </p:nvCxnSpPr>
-        <p:spPr>
-          <a:xfrm>
-            <a:off x="3657600" y="4578928"/>
-            <a:ext cx="4953000" cy="0"/>
-          </a:xfrm>
-          <a:prstGeom prst="straightConnector1">
-            <a:avLst/>
-          </a:prstGeom>
-          <a:ln w="38100">
-            <a:solidFill>
-              <a:schemeClr val="accent2"/>
-            </a:solidFill>
-            <a:prstDash val="sysDot"/>
-            <a:tailEnd type="triangle"/>
-          </a:ln>
-        </p:spPr>
-        <p:style>
-          <a:lnRef idx="1">
-            <a:schemeClr val="accent1"/>
-          </a:lnRef>
-          <a:fillRef idx="0">
-            <a:schemeClr val="accent1"/>
-          </a:fillRef>
-          <a:effectRef idx="0">
-            <a:schemeClr val="accent1"/>
-          </a:effectRef>
-          <a:fontRef idx="minor">
-            <a:schemeClr val="tx1"/>
-          </a:fontRef>
-        </p:style>
-      </p:cxnSp>
-    </p:spTree>
-    <p:extLst>
-      <p:ext uri="{BB962C8B-B14F-4D97-AF65-F5344CB8AC3E}">
-        <p14:creationId xmlns:p14="http://schemas.microsoft.com/office/powerpoint/2010/main" val="851985153"/>
-      </p:ext>
-    </p:extLst>
-  </p:cSld>
-  <p:clrMapOvr>
-    <a:masterClrMapping/>
-  </p:clrMapOvr>
-</p:sld>
-</file>
-
-<file path=ppt/slides/slide46.xml><?xml version="1.0" encoding="utf-8"?>
-<p:sld xmlns:a="http://schemas.openxmlformats.org/drawingml/2006/main" xmlns:r="http://schemas.openxmlformats.org/officeDocument/2006/relationships" xmlns:p="http://schemas.openxmlformats.org/presentationml/2006/main">
-  <p:cSld>
-    <p:spTree>
-      <p:nvGrpSpPr>
-        <p:cNvPr id="1" name=""/>
-        <p:cNvGrpSpPr/>
-        <p:nvPr/>
-      </p:nvGrpSpPr>
-      <p:grpSpPr>
-        <a:xfrm>
-          <a:off x="0" y="0"/>
-          <a:ext cx="0" cy="0"/>
-          <a:chOff x="0" y="0"/>
-          <a:chExt cx="0" cy="0"/>
-        </a:xfrm>
-      </p:grpSpPr>
-      <p:sp>
-        <p:nvSpPr>
-          <p:cNvPr id="5" name="Slide Number Placeholder 4"/>
-          <p:cNvSpPr>
-            <a:spLocks noGrp="1"/>
-          </p:cNvSpPr>
-          <p:nvPr>
-            <p:ph type="sldNum" sz="quarter" idx="12"/>
-          </p:nvPr>
-        </p:nvSpPr>
-        <p:spPr/>
-        <p:txBody>
-          <a:bodyPr/>
-          <a:lstStyle/>
-          <a:p>
-            <a:fld id="{4655F2EB-082D-1A4D-B2FA-EA5F6FE60629}" type="slidenum">
-              <a:rPr lang="en-US" smtClean="0"/>
-              <a:t>46</a:t>
-            </a:fld>
-            <a:endParaRPr lang="en-US"/>
-          </a:p>
-        </p:txBody>
-      </p:sp>
-      <p:sp>
-        <p:nvSpPr>
-          <p:cNvPr id="10" name="TextBox 9">
-            <a:extLst>
-              <a:ext uri="{FF2B5EF4-FFF2-40B4-BE49-F238E27FC236}">
-                <a16:creationId xmlns:a16="http://schemas.microsoft.com/office/drawing/2014/main" id="{E44811FA-5435-7741-8408-0C7CB6A9701E}"/>
-              </a:ext>
-            </a:extLst>
-          </p:cNvPr>
-          <p:cNvSpPr txBox="1"/>
-          <p:nvPr/>
-        </p:nvSpPr>
-        <p:spPr>
-          <a:xfrm>
-            <a:off x="725522" y="581891"/>
-            <a:ext cx="4833374" cy="1107996"/>
-          </a:xfrm>
-          <a:prstGeom prst="rect">
-            <a:avLst/>
-          </a:prstGeom>
-          <a:noFill/>
-        </p:spPr>
-        <p:txBody>
-          <a:bodyPr wrap="none" rtlCol="0">
-            <a:spAutoFit/>
-          </a:bodyPr>
-          <a:lstStyle/>
-          <a:p>
-            <a:r>
-              <a:rPr lang="en-US" sz="6600" b="1" dirty="0">
-                <a:solidFill>
-                  <a:schemeClr val="accent3"/>
-                </a:solidFill>
-                <a:latin typeface="Consolas" panose="020B0609020204030204" pitchFamily="49" charset="0"/>
-                <a:cs typeface="Consolas" panose="020B0609020204030204" pitchFamily="49" charset="0"/>
-              </a:rPr>
-              <a:t>Moderation</a:t>
-            </a:r>
-          </a:p>
-        </p:txBody>
-      </p:sp>
-      <p:sp>
-        <p:nvSpPr>
-          <p:cNvPr id="8" name="Rectangle 7">
-            <a:extLst>
-              <a:ext uri="{FF2B5EF4-FFF2-40B4-BE49-F238E27FC236}">
-                <a16:creationId xmlns:a16="http://schemas.microsoft.com/office/drawing/2014/main" id="{2AB4907B-FEE3-DE42-B4A0-674537DBF383}"/>
-              </a:ext>
-            </a:extLst>
-          </p:cNvPr>
-          <p:cNvSpPr/>
-          <p:nvPr/>
-        </p:nvSpPr>
-        <p:spPr>
-          <a:xfrm>
-            <a:off x="799397" y="3934692"/>
-            <a:ext cx="2858203" cy="1288472"/>
-          </a:xfrm>
-          <a:prstGeom prst="rect">
-            <a:avLst/>
-          </a:prstGeom>
-          <a:solidFill>
-            <a:schemeClr val="bg1">
-              <a:lumMod val="95000"/>
-            </a:schemeClr>
-          </a:solidFill>
-          <a:ln w="38100">
-            <a:solidFill>
-              <a:schemeClr val="accent3"/>
-            </a:solidFill>
-          </a:ln>
-        </p:spPr>
-        <p:style>
-          <a:lnRef idx="2">
-            <a:schemeClr val="accent1">
-              <a:shade val="50000"/>
-            </a:schemeClr>
-          </a:lnRef>
-          <a:fillRef idx="1">
-            <a:schemeClr val="accent1"/>
-          </a:fillRef>
-          <a:effectRef idx="0">
-            <a:schemeClr val="accent1"/>
-          </a:effectRef>
-          <a:fontRef idx="minor">
-            <a:schemeClr val="lt1"/>
-          </a:fontRef>
-        </p:style>
-        <p:txBody>
-          <a:bodyPr rtlCol="0" anchor="ctr"/>
-          <a:lstStyle/>
-          <a:p>
-            <a:pPr algn="ctr"/>
-            <a:r>
-              <a:rPr lang="en-US" sz="6000" b="1" dirty="0">
-                <a:solidFill>
-                  <a:schemeClr val="accent3"/>
-                </a:solidFill>
-                <a:latin typeface="Consolas" panose="020B0609020204030204" pitchFamily="49" charset="0"/>
-                <a:cs typeface="Consolas" panose="020B0609020204030204" pitchFamily="49" charset="0"/>
-              </a:rPr>
-              <a:t>X</a:t>
-            </a:r>
-          </a:p>
-        </p:txBody>
-      </p:sp>
-      <p:sp>
-        <p:nvSpPr>
-          <p:cNvPr id="9" name="Rectangle 8">
-            <a:extLst>
-              <a:ext uri="{FF2B5EF4-FFF2-40B4-BE49-F238E27FC236}">
-                <a16:creationId xmlns:a16="http://schemas.microsoft.com/office/drawing/2014/main" id="{6C082A98-5A0E-B64A-8628-1E97599A43D0}"/>
-              </a:ext>
-            </a:extLst>
-          </p:cNvPr>
-          <p:cNvSpPr/>
-          <p:nvPr/>
-        </p:nvSpPr>
-        <p:spPr>
-          <a:xfrm>
-            <a:off x="4734088" y="2297347"/>
-            <a:ext cx="2858203" cy="1288472"/>
-          </a:xfrm>
-          <a:prstGeom prst="rect">
-            <a:avLst/>
-          </a:prstGeom>
-          <a:solidFill>
-            <a:schemeClr val="bg1">
-              <a:lumMod val="95000"/>
-            </a:schemeClr>
-          </a:solidFill>
-          <a:ln w="38100">
-            <a:solidFill>
-              <a:schemeClr val="accent3"/>
-            </a:solidFill>
-          </a:ln>
-        </p:spPr>
-        <p:style>
-          <a:lnRef idx="2">
-            <a:schemeClr val="accent1">
-              <a:shade val="50000"/>
-            </a:schemeClr>
-          </a:lnRef>
-          <a:fillRef idx="1">
-            <a:schemeClr val="accent1"/>
-          </a:fillRef>
-          <a:effectRef idx="0">
-            <a:schemeClr val="accent1"/>
-          </a:effectRef>
-          <a:fontRef idx="minor">
-            <a:schemeClr val="lt1"/>
-          </a:fontRef>
-        </p:style>
-        <p:txBody>
-          <a:bodyPr rtlCol="0" anchor="ctr"/>
-          <a:lstStyle/>
-          <a:p>
-            <a:pPr algn="ctr"/>
-            <a:r>
-              <a:rPr lang="en-US" sz="6000" b="1" dirty="0">
-                <a:solidFill>
-                  <a:schemeClr val="accent3"/>
-                </a:solidFill>
-                <a:latin typeface="Consolas" panose="020B0609020204030204" pitchFamily="49" charset="0"/>
-                <a:cs typeface="Consolas" panose="020B0609020204030204" pitchFamily="49" charset="0"/>
-              </a:rPr>
-              <a:t>Mod</a:t>
-            </a:r>
-          </a:p>
-        </p:txBody>
-      </p:sp>
-      <p:sp>
-        <p:nvSpPr>
-          <p:cNvPr id="13" name="Rectangle 12">
-            <a:extLst>
-              <a:ext uri="{FF2B5EF4-FFF2-40B4-BE49-F238E27FC236}">
-                <a16:creationId xmlns:a16="http://schemas.microsoft.com/office/drawing/2014/main" id="{45A79FA1-B448-AE4A-8C05-0B139D8A6B11}"/>
-              </a:ext>
-            </a:extLst>
-          </p:cNvPr>
-          <p:cNvSpPr/>
-          <p:nvPr/>
-        </p:nvSpPr>
-        <p:spPr>
-          <a:xfrm>
-            <a:off x="8610600" y="3934692"/>
-            <a:ext cx="2858203" cy="1288472"/>
-          </a:xfrm>
-          <a:prstGeom prst="rect">
-            <a:avLst/>
-          </a:prstGeom>
-          <a:solidFill>
-            <a:schemeClr val="bg1">
-              <a:lumMod val="95000"/>
-            </a:schemeClr>
-          </a:solidFill>
-          <a:ln w="38100">
-            <a:solidFill>
-              <a:schemeClr val="accent3"/>
-            </a:solidFill>
-          </a:ln>
-        </p:spPr>
-        <p:style>
-          <a:lnRef idx="2">
-            <a:schemeClr val="accent1">
-              <a:shade val="50000"/>
-            </a:schemeClr>
-          </a:lnRef>
-          <a:fillRef idx="1">
-            <a:schemeClr val="accent1"/>
-          </a:fillRef>
-          <a:effectRef idx="0">
-            <a:schemeClr val="accent1"/>
-          </a:effectRef>
-          <a:fontRef idx="minor">
-            <a:schemeClr val="lt1"/>
-          </a:fontRef>
-        </p:style>
-        <p:txBody>
-          <a:bodyPr rtlCol="0" anchor="ctr"/>
-          <a:lstStyle/>
-          <a:p>
-            <a:pPr algn="ctr"/>
-            <a:r>
-              <a:rPr lang="en-US" sz="6000" b="1" dirty="0">
-                <a:solidFill>
-                  <a:schemeClr val="accent3"/>
-                </a:solidFill>
-                <a:latin typeface="Consolas" panose="020B0609020204030204" pitchFamily="49" charset="0"/>
-                <a:cs typeface="Consolas" panose="020B0609020204030204" pitchFamily="49" charset="0"/>
-              </a:rPr>
-              <a:t>Y</a:t>
-            </a:r>
-          </a:p>
-        </p:txBody>
-      </p:sp>
-      <p:cxnSp>
-        <p:nvCxnSpPr>
-          <p:cNvPr id="14" name="Straight Arrow Connector 13">
-            <a:extLst>
-              <a:ext uri="{FF2B5EF4-FFF2-40B4-BE49-F238E27FC236}">
-                <a16:creationId xmlns:a16="http://schemas.microsoft.com/office/drawing/2014/main" id="{7023C407-C797-F843-8B37-903B006E7513}"/>
-              </a:ext>
-            </a:extLst>
-          </p:cNvPr>
-          <p:cNvCxnSpPr>
-            <a:cxnSpLocks/>
-            <a:stCxn id="8" idx="3"/>
-            <a:endCxn id="13" idx="1"/>
-          </p:cNvCxnSpPr>
-          <p:nvPr/>
-        </p:nvCxnSpPr>
-        <p:spPr>
-          <a:xfrm>
-            <a:off x="3657600" y="4578928"/>
-            <a:ext cx="4953000" cy="0"/>
-          </a:xfrm>
-          <a:prstGeom prst="straightConnector1">
-            <a:avLst/>
-          </a:prstGeom>
-          <a:ln w="38100">
-            <a:solidFill>
-              <a:schemeClr val="accent3"/>
-            </a:solidFill>
-            <a:tailEnd type="triangle"/>
-          </a:ln>
-        </p:spPr>
-        <p:style>
-          <a:lnRef idx="1">
-            <a:schemeClr val="accent1"/>
-          </a:lnRef>
-          <a:fillRef idx="0">
-            <a:schemeClr val="accent1"/>
-          </a:fillRef>
-          <a:effectRef idx="0">
-            <a:schemeClr val="accent1"/>
-          </a:effectRef>
-          <a:fontRef idx="minor">
-            <a:schemeClr val="tx1"/>
-          </a:fontRef>
-        </p:style>
-      </p:cxnSp>
-      <p:cxnSp>
-        <p:nvCxnSpPr>
-          <p:cNvPr id="15" name="Straight Arrow Connector 14">
-            <a:extLst>
-              <a:ext uri="{FF2B5EF4-FFF2-40B4-BE49-F238E27FC236}">
-                <a16:creationId xmlns:a16="http://schemas.microsoft.com/office/drawing/2014/main" id="{DDBA91E4-F6B2-0241-A01A-26501E0F6BDE}"/>
-              </a:ext>
-            </a:extLst>
-          </p:cNvPr>
-          <p:cNvCxnSpPr>
-            <a:cxnSpLocks/>
-            <a:stCxn id="9" idx="2"/>
-          </p:cNvCxnSpPr>
-          <p:nvPr/>
-        </p:nvCxnSpPr>
-        <p:spPr>
-          <a:xfrm flipH="1">
-            <a:off x="6134100" y="3585819"/>
-            <a:ext cx="29090" cy="993109"/>
-          </a:xfrm>
-          <a:prstGeom prst="straightConnector1">
-            <a:avLst/>
-          </a:prstGeom>
-          <a:ln w="38100">
-            <a:solidFill>
-              <a:schemeClr val="accent3"/>
-            </a:solidFill>
-            <a:tailEnd type="triangle"/>
-          </a:ln>
-        </p:spPr>
-        <p:style>
-          <a:lnRef idx="1">
-            <a:schemeClr val="accent1"/>
-          </a:lnRef>
-          <a:fillRef idx="0">
-            <a:schemeClr val="accent1"/>
-          </a:fillRef>
-          <a:effectRef idx="0">
-            <a:schemeClr val="accent1"/>
-          </a:effectRef>
-          <a:fontRef idx="minor">
-            <a:schemeClr val="tx1"/>
-          </a:fontRef>
-        </p:style>
-      </p:cxnSp>
-    </p:spTree>
-    <p:extLst>
-      <p:ext uri="{BB962C8B-B14F-4D97-AF65-F5344CB8AC3E}">
-        <p14:creationId xmlns:p14="http://schemas.microsoft.com/office/powerpoint/2010/main" val="2501213125"/>
-      </p:ext>
-    </p:extLst>
-  </p:cSld>
-  <p:clrMapOvr>
-    <a:masterClrMapping/>
-  </p:clrMapOvr>
-</p:sld>
-</file>
-
-<file path=ppt/slides/slide47.xml><?xml version="1.0" encoding="utf-8"?>
-<p:sld xmlns:a="http://schemas.openxmlformats.org/drawingml/2006/main" xmlns:r="http://schemas.openxmlformats.org/officeDocument/2006/relationships" xmlns:p="http://schemas.openxmlformats.org/presentationml/2006/main">
-  <p:cSld>
-    <p:spTree>
-      <p:nvGrpSpPr>
-        <p:cNvPr id="1" name=""/>
-        <p:cNvGrpSpPr/>
-        <p:nvPr/>
-      </p:nvGrpSpPr>
-      <p:grpSpPr>
-        <a:xfrm>
-          <a:off x="0" y="0"/>
-          <a:ext cx="0" cy="0"/>
-          <a:chOff x="0" y="0"/>
-          <a:chExt cx="0" cy="0"/>
-        </a:xfrm>
-      </p:grpSpPr>
-      <p:sp>
-        <p:nvSpPr>
-          <p:cNvPr id="5" name="Slide Number Placeholder 4"/>
-          <p:cNvSpPr>
-            <a:spLocks noGrp="1"/>
-          </p:cNvSpPr>
-          <p:nvPr>
-            <p:ph type="sldNum" sz="quarter" idx="12"/>
-          </p:nvPr>
-        </p:nvSpPr>
-        <p:spPr/>
-        <p:txBody>
-          <a:bodyPr/>
-          <a:lstStyle/>
-          <a:p>
-            <a:fld id="{4655F2EB-082D-1A4D-B2FA-EA5F6FE60629}" type="slidenum">
-              <a:rPr lang="en-US" smtClean="0"/>
-              <a:t>47</a:t>
-            </a:fld>
-            <a:endParaRPr lang="en-US"/>
-          </a:p>
-        </p:txBody>
-      </p:sp>
-      <p:sp>
-        <p:nvSpPr>
-          <p:cNvPr id="10" name="TextBox 9">
-            <a:extLst>
-              <a:ext uri="{FF2B5EF4-FFF2-40B4-BE49-F238E27FC236}">
-                <a16:creationId xmlns:a16="http://schemas.microsoft.com/office/drawing/2014/main" id="{E44811FA-5435-7741-8408-0C7CB6A9701E}"/>
-              </a:ext>
-            </a:extLst>
-          </p:cNvPr>
-          <p:cNvSpPr txBox="1"/>
-          <p:nvPr/>
-        </p:nvSpPr>
-        <p:spPr>
-          <a:xfrm>
-            <a:off x="725522" y="581891"/>
-            <a:ext cx="4368504" cy="1107996"/>
-          </a:xfrm>
-          <a:prstGeom prst="rect">
-            <a:avLst/>
-          </a:prstGeom>
-          <a:noFill/>
-        </p:spPr>
-        <p:txBody>
-          <a:bodyPr wrap="none" rtlCol="0">
-            <a:spAutoFit/>
-          </a:bodyPr>
-          <a:lstStyle/>
-          <a:p>
-            <a:r>
-              <a:rPr lang="en-US" sz="6600" b="1" dirty="0">
-                <a:solidFill>
-                  <a:schemeClr val="accent2"/>
-                </a:solidFill>
-                <a:latin typeface="Consolas" panose="020B0609020204030204" pitchFamily="49" charset="0"/>
-                <a:cs typeface="Consolas" panose="020B0609020204030204" pitchFamily="49" charset="0"/>
-              </a:rPr>
-              <a:t>Mediation</a:t>
-            </a:r>
-          </a:p>
-        </p:txBody>
-      </p:sp>
-      <p:sp>
-        <p:nvSpPr>
-          <p:cNvPr id="2" name="TextBox 1">
-            <a:extLst>
-              <a:ext uri="{FF2B5EF4-FFF2-40B4-BE49-F238E27FC236}">
-                <a16:creationId xmlns:a16="http://schemas.microsoft.com/office/drawing/2014/main" id="{D06A8DB6-A274-9E4C-A2A3-01AD64AF27B5}"/>
-              </a:ext>
-            </a:extLst>
-          </p:cNvPr>
-          <p:cNvSpPr txBox="1"/>
-          <p:nvPr/>
-        </p:nvSpPr>
-        <p:spPr>
-          <a:xfrm>
-            <a:off x="725522" y="2022763"/>
-            <a:ext cx="10210801" cy="2554545"/>
-          </a:xfrm>
-          <a:prstGeom prst="rect">
-            <a:avLst/>
-          </a:prstGeom>
-          <a:noFill/>
-        </p:spPr>
-        <p:txBody>
-          <a:bodyPr wrap="square" rtlCol="0">
-            <a:spAutoFit/>
-          </a:bodyPr>
-          <a:lstStyle/>
-          <a:p>
-            <a:r>
-              <a:rPr lang="en-US" sz="3200" b="1" dirty="0">
-                <a:solidFill>
-                  <a:schemeClr val="tx2"/>
-                </a:solidFill>
-                <a:latin typeface="Consolas" panose="020B0609020204030204" pitchFamily="49" charset="0"/>
-                <a:cs typeface="Consolas" panose="020B0609020204030204" pitchFamily="49" charset="0"/>
-              </a:rPr>
-              <a:t>Use specialized software for this (Jamovi can’t do it yet)</a:t>
-            </a:r>
-          </a:p>
-          <a:p>
-            <a:endParaRPr lang="en-US" sz="3200" b="1" dirty="0">
-              <a:solidFill>
-                <a:schemeClr val="tx2"/>
-              </a:solidFill>
-              <a:latin typeface="Consolas" panose="020B0609020204030204" pitchFamily="49" charset="0"/>
-              <a:cs typeface="Consolas" panose="020B0609020204030204" pitchFamily="49" charset="0"/>
-            </a:endParaRPr>
-          </a:p>
-          <a:p>
-            <a:r>
-              <a:rPr lang="en-US" sz="3200" b="1" dirty="0">
-                <a:solidFill>
-                  <a:schemeClr val="tx2"/>
-                </a:solidFill>
-                <a:latin typeface="Consolas" panose="020B0609020204030204" pitchFamily="49" charset="0"/>
-                <a:cs typeface="Consolas" panose="020B0609020204030204" pitchFamily="49" charset="0"/>
-              </a:rPr>
-              <a:t>Be aware of it but you do not need to know how to do it for this class</a:t>
-            </a:r>
-          </a:p>
-        </p:txBody>
-      </p:sp>
-    </p:spTree>
-    <p:extLst>
-      <p:ext uri="{BB962C8B-B14F-4D97-AF65-F5344CB8AC3E}">
-        <p14:creationId xmlns:p14="http://schemas.microsoft.com/office/powerpoint/2010/main" val="309242371"/>
-      </p:ext>
-    </p:extLst>
-  </p:cSld>
-  <p:clrMapOvr>
-    <a:masterClrMapping/>
-  </p:clrMapOvr>
-</p:sld>
-</file>
-
-<file path=ppt/slides/slide48.xml><?xml version="1.0" encoding="utf-8"?>
-<p:sld xmlns:a="http://schemas.openxmlformats.org/drawingml/2006/main" xmlns:r="http://schemas.openxmlformats.org/officeDocument/2006/relationships" xmlns:p="http://schemas.openxmlformats.org/presentationml/2006/main">
-  <p:cSld>
-    <p:spTree>
-      <p:nvGrpSpPr>
-        <p:cNvPr id="1" name=""/>
-        <p:cNvGrpSpPr/>
-        <p:nvPr/>
-      </p:nvGrpSpPr>
-      <p:grpSpPr>
-        <a:xfrm>
-          <a:off x="0" y="0"/>
-          <a:ext cx="0" cy="0"/>
-          <a:chOff x="0" y="0"/>
-          <a:chExt cx="0" cy="0"/>
-        </a:xfrm>
-      </p:grpSpPr>
-      <p:sp>
-        <p:nvSpPr>
-          <p:cNvPr id="4" name="Rectangle 3"/>
-          <p:cNvSpPr/>
-          <p:nvPr/>
-        </p:nvSpPr>
-        <p:spPr>
-          <a:xfrm>
-            <a:off x="408212" y="1108332"/>
-            <a:ext cx="11413671" cy="4216539"/>
-          </a:xfrm>
-          <a:prstGeom prst="rect">
-            <a:avLst/>
-          </a:prstGeom>
-        </p:spPr>
-        <p:txBody>
-          <a:bodyPr wrap="square">
-            <a:spAutoFit/>
-          </a:bodyPr>
-          <a:lstStyle/>
-          <a:p>
-            <a:pPr algn="ctr"/>
-            <a:r>
-              <a:rPr lang="en-US" sz="8800" b="1" dirty="0">
-                <a:solidFill>
-                  <a:schemeClr val="accent3"/>
-                </a:solidFill>
-                <a:latin typeface="Consolas" charset="0"/>
-                <a:ea typeface="Consolas" charset="0"/>
-                <a:cs typeface="Consolas" charset="0"/>
-              </a:rPr>
-              <a:t>Questions?</a:t>
-            </a:r>
-          </a:p>
-          <a:p>
-            <a:pPr algn="ctr"/>
-            <a:r>
-              <a:rPr lang="en-US" sz="6000" b="1" dirty="0">
-                <a:solidFill>
-                  <a:schemeClr val="accent1"/>
-                </a:solidFill>
-                <a:latin typeface="Consolas" charset="0"/>
-                <a:cs typeface="Consolas" charset="0"/>
-              </a:rPr>
-              <a:t>Please post them to the discussion board before class starts</a:t>
-            </a:r>
-            <a:endParaRPr lang="en-US" sz="6000" dirty="0">
-              <a:solidFill>
-                <a:schemeClr val="accent1"/>
-              </a:solidFill>
-            </a:endParaRPr>
-          </a:p>
-        </p:txBody>
-      </p:sp>
-      <p:sp>
-        <p:nvSpPr>
-          <p:cNvPr id="2" name="Slide Number Placeholder 1"/>
-          <p:cNvSpPr>
-            <a:spLocks noGrp="1"/>
-          </p:cNvSpPr>
-          <p:nvPr>
-            <p:ph type="sldNum" sz="quarter" idx="12"/>
-          </p:nvPr>
-        </p:nvSpPr>
-        <p:spPr/>
-        <p:txBody>
-          <a:bodyPr/>
-          <a:lstStyle/>
-          <a:p>
-            <a:fld id="{4655F2EB-082D-1A4D-B2FA-EA5F6FE60629}" type="slidenum">
-              <a:rPr lang="en-US" smtClean="0"/>
-              <a:t>48</a:t>
-            </a:fld>
-            <a:endParaRPr lang="en-US"/>
-          </a:p>
-        </p:txBody>
-      </p:sp>
-      <p:sp>
-        <p:nvSpPr>
-          <p:cNvPr id="3" name="TextBox 2">
-            <a:extLst>
-              <a:ext uri="{FF2B5EF4-FFF2-40B4-BE49-F238E27FC236}">
-                <a16:creationId xmlns:a16="http://schemas.microsoft.com/office/drawing/2014/main" id="{AFE30D6B-58FB-6F42-B0AC-D167B8DED558}"/>
-              </a:ext>
-            </a:extLst>
-          </p:cNvPr>
-          <p:cNvSpPr txBox="1"/>
-          <p:nvPr/>
-        </p:nvSpPr>
-        <p:spPr>
-          <a:xfrm>
-            <a:off x="3869882" y="5987018"/>
-            <a:ext cx="4490332" cy="369332"/>
-          </a:xfrm>
-          <a:prstGeom prst="rect">
-            <a:avLst/>
-          </a:prstGeom>
-          <a:noFill/>
-        </p:spPr>
-        <p:txBody>
-          <a:bodyPr wrap="none" rtlCol="0">
-            <a:spAutoFit/>
-          </a:bodyPr>
-          <a:lstStyle/>
-          <a:p>
-            <a:r>
-              <a:rPr lang="en-US" b="1" dirty="0">
-                <a:solidFill>
-                  <a:schemeClr val="accent6"/>
-                </a:solidFill>
-                <a:latin typeface="Consolas" panose="020B0609020204030204" pitchFamily="49" charset="0"/>
-                <a:cs typeface="Consolas" panose="020B0609020204030204" pitchFamily="49" charset="0"/>
-              </a:rPr>
-              <a:t>End of Pre-Recorded Lecture Slides</a:t>
-            </a:r>
-          </a:p>
-        </p:txBody>
-      </p:sp>
-    </p:spTree>
-    <p:extLst>
-      <p:ext uri="{BB962C8B-B14F-4D97-AF65-F5344CB8AC3E}">
-        <p14:creationId xmlns:p14="http://schemas.microsoft.com/office/powerpoint/2010/main" val="3696218960"/>
-      </p:ext>
-    </p:extLst>
-  </p:cSld>
-  <p:clrMapOvr>
-    <a:masterClrMapping/>
-  </p:clrMapOvr>
-</p:sld>
-</file>
-
-<file path=ppt/slides/slide49.xml><?xml version="1.0" encoding="utf-8"?>
-<p:sld xmlns:a="http://schemas.openxmlformats.org/drawingml/2006/main" xmlns:r="http://schemas.openxmlformats.org/officeDocument/2006/relationships" xmlns:p="http://schemas.openxmlformats.org/presentationml/2006/main">
-  <p:cSld>
-    <p:spTree>
-      <p:nvGrpSpPr>
-        <p:cNvPr id="1" name=""/>
-        <p:cNvGrpSpPr/>
-        <p:nvPr/>
-      </p:nvGrpSpPr>
-      <p:grpSpPr>
-        <a:xfrm>
-          <a:off x="0" y="0"/>
-          <a:ext cx="0" cy="0"/>
-          <a:chOff x="0" y="0"/>
-          <a:chExt cx="0" cy="0"/>
-        </a:xfrm>
-      </p:grpSpPr>
-      <p:sp>
-        <p:nvSpPr>
           <p:cNvPr id="4" name="Rectangle 3"/>
           <p:cNvSpPr/>
           <p:nvPr/>
@@ -33482,7 +31655,7 @@
           <a:p>
             <a:fld id="{4655F2EB-082D-1A4D-B2FA-EA5F6FE60629}" type="slidenum">
               <a:rPr lang="en-US" smtClean="0"/>
-              <a:t>49</a:t>
+              <a:t>44</a:t>
             </a:fld>
             <a:endParaRPr lang="en-US"/>
           </a:p>
@@ -33522,6 +31695,220 @@
     <p:extLst>
       <p:ext uri="{BB962C8B-B14F-4D97-AF65-F5344CB8AC3E}">
         <p14:creationId xmlns:p14="http://schemas.microsoft.com/office/powerpoint/2010/main" val="378761251"/>
+      </p:ext>
+    </p:extLst>
+  </p:cSld>
+  <p:clrMapOvr>
+    <a:masterClrMapping/>
+  </p:clrMapOvr>
+</p:sld>
+</file>
+
+<file path=ppt/slides/slide45.xml><?xml version="1.0" encoding="utf-8"?>
+<p:sld xmlns:a="http://schemas.openxmlformats.org/drawingml/2006/main" xmlns:r="http://schemas.openxmlformats.org/officeDocument/2006/relationships" xmlns:p="http://schemas.openxmlformats.org/presentationml/2006/main">
+  <p:cSld>
+    <p:spTree>
+      <p:nvGrpSpPr>
+        <p:cNvPr id="1" name=""/>
+        <p:cNvGrpSpPr/>
+        <p:nvPr/>
+      </p:nvGrpSpPr>
+      <p:grpSpPr>
+        <a:xfrm>
+          <a:off x="0" y="0"/>
+          <a:ext cx="0" cy="0"/>
+          <a:chOff x="0" y="0"/>
+          <a:chExt cx="0" cy="0"/>
+        </a:xfrm>
+      </p:grpSpPr>
+      <p:sp>
+        <p:nvSpPr>
+          <p:cNvPr id="4" name="Rectangle 3"/>
+          <p:cNvSpPr/>
+          <p:nvPr/>
+        </p:nvSpPr>
+        <p:spPr>
+          <a:xfrm>
+            <a:off x="389164" y="1376803"/>
+            <a:ext cx="11413671" cy="1446550"/>
+          </a:xfrm>
+          <a:prstGeom prst="rect">
+            <a:avLst/>
+          </a:prstGeom>
+        </p:spPr>
+        <p:txBody>
+          <a:bodyPr wrap="square">
+            <a:spAutoFit/>
+          </a:bodyPr>
+          <a:lstStyle/>
+          <a:p>
+            <a:pPr algn="ctr"/>
+            <a:r>
+              <a:rPr lang="en-US" sz="8800" b="1" dirty="0">
+                <a:solidFill>
+                  <a:schemeClr val="accent3"/>
+                </a:solidFill>
+                <a:latin typeface="Consolas" charset="0"/>
+                <a:ea typeface="Consolas" charset="0"/>
+                <a:cs typeface="Consolas" charset="0"/>
+              </a:rPr>
+              <a:t>Application</a:t>
+            </a:r>
+            <a:endParaRPr lang="en-US" sz="8800" dirty="0">
+              <a:solidFill>
+                <a:schemeClr val="accent6"/>
+              </a:solidFill>
+            </a:endParaRPr>
+          </a:p>
+        </p:txBody>
+      </p:sp>
+      <p:sp>
+        <p:nvSpPr>
+          <p:cNvPr id="2" name="Slide Number Placeholder 1"/>
+          <p:cNvSpPr>
+            <a:spLocks noGrp="1"/>
+          </p:cNvSpPr>
+          <p:nvPr>
+            <p:ph type="sldNum" sz="quarter" idx="12"/>
+          </p:nvPr>
+        </p:nvSpPr>
+        <p:spPr/>
+        <p:txBody>
+          <a:bodyPr/>
+          <a:lstStyle/>
+          <a:p>
+            <a:fld id="{4655F2EB-082D-1A4D-B2FA-EA5F6FE60629}" type="slidenum">
+              <a:rPr lang="en-US" smtClean="0"/>
+              <a:t>45</a:t>
+            </a:fld>
+            <a:endParaRPr lang="en-US" dirty="0"/>
+          </a:p>
+        </p:txBody>
+      </p:sp>
+      <p:sp>
+        <p:nvSpPr>
+          <p:cNvPr id="5" name="TextBox 4">
+            <a:extLst>
+              <a:ext uri="{FF2B5EF4-FFF2-40B4-BE49-F238E27FC236}">
+                <a16:creationId xmlns:a16="http://schemas.microsoft.com/office/drawing/2014/main" id="{60CEC2E2-D008-C344-8F8F-FA885E3438A9}"/>
+              </a:ext>
+            </a:extLst>
+          </p:cNvPr>
+          <p:cNvSpPr txBox="1"/>
+          <p:nvPr/>
+        </p:nvSpPr>
+        <p:spPr>
+          <a:xfrm>
+            <a:off x="3914151" y="2782669"/>
+            <a:ext cx="4363694" cy="646331"/>
+          </a:xfrm>
+          <a:prstGeom prst="rect">
+            <a:avLst/>
+          </a:prstGeom>
+          <a:noFill/>
+        </p:spPr>
+        <p:txBody>
+          <a:bodyPr wrap="none" rtlCol="0">
+            <a:spAutoFit/>
+          </a:bodyPr>
+          <a:lstStyle/>
+          <a:p>
+            <a:pPr algn="ctr"/>
+            <a:r>
+              <a:rPr lang="en-US" b="1" dirty="0">
+                <a:solidFill>
+                  <a:schemeClr val="accent6"/>
+                </a:solidFill>
+                <a:latin typeface="Consolas" panose="020B0609020204030204" pitchFamily="49" charset="0"/>
+                <a:cs typeface="Consolas" panose="020B0609020204030204" pitchFamily="49" charset="0"/>
+              </a:rPr>
+              <a:t>Example Using </a:t>
+            </a:r>
+          </a:p>
+          <a:p>
+            <a:pPr algn="ctr"/>
+            <a:r>
+              <a:rPr lang="en-US" b="1" dirty="0">
+                <a:solidFill>
+                  <a:schemeClr val="accent6"/>
+                </a:solidFill>
+                <a:latin typeface="Consolas" panose="020B0609020204030204" pitchFamily="49" charset="0"/>
+                <a:cs typeface="Consolas" panose="020B0609020204030204" pitchFamily="49" charset="0"/>
+              </a:rPr>
+              <a:t>The Office/Parks and Rec Data Set</a:t>
+            </a:r>
+          </a:p>
+        </p:txBody>
+      </p:sp>
+      <p:sp>
+        <p:nvSpPr>
+          <p:cNvPr id="7" name="TextBox 6">
+            <a:extLst>
+              <a:ext uri="{FF2B5EF4-FFF2-40B4-BE49-F238E27FC236}">
+                <a16:creationId xmlns:a16="http://schemas.microsoft.com/office/drawing/2014/main" id="{1DE3B548-4D66-7440-B0BD-5D47B9C75724}"/>
+              </a:ext>
+            </a:extLst>
+          </p:cNvPr>
+          <p:cNvSpPr txBox="1"/>
+          <p:nvPr/>
+        </p:nvSpPr>
+        <p:spPr>
+          <a:xfrm>
+            <a:off x="4673984" y="4465534"/>
+            <a:ext cx="2844047" cy="646331"/>
+          </a:xfrm>
+          <a:prstGeom prst="rect">
+            <a:avLst/>
+          </a:prstGeom>
+          <a:solidFill>
+            <a:schemeClr val="accent6">
+              <a:lumMod val="50000"/>
+            </a:schemeClr>
+          </a:solidFill>
+        </p:spPr>
+        <p:txBody>
+          <a:bodyPr wrap="none" rtlCol="0">
+            <a:spAutoFit/>
+          </a:bodyPr>
+          <a:lstStyle/>
+          <a:p>
+            <a:pPr algn="ctr"/>
+            <a:r>
+              <a:rPr lang="en-US" b="1" dirty="0">
+                <a:solidFill>
+                  <a:schemeClr val="accent6">
+                    <a:lumMod val="20000"/>
+                    <a:lumOff val="80000"/>
+                  </a:schemeClr>
+                </a:solidFill>
+                <a:latin typeface="Consolas" panose="020B0609020204030204" pitchFamily="49" charset="0"/>
+                <a:cs typeface="Consolas" panose="020B0609020204030204" pitchFamily="49" charset="0"/>
+              </a:rPr>
+              <a:t>Hypothesis Test with </a:t>
+            </a:r>
+          </a:p>
+          <a:p>
+            <a:pPr algn="ctr"/>
+            <a:r>
+              <a:rPr lang="en-US" b="1" dirty="0">
+                <a:solidFill>
+                  <a:schemeClr val="accent6">
+                    <a:lumMod val="20000"/>
+                    <a:lumOff val="80000"/>
+                  </a:schemeClr>
+                </a:solidFill>
+                <a:latin typeface="Consolas" panose="020B0609020204030204" pitchFamily="49" charset="0"/>
+                <a:cs typeface="Consolas" panose="020B0609020204030204" pitchFamily="49" charset="0"/>
+              </a:rPr>
+              <a:t>Logistic Regression</a:t>
+            </a:r>
+          </a:p>
+        </p:txBody>
+      </p:sp>
+    </p:spTree>
+    <p:extLst>
+      <p:ext uri="{BB962C8B-B14F-4D97-AF65-F5344CB8AC3E}">
+        <p14:creationId xmlns:p14="http://schemas.microsoft.com/office/powerpoint/2010/main" val="430267845"/>
       </p:ext>
     </p:extLst>
   </p:cSld>
@@ -35522,220 +33909,6 @@
     <p:extLst>
       <p:ext uri="{BB962C8B-B14F-4D97-AF65-F5344CB8AC3E}">
         <p14:creationId xmlns:p14="http://schemas.microsoft.com/office/powerpoint/2010/main" val="1149713657"/>
-      </p:ext>
-    </p:extLst>
-  </p:cSld>
-  <p:clrMapOvr>
-    <a:masterClrMapping/>
-  </p:clrMapOvr>
-</p:sld>
-</file>
-
-<file path=ppt/slides/slide50.xml><?xml version="1.0" encoding="utf-8"?>
-<p:sld xmlns:a="http://schemas.openxmlformats.org/drawingml/2006/main" xmlns:r="http://schemas.openxmlformats.org/officeDocument/2006/relationships" xmlns:p="http://schemas.openxmlformats.org/presentationml/2006/main">
-  <p:cSld>
-    <p:spTree>
-      <p:nvGrpSpPr>
-        <p:cNvPr id="1" name=""/>
-        <p:cNvGrpSpPr/>
-        <p:nvPr/>
-      </p:nvGrpSpPr>
-      <p:grpSpPr>
-        <a:xfrm>
-          <a:off x="0" y="0"/>
-          <a:ext cx="0" cy="0"/>
-          <a:chOff x="0" y="0"/>
-          <a:chExt cx="0" cy="0"/>
-        </a:xfrm>
-      </p:grpSpPr>
-      <p:sp>
-        <p:nvSpPr>
-          <p:cNvPr id="4" name="Rectangle 3"/>
-          <p:cNvSpPr/>
-          <p:nvPr/>
-        </p:nvSpPr>
-        <p:spPr>
-          <a:xfrm>
-            <a:off x="389164" y="1376803"/>
-            <a:ext cx="11413671" cy="1446550"/>
-          </a:xfrm>
-          <a:prstGeom prst="rect">
-            <a:avLst/>
-          </a:prstGeom>
-        </p:spPr>
-        <p:txBody>
-          <a:bodyPr wrap="square">
-            <a:spAutoFit/>
-          </a:bodyPr>
-          <a:lstStyle/>
-          <a:p>
-            <a:pPr algn="ctr"/>
-            <a:r>
-              <a:rPr lang="en-US" sz="8800" b="1" dirty="0">
-                <a:solidFill>
-                  <a:schemeClr val="accent3"/>
-                </a:solidFill>
-                <a:latin typeface="Consolas" charset="0"/>
-                <a:ea typeface="Consolas" charset="0"/>
-                <a:cs typeface="Consolas" charset="0"/>
-              </a:rPr>
-              <a:t>Application</a:t>
-            </a:r>
-            <a:endParaRPr lang="en-US" sz="8800" dirty="0">
-              <a:solidFill>
-                <a:schemeClr val="accent6"/>
-              </a:solidFill>
-            </a:endParaRPr>
-          </a:p>
-        </p:txBody>
-      </p:sp>
-      <p:sp>
-        <p:nvSpPr>
-          <p:cNvPr id="2" name="Slide Number Placeholder 1"/>
-          <p:cNvSpPr>
-            <a:spLocks noGrp="1"/>
-          </p:cNvSpPr>
-          <p:nvPr>
-            <p:ph type="sldNum" sz="quarter" idx="12"/>
-          </p:nvPr>
-        </p:nvSpPr>
-        <p:spPr/>
-        <p:txBody>
-          <a:bodyPr/>
-          <a:lstStyle/>
-          <a:p>
-            <a:fld id="{4655F2EB-082D-1A4D-B2FA-EA5F6FE60629}" type="slidenum">
-              <a:rPr lang="en-US" smtClean="0"/>
-              <a:t>50</a:t>
-            </a:fld>
-            <a:endParaRPr lang="en-US" dirty="0"/>
-          </a:p>
-        </p:txBody>
-      </p:sp>
-      <p:sp>
-        <p:nvSpPr>
-          <p:cNvPr id="5" name="TextBox 4">
-            <a:extLst>
-              <a:ext uri="{FF2B5EF4-FFF2-40B4-BE49-F238E27FC236}">
-                <a16:creationId xmlns:a16="http://schemas.microsoft.com/office/drawing/2014/main" id="{60CEC2E2-D008-C344-8F8F-FA885E3438A9}"/>
-              </a:ext>
-            </a:extLst>
-          </p:cNvPr>
-          <p:cNvSpPr txBox="1"/>
-          <p:nvPr/>
-        </p:nvSpPr>
-        <p:spPr>
-          <a:xfrm>
-            <a:off x="3914151" y="2782669"/>
-            <a:ext cx="4363694" cy="646331"/>
-          </a:xfrm>
-          <a:prstGeom prst="rect">
-            <a:avLst/>
-          </a:prstGeom>
-          <a:noFill/>
-        </p:spPr>
-        <p:txBody>
-          <a:bodyPr wrap="none" rtlCol="0">
-            <a:spAutoFit/>
-          </a:bodyPr>
-          <a:lstStyle/>
-          <a:p>
-            <a:pPr algn="ctr"/>
-            <a:r>
-              <a:rPr lang="en-US" b="1" dirty="0">
-                <a:solidFill>
-                  <a:schemeClr val="accent6"/>
-                </a:solidFill>
-                <a:latin typeface="Consolas" panose="020B0609020204030204" pitchFamily="49" charset="0"/>
-                <a:cs typeface="Consolas" panose="020B0609020204030204" pitchFamily="49" charset="0"/>
-              </a:rPr>
-              <a:t>Example Using </a:t>
-            </a:r>
-          </a:p>
-          <a:p>
-            <a:pPr algn="ctr"/>
-            <a:r>
-              <a:rPr lang="en-US" b="1" dirty="0">
-                <a:solidFill>
-                  <a:schemeClr val="accent6"/>
-                </a:solidFill>
-                <a:latin typeface="Consolas" panose="020B0609020204030204" pitchFamily="49" charset="0"/>
-                <a:cs typeface="Consolas" panose="020B0609020204030204" pitchFamily="49" charset="0"/>
-              </a:rPr>
-              <a:t>The Office/Parks and Rec Data Set</a:t>
-            </a:r>
-          </a:p>
-        </p:txBody>
-      </p:sp>
-      <p:sp>
-        <p:nvSpPr>
-          <p:cNvPr id="7" name="TextBox 6">
-            <a:extLst>
-              <a:ext uri="{FF2B5EF4-FFF2-40B4-BE49-F238E27FC236}">
-                <a16:creationId xmlns:a16="http://schemas.microsoft.com/office/drawing/2014/main" id="{1DE3B548-4D66-7440-B0BD-5D47B9C75724}"/>
-              </a:ext>
-            </a:extLst>
-          </p:cNvPr>
-          <p:cNvSpPr txBox="1"/>
-          <p:nvPr/>
-        </p:nvSpPr>
-        <p:spPr>
-          <a:xfrm>
-            <a:off x="4673984" y="4465534"/>
-            <a:ext cx="2844047" cy="646331"/>
-          </a:xfrm>
-          <a:prstGeom prst="rect">
-            <a:avLst/>
-          </a:prstGeom>
-          <a:solidFill>
-            <a:schemeClr val="accent6">
-              <a:lumMod val="50000"/>
-            </a:schemeClr>
-          </a:solidFill>
-        </p:spPr>
-        <p:txBody>
-          <a:bodyPr wrap="none" rtlCol="0">
-            <a:spAutoFit/>
-          </a:bodyPr>
-          <a:lstStyle/>
-          <a:p>
-            <a:pPr algn="ctr"/>
-            <a:r>
-              <a:rPr lang="en-US" b="1" dirty="0">
-                <a:solidFill>
-                  <a:schemeClr val="accent6">
-                    <a:lumMod val="20000"/>
-                    <a:lumOff val="80000"/>
-                  </a:schemeClr>
-                </a:solidFill>
-                <a:latin typeface="Consolas" panose="020B0609020204030204" pitchFamily="49" charset="0"/>
-                <a:cs typeface="Consolas" panose="020B0609020204030204" pitchFamily="49" charset="0"/>
-              </a:rPr>
-              <a:t>Hypothesis Test with </a:t>
-            </a:r>
-          </a:p>
-          <a:p>
-            <a:pPr algn="ctr"/>
-            <a:r>
-              <a:rPr lang="en-US" b="1" dirty="0">
-                <a:solidFill>
-                  <a:schemeClr val="accent6">
-                    <a:lumMod val="20000"/>
-                    <a:lumOff val="80000"/>
-                  </a:schemeClr>
-                </a:solidFill>
-                <a:latin typeface="Consolas" panose="020B0609020204030204" pitchFamily="49" charset="0"/>
-                <a:cs typeface="Consolas" panose="020B0609020204030204" pitchFamily="49" charset="0"/>
-              </a:rPr>
-              <a:t>Logistic Regression</a:t>
-            </a:r>
-          </a:p>
-        </p:txBody>
-      </p:sp>
-    </p:spTree>
-    <p:extLst>
-      <p:ext uri="{BB962C8B-B14F-4D97-AF65-F5344CB8AC3E}">
-        <p14:creationId xmlns:p14="http://schemas.microsoft.com/office/powerpoint/2010/main" val="430267845"/>
       </p:ext>
     </p:extLst>
   </p:cSld>

--- a/Slides/13_EDUC_6050_2018.pptx
+++ b/Slides/13_EDUC_6050_2018.pptx
@@ -5,7 +5,7 @@
     <p:sldMasterId id="2147483648" r:id="rId1"/>
   </p:sldMasterIdLst>
   <p:notesMasterIdLst>
-    <p:notesMasterId r:id="rId61"/>
+    <p:notesMasterId r:id="rId60"/>
   </p:notesMasterIdLst>
   <p:sldIdLst>
     <p:sldId id="446" r:id="rId2"/>
@@ -52,21 +52,20 @@
     <p:sldId id="502" r:id="rId43"/>
     <p:sldId id="503" r:id="rId44"/>
     <p:sldId id="504" r:id="rId45"/>
-    <p:sldId id="484" r:id="rId46"/>
-    <p:sldId id="421" r:id="rId47"/>
-    <p:sldId id="422" r:id="rId48"/>
-    <p:sldId id="423" r:id="rId49"/>
-    <p:sldId id="459" r:id="rId50"/>
-    <p:sldId id="487" r:id="rId51"/>
-    <p:sldId id="489" r:id="rId52"/>
-    <p:sldId id="493" r:id="rId53"/>
-    <p:sldId id="490" r:id="rId54"/>
-    <p:sldId id="491" r:id="rId55"/>
-    <p:sldId id="492" r:id="rId56"/>
-    <p:sldId id="494" r:id="rId57"/>
-    <p:sldId id="511" r:id="rId58"/>
-    <p:sldId id="512" r:id="rId59"/>
-    <p:sldId id="349" r:id="rId60"/>
+    <p:sldId id="421" r:id="rId46"/>
+    <p:sldId id="422" r:id="rId47"/>
+    <p:sldId id="423" r:id="rId48"/>
+    <p:sldId id="459" r:id="rId49"/>
+    <p:sldId id="487" r:id="rId50"/>
+    <p:sldId id="489" r:id="rId51"/>
+    <p:sldId id="493" r:id="rId52"/>
+    <p:sldId id="490" r:id="rId53"/>
+    <p:sldId id="491" r:id="rId54"/>
+    <p:sldId id="492" r:id="rId55"/>
+    <p:sldId id="494" r:id="rId56"/>
+    <p:sldId id="511" r:id="rId57"/>
+    <p:sldId id="512" r:id="rId58"/>
+    <p:sldId id="349" r:id="rId59"/>
   </p:sldIdLst>
   <p:sldSz cx="12192000" cy="6858000"/>
   <p:notesSz cx="6858000" cy="9144000"/>
@@ -255,7 +254,7 @@
           <a:p>
             <a:fld id="{E2EB8C27-4EA0-7247-87A3-872976A07B51}" type="datetimeFigureOut">
               <a:rPr lang="en-US" smtClean="0"/>
-              <a:t>3/19/20</a:t>
+              <a:t>3/20/20</a:t>
             </a:fld>
             <a:endParaRPr lang="en-US"/>
           </a:p>
@@ -3855,7 +3854,10 @@
           <a:bodyPr/>
           <a:lstStyle/>
           <a:p>
-            <a:endParaRPr lang="en-US" dirty="0"/>
+            <a:r>
+              <a:rPr lang="en-US" dirty="0"/>
+              <a:t>Can also use Cohen’s d here as well for each mean difference</a:t>
+            </a:r>
           </a:p>
         </p:txBody>
       </p:sp>
@@ -3885,7 +3887,7 @@
     </p:spTree>
     <p:extLst>
       <p:ext uri="{BB962C8B-B14F-4D97-AF65-F5344CB8AC3E}">
-        <p14:creationId xmlns:p14="http://schemas.microsoft.com/office/powerpoint/2010/main" val="2453885391"/>
+        <p14:creationId xmlns:p14="http://schemas.microsoft.com/office/powerpoint/2010/main" val="861764975"/>
       </p:ext>
     </p:extLst>
   </p:cSld>
@@ -3939,10 +3941,7 @@
           <a:bodyPr/>
           <a:lstStyle/>
           <a:p>
-            <a:r>
-              <a:rPr lang="en-US" dirty="0"/>
-              <a:t>Can also use Cohen’s d here as well for each mean difference</a:t>
-            </a:r>
+            <a:endParaRPr lang="en-US" dirty="0"/>
           </a:p>
         </p:txBody>
       </p:sp>
@@ -3972,7 +3971,7 @@
     </p:spTree>
     <p:extLst>
       <p:ext uri="{BB962C8B-B14F-4D97-AF65-F5344CB8AC3E}">
-        <p14:creationId xmlns:p14="http://schemas.microsoft.com/office/powerpoint/2010/main" val="861764975"/>
+        <p14:creationId xmlns:p14="http://schemas.microsoft.com/office/powerpoint/2010/main" val="1526326049"/>
       </p:ext>
     </p:extLst>
   </p:cSld>
@@ -4056,7 +4055,7 @@
     </p:spTree>
     <p:extLst>
       <p:ext uri="{BB962C8B-B14F-4D97-AF65-F5344CB8AC3E}">
-        <p14:creationId xmlns:p14="http://schemas.microsoft.com/office/powerpoint/2010/main" val="1526326049"/>
+        <p14:creationId xmlns:p14="http://schemas.microsoft.com/office/powerpoint/2010/main" val="1010945057"/>
       </p:ext>
     </p:extLst>
   </p:cSld>
@@ -4140,7 +4139,7 @@
     </p:spTree>
     <p:extLst>
       <p:ext uri="{BB962C8B-B14F-4D97-AF65-F5344CB8AC3E}">
-        <p14:creationId xmlns:p14="http://schemas.microsoft.com/office/powerpoint/2010/main" val="1010945057"/>
+        <p14:creationId xmlns:p14="http://schemas.microsoft.com/office/powerpoint/2010/main" val="2465181427"/>
       </p:ext>
     </p:extLst>
   </p:cSld>
@@ -4224,7 +4223,7 @@
     </p:spTree>
     <p:extLst>
       <p:ext uri="{BB962C8B-B14F-4D97-AF65-F5344CB8AC3E}">
-        <p14:creationId xmlns:p14="http://schemas.microsoft.com/office/powerpoint/2010/main" val="2465181427"/>
+        <p14:creationId xmlns:p14="http://schemas.microsoft.com/office/powerpoint/2010/main" val="2281573573"/>
       </p:ext>
     </p:extLst>
   </p:cSld>
@@ -4308,7 +4307,7 @@
     </p:spTree>
     <p:extLst>
       <p:ext uri="{BB962C8B-B14F-4D97-AF65-F5344CB8AC3E}">
-        <p14:creationId xmlns:p14="http://schemas.microsoft.com/office/powerpoint/2010/main" val="2281573573"/>
+        <p14:creationId xmlns:p14="http://schemas.microsoft.com/office/powerpoint/2010/main" val="625966996"/>
       </p:ext>
     </p:extLst>
   </p:cSld>
@@ -4446,7 +4445,10 @@
           <a:bodyPr/>
           <a:lstStyle/>
           <a:p>
-            <a:endParaRPr lang="en-US" dirty="0"/>
+            <a:r>
+              <a:rPr lang="en-US" dirty="0"/>
+              <a:t>Can report both the “adjusted” and “unadjusted” effects as well</a:t>
+            </a:r>
           </a:p>
         </p:txBody>
       </p:sp>
@@ -4476,7 +4478,7 @@
     </p:spTree>
     <p:extLst>
       <p:ext uri="{BB962C8B-B14F-4D97-AF65-F5344CB8AC3E}">
-        <p14:creationId xmlns:p14="http://schemas.microsoft.com/office/powerpoint/2010/main" val="625966996"/>
+        <p14:creationId xmlns:p14="http://schemas.microsoft.com/office/powerpoint/2010/main" val="1036004497"/>
       </p:ext>
     </p:extLst>
   </p:cSld>
@@ -4530,10 +4532,7 @@
           <a:bodyPr/>
           <a:lstStyle/>
           <a:p>
-            <a:r>
-              <a:rPr lang="en-US" dirty="0"/>
-              <a:t>Can report both the “adjusted” and “unadjusted” effects as well</a:t>
-            </a:r>
+            <a:endParaRPr lang="en-US" dirty="0"/>
           </a:p>
         </p:txBody>
       </p:sp>
@@ -4563,7 +4562,7 @@
     </p:spTree>
     <p:extLst>
       <p:ext uri="{BB962C8B-B14F-4D97-AF65-F5344CB8AC3E}">
-        <p14:creationId xmlns:p14="http://schemas.microsoft.com/office/powerpoint/2010/main" val="1036004497"/>
+        <p14:creationId xmlns:p14="http://schemas.microsoft.com/office/powerpoint/2010/main" val="3100893186"/>
       </p:ext>
     </p:extLst>
   </p:cSld>
@@ -4647,7 +4646,7 @@
     </p:spTree>
     <p:extLst>
       <p:ext uri="{BB962C8B-B14F-4D97-AF65-F5344CB8AC3E}">
-        <p14:creationId xmlns:p14="http://schemas.microsoft.com/office/powerpoint/2010/main" val="3100893186"/>
+        <p14:creationId xmlns:p14="http://schemas.microsoft.com/office/powerpoint/2010/main" val="94789481"/>
       </p:ext>
     </p:extLst>
   </p:cSld>
@@ -4731,7 +4730,7 @@
     </p:spTree>
     <p:extLst>
       <p:ext uri="{BB962C8B-B14F-4D97-AF65-F5344CB8AC3E}">
-        <p14:creationId xmlns:p14="http://schemas.microsoft.com/office/powerpoint/2010/main" val="94789481"/>
+        <p14:creationId xmlns:p14="http://schemas.microsoft.com/office/powerpoint/2010/main" val="240143707"/>
       </p:ext>
     </p:extLst>
   </p:cSld>
@@ -4815,7 +4814,7 @@
     </p:spTree>
     <p:extLst>
       <p:ext uri="{BB962C8B-B14F-4D97-AF65-F5344CB8AC3E}">
-        <p14:creationId xmlns:p14="http://schemas.microsoft.com/office/powerpoint/2010/main" val="240143707"/>
+        <p14:creationId xmlns:p14="http://schemas.microsoft.com/office/powerpoint/2010/main" val="2164453062"/>
       </p:ext>
     </p:extLst>
   </p:cSld>
@@ -4890,91 +4889,7 @@
           <a:p>
             <a:fld id="{AECF59C2-7033-4B4D-ACA3-71A130EDE93E}" type="slidenum">
               <a:rPr lang="en-US" smtClean="0"/>
-              <a:t>56</a:t>
-            </a:fld>
-            <a:endParaRPr lang="en-US"/>
-          </a:p>
-        </p:txBody>
-      </p:sp>
-    </p:spTree>
-    <p:extLst>
-      <p:ext uri="{BB962C8B-B14F-4D97-AF65-F5344CB8AC3E}">
-        <p14:creationId xmlns:p14="http://schemas.microsoft.com/office/powerpoint/2010/main" val="2164453062"/>
-      </p:ext>
-    </p:extLst>
-  </p:cSld>
-  <p:clrMapOvr>
-    <a:masterClrMapping/>
-  </p:clrMapOvr>
-</p:notes>
-</file>
-
-<file path=ppt/notesSlides/notesSlide56.xml><?xml version="1.0" encoding="utf-8"?>
-<p:notes xmlns:a="http://schemas.openxmlformats.org/drawingml/2006/main" xmlns:r="http://schemas.openxmlformats.org/officeDocument/2006/relationships" xmlns:p="http://schemas.openxmlformats.org/presentationml/2006/main">
-  <p:cSld>
-    <p:spTree>
-      <p:nvGrpSpPr>
-        <p:cNvPr id="1" name=""/>
-        <p:cNvGrpSpPr/>
-        <p:nvPr/>
-      </p:nvGrpSpPr>
-      <p:grpSpPr>
-        <a:xfrm>
-          <a:off x="0" y="0"/>
-          <a:ext cx="0" cy="0"/>
-          <a:chOff x="0" y="0"/>
-          <a:chExt cx="0" cy="0"/>
-        </a:xfrm>
-      </p:grpSpPr>
-      <p:sp>
-        <p:nvSpPr>
-          <p:cNvPr id="2" name="Slide Image Placeholder 1"/>
-          <p:cNvSpPr>
-            <a:spLocks noGrp="1" noRot="1" noChangeAspect="1"/>
-          </p:cNvSpPr>
-          <p:nvPr>
-            <p:ph type="sldImg"/>
-          </p:nvPr>
-        </p:nvSpPr>
-        <p:spPr/>
-      </p:sp>
-      <p:sp>
-        <p:nvSpPr>
-          <p:cNvPr id="3" name="Notes Placeholder 2"/>
-          <p:cNvSpPr>
-            <a:spLocks noGrp="1"/>
-          </p:cNvSpPr>
-          <p:nvPr>
-            <p:ph type="body" idx="1"/>
-          </p:nvPr>
-        </p:nvSpPr>
-        <p:spPr/>
-        <p:txBody>
-          <a:bodyPr/>
-          <a:lstStyle/>
-          <a:p>
-            <a:endParaRPr lang="en-US" dirty="0"/>
-          </a:p>
-        </p:txBody>
-      </p:sp>
-      <p:sp>
-        <p:nvSpPr>
-          <p:cNvPr id="4" name="Slide Number Placeholder 3"/>
-          <p:cNvSpPr>
-            <a:spLocks noGrp="1"/>
-          </p:cNvSpPr>
-          <p:nvPr>
-            <p:ph type="sldNum" sz="quarter" idx="10"/>
-          </p:nvPr>
-        </p:nvSpPr>
-        <p:spPr/>
-        <p:txBody>
-          <a:bodyPr/>
-          <a:lstStyle/>
-          <a:p>
-            <a:fld id="{AECF59C2-7033-4B4D-ACA3-71A130EDE93E}" type="slidenum">
-              <a:rPr lang="en-US" smtClean="0"/>
-              <a:t>59</a:t>
+              <a:t>58</a:t>
             </a:fld>
             <a:endParaRPr lang="en-US"/>
           </a:p>
@@ -5458,7 +5373,7 @@
           <a:p>
             <a:fld id="{2BEF6D73-E719-D849-B192-46101C5BDE90}" type="datetime1">
               <a:rPr lang="en-US" smtClean="0"/>
-              <a:t>3/19/20</a:t>
+              <a:t>3/20/20</a:t>
             </a:fld>
             <a:endParaRPr lang="en-US"/>
           </a:p>
@@ -5626,7 +5541,7 @@
           <a:p>
             <a:fld id="{217F9701-0A79-F944-95C4-63D074BCD5FE}" type="datetime1">
               <a:rPr lang="en-US" smtClean="0"/>
-              <a:t>3/19/20</a:t>
+              <a:t>3/20/20</a:t>
             </a:fld>
             <a:endParaRPr lang="en-US"/>
           </a:p>
@@ -5804,7 +5719,7 @@
           <a:p>
             <a:fld id="{8A1E0CA4-DAFA-6D46-8CB2-2C9884C33B19}" type="datetime1">
               <a:rPr lang="en-US" smtClean="0"/>
-              <a:t>3/19/20</a:t>
+              <a:t>3/20/20</a:t>
             </a:fld>
             <a:endParaRPr lang="en-US"/>
           </a:p>
@@ -5972,7 +5887,7 @@
           <a:p>
             <a:fld id="{2EDE969C-4E88-FD4D-B0FD-C205835C558E}" type="datetime1">
               <a:rPr lang="en-US" smtClean="0"/>
-              <a:t>3/19/20</a:t>
+              <a:t>3/20/20</a:t>
             </a:fld>
             <a:endParaRPr lang="en-US"/>
           </a:p>
@@ -6217,7 +6132,7 @@
           <a:p>
             <a:fld id="{6EB2FD85-1BA6-C144-9430-792891429B46}" type="datetime1">
               <a:rPr lang="en-US" smtClean="0"/>
-              <a:t>3/19/20</a:t>
+              <a:t>3/20/20</a:t>
             </a:fld>
             <a:endParaRPr lang="en-US"/>
           </a:p>
@@ -6446,7 +6361,7 @@
           <a:p>
             <a:fld id="{566BD6FA-46B1-AB4D-BA89-52D1F1EDB7DC}" type="datetime1">
               <a:rPr lang="en-US" smtClean="0"/>
-              <a:t>3/19/20</a:t>
+              <a:t>3/20/20</a:t>
             </a:fld>
             <a:endParaRPr lang="en-US"/>
           </a:p>
@@ -6810,7 +6725,7 @@
           <a:p>
             <a:fld id="{DC6F0F6F-40DD-C041-8CA9-F3B7FE603DF0}" type="datetime1">
               <a:rPr lang="en-US" smtClean="0"/>
-              <a:t>3/19/20</a:t>
+              <a:t>3/20/20</a:t>
             </a:fld>
             <a:endParaRPr lang="en-US"/>
           </a:p>
@@ -6927,7 +6842,7 @@
           <a:p>
             <a:fld id="{79BE8225-12C7-9541-8776-7D580B3D5DF4}" type="datetime1">
               <a:rPr lang="en-US" smtClean="0"/>
-              <a:t>3/19/20</a:t>
+              <a:t>3/20/20</a:t>
             </a:fld>
             <a:endParaRPr lang="en-US"/>
           </a:p>
@@ -7022,7 +6937,7 @@
           <a:p>
             <a:fld id="{0BC48ADA-5976-EF4F-970E-AF67408D4544}" type="datetime1">
               <a:rPr lang="en-US" smtClean="0"/>
-              <a:t>3/19/20</a:t>
+              <a:t>3/20/20</a:t>
             </a:fld>
             <a:endParaRPr lang="en-US"/>
           </a:p>
@@ -7297,7 +7212,7 @@
           <a:p>
             <a:fld id="{CC4350B1-E69C-BF40-8DA9-7B6511B1163C}" type="datetime1">
               <a:rPr lang="en-US" smtClean="0"/>
-              <a:t>3/19/20</a:t>
+              <a:t>3/20/20</a:t>
             </a:fld>
             <a:endParaRPr lang="en-US"/>
           </a:p>
@@ -7549,7 +7464,7 @@
           <a:p>
             <a:fld id="{AACAA9B4-0EE4-FC4D-BE81-EA98845A0C10}" type="datetime1">
               <a:rPr lang="en-US" smtClean="0"/>
-              <a:t>3/19/20</a:t>
+              <a:t>3/20/20</a:t>
             </a:fld>
             <a:endParaRPr lang="en-US"/>
           </a:p>
@@ -7760,7 +7675,7 @@
           <a:p>
             <a:fld id="{C15F6ACF-BE73-1A41-A391-5F549B566778}" type="datetime1">
               <a:rPr lang="en-US" smtClean="0"/>
-              <a:t>3/19/20</a:t>
+              <a:t>3/20/20</a:t>
             </a:fld>
             <a:endParaRPr lang="en-US"/>
           </a:p>
@@ -8238,7 +8153,7 @@
           </a:p>
           <a:p>
             <a:r>
-              <a:rPr lang="en-US" sz="3600" b="1">
+              <a:rPr lang="en-US" sz="3600" b="1" dirty="0">
                 <a:solidFill>
                   <a:schemeClr val="accent3"/>
                 </a:solidFill>
@@ -8248,14 +8163,6 @@
               </a:rPr>
               <a:t>Week 13</a:t>
             </a:r>
-            <a:endParaRPr lang="en-US" sz="3600" b="1" dirty="0">
-              <a:solidFill>
-                <a:schemeClr val="accent3"/>
-              </a:solidFill>
-              <a:latin typeface="Consolas" charset="0"/>
-              <a:ea typeface="Consolas" charset="0"/>
-              <a:cs typeface="Consolas" charset="0"/>
-            </a:endParaRPr>
           </a:p>
         </p:txBody>
       </p:sp>
@@ -9868,7 +9775,7 @@
               <a:rPr lang="en-US" sz="9600" b="1" u="sng" dirty="0">
                 <a:latin typeface="Consolas" panose="020B0609020204030204" pitchFamily="49" charset="0"/>
                 <a:cs typeface="Consolas" panose="020B0609020204030204" pitchFamily="49" charset="0"/>
-                <a:hlinkClick r:id=""/>
+                <a:hlinkClick r:id="" action="ppaction://noaction"/>
               </a:rPr>
               <a:t>Jamovi</a:t>
             </a:r>
@@ -9879,7 +9786,7 @@
               <a:rPr lang="en-US" sz="9600" b="1" u="sng" dirty="0">
                 <a:latin typeface="Consolas" panose="020B0609020204030204" pitchFamily="49" charset="0"/>
                 <a:cs typeface="Consolas" panose="020B0609020204030204" pitchFamily="49" charset="0"/>
-                <a:hlinkClick r:id=""/>
+                <a:hlinkClick r:id="" action="ppaction://noaction"/>
               </a:rPr>
               <a:t>Tutorial</a:t>
             </a:r>
@@ -38348,7 +38255,7 @@
                 <a:ea typeface="Consolas" charset="0"/>
                 <a:cs typeface="Consolas" charset="0"/>
               </a:rPr>
-              <a:t>Compute the Test Statistic</a:t>
+              <a:t>Compute an Effect Size and Describe it</a:t>
             </a:r>
           </a:p>
         </p:txBody>
@@ -38371,266 +38278,6 @@
             <a:fld id="{4655F2EB-082D-1A4D-B2FA-EA5F6FE60629}" type="slidenum">
               <a:rPr lang="en-US" smtClean="0"/>
               <a:t>45</a:t>
-            </a:fld>
-            <a:endParaRPr lang="en-US"/>
-          </a:p>
-        </p:txBody>
-      </p:sp>
-      <p:sp>
-        <p:nvSpPr>
-          <p:cNvPr id="6" name="Rectangle 5">
-            <a:extLst>
-              <a:ext uri="{FF2B5EF4-FFF2-40B4-BE49-F238E27FC236}">
-                <a16:creationId xmlns:a16="http://schemas.microsoft.com/office/drawing/2014/main" id="{0474D595-141C-6849-A646-28B542DAD5D5}"/>
-              </a:ext>
-            </a:extLst>
-          </p:cNvPr>
-          <p:cNvSpPr/>
-          <p:nvPr/>
-        </p:nvSpPr>
-        <p:spPr>
-          <a:xfrm>
-            <a:off x="644448" y="-320934"/>
-            <a:ext cx="1354858" cy="2646878"/>
-          </a:xfrm>
-          <a:prstGeom prst="rect">
-            <a:avLst/>
-          </a:prstGeom>
-        </p:spPr>
-        <p:txBody>
-          <a:bodyPr wrap="none">
-            <a:spAutoFit/>
-          </a:bodyPr>
-          <a:lstStyle/>
-          <a:p>
-            <a:r>
-              <a:rPr lang="en-US" sz="16600" b="1" dirty="0">
-                <a:solidFill>
-                  <a:schemeClr val="accent1"/>
-                </a:solidFill>
-                <a:latin typeface="Consolas" charset="0"/>
-                <a:cs typeface="Consolas" charset="0"/>
-              </a:rPr>
-              <a:t>4</a:t>
-            </a:r>
-            <a:endParaRPr lang="en-US" sz="16600" dirty="0">
-              <a:solidFill>
-                <a:schemeClr val="accent1"/>
-              </a:solidFill>
-            </a:endParaRPr>
-          </a:p>
-        </p:txBody>
-      </p:sp>
-      <p:sp>
-        <p:nvSpPr>
-          <p:cNvPr id="3" name="TextBox 2">
-            <a:extLst>
-              <a:ext uri="{FF2B5EF4-FFF2-40B4-BE49-F238E27FC236}">
-                <a16:creationId xmlns:a16="http://schemas.microsoft.com/office/drawing/2014/main" id="{02A91DC2-CE77-BE4F-9372-BA2F3AFBEF16}"/>
-              </a:ext>
-            </a:extLst>
-          </p:cNvPr>
-          <p:cNvSpPr txBox="1"/>
-          <p:nvPr/>
-        </p:nvSpPr>
-        <p:spPr>
-          <a:xfrm>
-            <a:off x="1999306" y="3674487"/>
-            <a:ext cx="10192694" cy="2800767"/>
-          </a:xfrm>
-          <a:prstGeom prst="rect">
-            <a:avLst/>
-          </a:prstGeom>
-          <a:noFill/>
-        </p:spPr>
-        <p:txBody>
-          <a:bodyPr wrap="square" rtlCol="0">
-            <a:spAutoFit/>
-          </a:bodyPr>
-          <a:lstStyle/>
-          <a:p>
-            <a:r>
-              <a:rPr lang="en-US" sz="4400" b="1" dirty="0">
-                <a:latin typeface="Consolas" panose="020B0609020204030204" pitchFamily="49" charset="0"/>
-                <a:cs typeface="Consolas" panose="020B0609020204030204" pitchFamily="49" charset="0"/>
-              </a:rPr>
-              <a:t>Slope</a:t>
-            </a:r>
-            <a:r>
-              <a:rPr lang="en-US" sz="4400" dirty="0">
-                <a:latin typeface="Consolas" panose="020B0609020204030204" pitchFamily="49" charset="0"/>
-                <a:cs typeface="Consolas" panose="020B0609020204030204" pitchFamily="49" charset="0"/>
-              </a:rPr>
-              <a:t> = The change in the  </a:t>
-            </a:r>
-          </a:p>
-          <a:p>
-            <a:r>
-              <a:rPr lang="en-US" sz="4400" dirty="0">
-                <a:latin typeface="Consolas" panose="020B0609020204030204" pitchFamily="49" charset="0"/>
-                <a:cs typeface="Consolas" panose="020B0609020204030204" pitchFamily="49" charset="0"/>
-              </a:rPr>
-              <a:t>        odds of Y = 1 for a </a:t>
-            </a:r>
-          </a:p>
-          <a:p>
-            <a:r>
-              <a:rPr lang="en-US" sz="4400" dirty="0">
-                <a:latin typeface="Consolas" panose="020B0609020204030204" pitchFamily="49" charset="0"/>
-                <a:cs typeface="Consolas" panose="020B0609020204030204" pitchFamily="49" charset="0"/>
-              </a:rPr>
-              <a:t>        one unit change in X, </a:t>
-            </a:r>
-          </a:p>
-          <a:p>
-            <a:r>
-              <a:rPr lang="en-US" sz="4400" dirty="0">
-                <a:latin typeface="Consolas" panose="020B0609020204030204" pitchFamily="49" charset="0"/>
-                <a:cs typeface="Consolas" panose="020B0609020204030204" pitchFamily="49" charset="0"/>
-              </a:rPr>
-              <a:t>        on average.</a:t>
-            </a:r>
-          </a:p>
-        </p:txBody>
-      </p:sp>
-      <p:sp>
-        <p:nvSpPr>
-          <p:cNvPr id="44" name="TextBox 43">
-            <a:extLst>
-              <a:ext uri="{FF2B5EF4-FFF2-40B4-BE49-F238E27FC236}">
-                <a16:creationId xmlns:a16="http://schemas.microsoft.com/office/drawing/2014/main" id="{39739101-E48C-F142-B09D-72FD1EF9ED51}"/>
-              </a:ext>
-            </a:extLst>
-          </p:cNvPr>
-          <p:cNvSpPr txBox="1"/>
-          <p:nvPr/>
-        </p:nvSpPr>
-        <p:spPr>
-          <a:xfrm>
-            <a:off x="1999306" y="2085548"/>
-            <a:ext cx="9050986" cy="1446550"/>
-          </a:xfrm>
-          <a:prstGeom prst="rect">
-            <a:avLst/>
-          </a:prstGeom>
-          <a:noFill/>
-        </p:spPr>
-        <p:txBody>
-          <a:bodyPr wrap="square" rtlCol="0">
-            <a:spAutoFit/>
-          </a:bodyPr>
-          <a:lstStyle/>
-          <a:p>
-            <a:r>
-              <a:rPr lang="en-US" sz="4400" b="1" dirty="0">
-                <a:latin typeface="Consolas" panose="020B0609020204030204" pitchFamily="49" charset="0"/>
-                <a:cs typeface="Consolas" panose="020B0609020204030204" pitchFamily="49" charset="0"/>
-              </a:rPr>
-              <a:t>Intercept</a:t>
-            </a:r>
-            <a:r>
-              <a:rPr lang="en-US" sz="4400" dirty="0">
-                <a:latin typeface="Consolas" panose="020B0609020204030204" pitchFamily="49" charset="0"/>
-                <a:cs typeface="Consolas" panose="020B0609020204030204" pitchFamily="49" charset="0"/>
-              </a:rPr>
-              <a:t> = Odds of Y when</a:t>
-            </a:r>
-          </a:p>
-          <a:p>
-            <a:r>
-              <a:rPr lang="en-US" sz="4400" dirty="0">
-                <a:latin typeface="Consolas" panose="020B0609020204030204" pitchFamily="49" charset="0"/>
-                <a:cs typeface="Consolas" panose="020B0609020204030204" pitchFamily="49" charset="0"/>
-              </a:rPr>
-              <a:t>				 X is zero</a:t>
-            </a:r>
-          </a:p>
-        </p:txBody>
-      </p:sp>
-    </p:spTree>
-    <p:extLst>
-      <p:ext uri="{BB962C8B-B14F-4D97-AF65-F5344CB8AC3E}">
-        <p14:creationId xmlns:p14="http://schemas.microsoft.com/office/powerpoint/2010/main" val="1071492966"/>
-      </p:ext>
-    </p:extLst>
-  </p:cSld>
-  <p:clrMapOvr>
-    <a:masterClrMapping/>
-  </p:clrMapOvr>
-</p:sld>
-</file>
-
-<file path=ppt/slides/slide46.xml><?xml version="1.0" encoding="utf-8"?>
-<p:sld xmlns:a="http://schemas.openxmlformats.org/drawingml/2006/main" xmlns:r="http://schemas.openxmlformats.org/officeDocument/2006/relationships" xmlns:p="http://schemas.openxmlformats.org/presentationml/2006/main">
-  <p:cSld>
-    <p:spTree>
-      <p:nvGrpSpPr>
-        <p:cNvPr id="1" name=""/>
-        <p:cNvGrpSpPr/>
-        <p:nvPr/>
-      </p:nvGrpSpPr>
-      <p:grpSpPr>
-        <a:xfrm>
-          <a:off x="0" y="0"/>
-          <a:ext cx="0" cy="0"/>
-          <a:chOff x="0" y="0"/>
-          <a:chExt cx="0" cy="0"/>
-        </a:xfrm>
-      </p:grpSpPr>
-      <p:sp>
-        <p:nvSpPr>
-          <p:cNvPr id="2" name="Title 1"/>
-          <p:cNvSpPr>
-            <a:spLocks noGrp="1"/>
-          </p:cNvSpPr>
-          <p:nvPr>
-            <p:ph type="title"/>
-          </p:nvPr>
-        </p:nvSpPr>
-        <p:spPr>
-          <a:xfrm>
-            <a:off x="2209800" y="365125"/>
-            <a:ext cx="9144000" cy="1325563"/>
-          </a:xfrm>
-        </p:spPr>
-        <p:txBody>
-          <a:bodyPr>
-            <a:normAutofit/>
-          </a:bodyPr>
-          <a:lstStyle/>
-          <a:p>
-            <a:r>
-              <a:rPr lang="en-US" b="1" dirty="0">
-                <a:solidFill>
-                  <a:schemeClr val="tx2"/>
-                </a:solidFill>
-                <a:latin typeface="Consolas" charset="0"/>
-                <a:ea typeface="Consolas" charset="0"/>
-                <a:cs typeface="Consolas" charset="0"/>
-              </a:rPr>
-              <a:t>Compute an Effect Size and Describe it</a:t>
-            </a:r>
-          </a:p>
-        </p:txBody>
-      </p:sp>
-      <p:sp>
-        <p:nvSpPr>
-          <p:cNvPr id="5" name="Slide Number Placeholder 4"/>
-          <p:cNvSpPr>
-            <a:spLocks noGrp="1"/>
-          </p:cNvSpPr>
-          <p:nvPr>
-            <p:ph type="sldNum" sz="quarter" idx="12"/>
-          </p:nvPr>
-        </p:nvSpPr>
-        <p:spPr/>
-        <p:txBody>
-          <a:bodyPr/>
-          <a:lstStyle/>
-          <a:p>
-            <a:fld id="{4655F2EB-082D-1A4D-B2FA-EA5F6FE60629}" type="slidenum">
-              <a:rPr lang="en-US" smtClean="0"/>
-              <a:t>46</a:t>
             </a:fld>
             <a:endParaRPr lang="en-US"/>
           </a:p>
@@ -39296,410 +38943,6 @@
           </p:sp>
         </mc:Fallback>
       </mc:AlternateContent>
-      <mc:AlternateContent xmlns:mc="http://schemas.openxmlformats.org/markup-compatibility/2006" xmlns:a14="http://schemas.microsoft.com/office/drawing/2010/main">
-        <mc:Choice Requires="a14">
-          <p:graphicFrame>
-            <p:nvGraphicFramePr>
-              <p:cNvPr id="7" name="Table 6">
-                <a:extLst>
-                  <a:ext uri="{FF2B5EF4-FFF2-40B4-BE49-F238E27FC236}">
-                    <a16:creationId xmlns:a16="http://schemas.microsoft.com/office/drawing/2014/main" id="{0E60F6F4-904B-5E4C-BA9A-6719B53D6AF3}"/>
-                  </a:ext>
-                </a:extLst>
-              </p:cNvPr>
-              <p:cNvGraphicFramePr>
-                <a:graphicFrameLocks noGrp="1"/>
-              </p:cNvGraphicFramePr>
-              <p:nvPr>
-                <p:extLst>
-                  <p:ext uri="{D42A27DB-BD31-4B8C-83A1-F6EECF244321}">
-                    <p14:modId xmlns:p14="http://schemas.microsoft.com/office/powerpoint/2010/main" val="1869749228"/>
-                  </p:ext>
-                </p:extLst>
-              </p:nvPr>
-            </p:nvGraphicFramePr>
-            <p:xfrm>
-              <a:off x="2571750" y="4198686"/>
-              <a:ext cx="7645400" cy="2316480"/>
-            </p:xfrm>
-            <a:graphic>
-              <a:graphicData uri="http://schemas.openxmlformats.org/drawingml/2006/table">
-                <a:tbl>
-                  <a:tblPr firstRow="1" bandRow="1">
-                    <a:tableStyleId>{5C22544A-7EE6-4342-B048-85BDC9FD1C3A}</a:tableStyleId>
-                  </a:tblPr>
-                  <a:tblGrid>
-                    <a:gridCol w="2286000">
-                      <a:extLst>
-                        <a:ext uri="{9D8B030D-6E8A-4147-A177-3AD203B41FA5}">
-                          <a16:colId xmlns:a16="http://schemas.microsoft.com/office/drawing/2014/main" val="2004006104"/>
-                        </a:ext>
-                      </a:extLst>
-                    </a:gridCol>
-                    <a:gridCol w="5359400">
-                      <a:extLst>
-                        <a:ext uri="{9D8B030D-6E8A-4147-A177-3AD203B41FA5}">
-                          <a16:colId xmlns:a16="http://schemas.microsoft.com/office/drawing/2014/main" val="2605256838"/>
-                        </a:ext>
-                      </a:extLst>
-                    </a:gridCol>
-                  </a:tblGrid>
-                  <a:tr h="370840">
-                    <a:tc>
-                      <a:txBody>
-                        <a:bodyPr/>
-                        <a:lstStyle/>
-                        <a:p>
-                          <a:pPr algn="ctr"/>
-                          <a14:m>
-                            <m:oMathPara xmlns:m="http://schemas.openxmlformats.org/officeDocument/2006/math">
-                              <m:oMathParaPr>
-                                <m:jc m:val="centerGroup"/>
-                              </m:oMathParaPr>
-                              <m:oMath xmlns:m="http://schemas.openxmlformats.org/officeDocument/2006/math">
-                                <m:r>
-                                  <a:rPr lang="en-US" sz="3200" b="1" i="1" smtClean="0">
-                                    <a:solidFill>
-                                      <a:schemeClr val="bg1"/>
-                                    </a:solidFill>
-                                    <a:latin typeface="Cambria Math" panose="02040503050406030204" pitchFamily="18" charset="0"/>
-                                  </a:rPr>
-                                  <m:t>𝑶𝑹</m:t>
-                                </m:r>
-                              </m:oMath>
-                            </m:oMathPara>
-                          </a14:m>
-                          <a:endParaRPr lang="en-US" sz="3200" dirty="0"/>
-                        </a:p>
-                      </a:txBody>
-                      <a:tcPr/>
-                    </a:tc>
-                    <a:tc>
-                      <a:txBody>
-                        <a:bodyPr/>
-                        <a:lstStyle/>
-                        <a:p>
-                          <a:pPr algn="ctr"/>
-                          <a:r>
-                            <a:rPr lang="en-US" sz="3200" dirty="0"/>
-                            <a:t>Estimated Size of the Effect</a:t>
-                          </a:r>
-                        </a:p>
-                      </a:txBody>
-                      <a:tcPr/>
-                    </a:tc>
-                    <a:extLst>
-                      <a:ext uri="{0D108BD9-81ED-4DB2-BD59-A6C34878D82A}">
-                        <a16:rowId xmlns:a16="http://schemas.microsoft.com/office/drawing/2014/main" val="4057194693"/>
-                      </a:ext>
-                    </a:extLst>
-                  </a:tr>
-                  <a:tr h="370840">
-                    <a:tc>
-                      <a:txBody>
-                        <a:bodyPr/>
-                        <a:lstStyle/>
-                        <a:p>
-                          <a:pPr algn="ctr"/>
-                          <a:r>
-                            <a:rPr lang="en-US" sz="3200" dirty="0"/>
-                            <a:t>Close to .01</a:t>
-                          </a:r>
-                        </a:p>
-                      </a:txBody>
-                      <a:tcPr/>
-                    </a:tc>
-                    <a:tc>
-                      <a:txBody>
-                        <a:bodyPr/>
-                        <a:lstStyle/>
-                        <a:p>
-                          <a:pPr algn="ctr"/>
-                          <a:r>
-                            <a:rPr lang="en-US" sz="3200" dirty="0"/>
-                            <a:t>Small</a:t>
-                          </a:r>
-                        </a:p>
-                      </a:txBody>
-                      <a:tcPr/>
-                    </a:tc>
-                    <a:extLst>
-                      <a:ext uri="{0D108BD9-81ED-4DB2-BD59-A6C34878D82A}">
-                        <a16:rowId xmlns:a16="http://schemas.microsoft.com/office/drawing/2014/main" val="2017861069"/>
-                      </a:ext>
-                    </a:extLst>
-                  </a:tr>
-                  <a:tr h="370840">
-                    <a:tc>
-                      <a:txBody>
-                        <a:bodyPr/>
-                        <a:lstStyle/>
-                        <a:p>
-                          <a:pPr algn="ctr"/>
-                          <a:r>
-                            <a:rPr lang="en-US" sz="3200" dirty="0"/>
-                            <a:t>Close to .09</a:t>
-                          </a:r>
-                        </a:p>
-                      </a:txBody>
-                      <a:tcPr/>
-                    </a:tc>
-                    <a:tc>
-                      <a:txBody>
-                        <a:bodyPr/>
-                        <a:lstStyle/>
-                        <a:p>
-                          <a:pPr algn="ctr"/>
-                          <a:r>
-                            <a:rPr lang="en-US" sz="3200" dirty="0"/>
-                            <a:t>Moderate</a:t>
-                          </a:r>
-                        </a:p>
-                      </a:txBody>
-                      <a:tcPr/>
-                    </a:tc>
-                    <a:extLst>
-                      <a:ext uri="{0D108BD9-81ED-4DB2-BD59-A6C34878D82A}">
-                        <a16:rowId xmlns:a16="http://schemas.microsoft.com/office/drawing/2014/main" val="1515990545"/>
-                      </a:ext>
-                    </a:extLst>
-                  </a:tr>
-                  <a:tr h="370840">
-                    <a:tc>
-                      <a:txBody>
-                        <a:bodyPr/>
-                        <a:lstStyle/>
-                        <a:p>
-                          <a:pPr algn="ctr"/>
-                          <a:r>
-                            <a:rPr lang="en-US" sz="3200" dirty="0"/>
-                            <a:t>Close to .25</a:t>
-                          </a:r>
-                        </a:p>
-                      </a:txBody>
-                      <a:tcPr/>
-                    </a:tc>
-                    <a:tc>
-                      <a:txBody>
-                        <a:bodyPr/>
-                        <a:lstStyle/>
-                        <a:p>
-                          <a:pPr algn="ctr"/>
-                          <a:r>
-                            <a:rPr lang="en-US" sz="3200" dirty="0"/>
-                            <a:t>Large</a:t>
-                          </a:r>
-                        </a:p>
-                      </a:txBody>
-                      <a:tcPr/>
-                    </a:tc>
-                    <a:extLst>
-                      <a:ext uri="{0D108BD9-81ED-4DB2-BD59-A6C34878D82A}">
-                        <a16:rowId xmlns:a16="http://schemas.microsoft.com/office/drawing/2014/main" val="2158851004"/>
-                      </a:ext>
-                    </a:extLst>
-                  </a:tr>
-                </a:tbl>
-              </a:graphicData>
-            </a:graphic>
-          </p:graphicFrame>
-        </mc:Choice>
-        <mc:Fallback xmlns="">
-          <p:graphicFrame>
-            <p:nvGraphicFramePr>
-              <p:cNvPr id="7" name="Table 6">
-                <a:extLst>
-                  <a:ext uri="{FF2B5EF4-FFF2-40B4-BE49-F238E27FC236}">
-                    <a16:creationId xmlns:a16="http://schemas.microsoft.com/office/drawing/2014/main" id="{0E60F6F4-904B-5E4C-BA9A-6719B53D6AF3}"/>
-                  </a:ext>
-                </a:extLst>
-              </p:cNvPr>
-              <p:cNvGraphicFramePr>
-                <a:graphicFrameLocks noGrp="1"/>
-              </p:cNvGraphicFramePr>
-              <p:nvPr>
-                <p:extLst>
-                  <p:ext uri="{D42A27DB-BD31-4B8C-83A1-F6EECF244321}">
-                    <p14:modId xmlns:p14="http://schemas.microsoft.com/office/powerpoint/2010/main" val="1869749228"/>
-                  </p:ext>
-                </p:extLst>
-              </p:nvPr>
-            </p:nvGraphicFramePr>
-            <p:xfrm>
-              <a:off x="2571750" y="4198686"/>
-              <a:ext cx="7645400" cy="2316480"/>
-            </p:xfrm>
-            <a:graphic>
-              <a:graphicData uri="http://schemas.openxmlformats.org/drawingml/2006/table">
-                <a:tbl>
-                  <a:tblPr firstRow="1" bandRow="1">
-                    <a:tableStyleId>{5C22544A-7EE6-4342-B048-85BDC9FD1C3A}</a:tableStyleId>
-                  </a:tblPr>
-                  <a:tblGrid>
-                    <a:gridCol w="2286000">
-                      <a:extLst>
-                        <a:ext uri="{9D8B030D-6E8A-4147-A177-3AD203B41FA5}">
-                          <a16:colId xmlns:a16="http://schemas.microsoft.com/office/drawing/2014/main" val="2004006104"/>
-                        </a:ext>
-                      </a:extLst>
-                    </a:gridCol>
-                    <a:gridCol w="5359400">
-                      <a:extLst>
-                        <a:ext uri="{9D8B030D-6E8A-4147-A177-3AD203B41FA5}">
-                          <a16:colId xmlns:a16="http://schemas.microsoft.com/office/drawing/2014/main" val="2605256838"/>
-                        </a:ext>
-                      </a:extLst>
-                    </a:gridCol>
-                  </a:tblGrid>
-                  <a:tr h="579120">
-                    <a:tc>
-                      <a:txBody>
-                        <a:bodyPr/>
-                        <a:lstStyle/>
-                        <a:p>
-                          <a:endParaRPr lang="en-US"/>
-                        </a:p>
-                      </a:txBody>
-                      <a:tcPr>
-                        <a:blipFill>
-                          <a:blip r:embed="rId4"/>
-                          <a:stretch>
-                            <a:fillRect l="-556" t="-13043" r="-235556" b="-330435"/>
-                          </a:stretch>
-                        </a:blipFill>
-                      </a:tcPr>
-                    </a:tc>
-                    <a:tc>
-                      <a:txBody>
-                        <a:bodyPr/>
-                        <a:lstStyle/>
-                        <a:p>
-                          <a:pPr algn="ctr"/>
-                          <a:r>
-                            <a:rPr lang="en-US" sz="3200" dirty="0"/>
-                            <a:t>Estimated Size of the Effect</a:t>
-                          </a:r>
-                        </a:p>
-                      </a:txBody>
-                      <a:tcPr/>
-                    </a:tc>
-                    <a:extLst>
-                      <a:ext uri="{0D108BD9-81ED-4DB2-BD59-A6C34878D82A}">
-                        <a16:rowId xmlns:a16="http://schemas.microsoft.com/office/drawing/2014/main" val="4057194693"/>
-                      </a:ext>
-                    </a:extLst>
-                  </a:tr>
-                  <a:tr h="579120">
-                    <a:tc>
-                      <a:txBody>
-                        <a:bodyPr/>
-                        <a:lstStyle/>
-                        <a:p>
-                          <a:pPr algn="ctr"/>
-                          <a:r>
-                            <a:rPr lang="en-US" sz="3200" dirty="0"/>
-                            <a:t>Close to .01</a:t>
-                          </a:r>
-                        </a:p>
-                      </a:txBody>
-                      <a:tcPr/>
-                    </a:tc>
-                    <a:tc>
-                      <a:txBody>
-                        <a:bodyPr/>
-                        <a:lstStyle/>
-                        <a:p>
-                          <a:pPr algn="ctr"/>
-                          <a:r>
-                            <a:rPr lang="en-US" sz="3200" dirty="0"/>
-                            <a:t>Small</a:t>
-                          </a:r>
-                        </a:p>
-                      </a:txBody>
-                      <a:tcPr/>
-                    </a:tc>
-                    <a:extLst>
-                      <a:ext uri="{0D108BD9-81ED-4DB2-BD59-A6C34878D82A}">
-                        <a16:rowId xmlns:a16="http://schemas.microsoft.com/office/drawing/2014/main" val="2017861069"/>
-                      </a:ext>
-                    </a:extLst>
-                  </a:tr>
-                  <a:tr h="579120">
-                    <a:tc>
-                      <a:txBody>
-                        <a:bodyPr/>
-                        <a:lstStyle/>
-                        <a:p>
-                          <a:pPr algn="ctr"/>
-                          <a:r>
-                            <a:rPr lang="en-US" sz="3200" dirty="0"/>
-                            <a:t>Close to .09</a:t>
-                          </a:r>
-                        </a:p>
-                      </a:txBody>
-                      <a:tcPr/>
-                    </a:tc>
-                    <a:tc>
-                      <a:txBody>
-                        <a:bodyPr/>
-                        <a:lstStyle/>
-                        <a:p>
-                          <a:pPr algn="ctr"/>
-                          <a:r>
-                            <a:rPr lang="en-US" sz="3200" dirty="0"/>
-                            <a:t>Moderate</a:t>
-                          </a:r>
-                        </a:p>
-                      </a:txBody>
-                      <a:tcPr/>
-                    </a:tc>
-                    <a:extLst>
-                      <a:ext uri="{0D108BD9-81ED-4DB2-BD59-A6C34878D82A}">
-                        <a16:rowId xmlns:a16="http://schemas.microsoft.com/office/drawing/2014/main" val="1515990545"/>
-                      </a:ext>
-                    </a:extLst>
-                  </a:tr>
-                  <a:tr h="579120">
-                    <a:tc>
-                      <a:txBody>
-                        <a:bodyPr/>
-                        <a:lstStyle/>
-                        <a:p>
-                          <a:pPr algn="ctr"/>
-                          <a:r>
-                            <a:rPr lang="en-US" sz="3200" dirty="0"/>
-                            <a:t>Close to .25</a:t>
-                          </a:r>
-                        </a:p>
-                      </a:txBody>
-                      <a:tcPr/>
-                    </a:tc>
-                    <a:tc>
-                      <a:txBody>
-                        <a:bodyPr/>
-                        <a:lstStyle/>
-                        <a:p>
-                          <a:pPr algn="ctr"/>
-                          <a:r>
-                            <a:rPr lang="en-US" sz="3200" dirty="0"/>
-                            <a:t>Large</a:t>
-                          </a:r>
-                        </a:p>
-                      </a:txBody>
-                      <a:tcPr/>
-                    </a:tc>
-                    <a:extLst>
-                      <a:ext uri="{0D108BD9-81ED-4DB2-BD59-A6C34878D82A}">
-                        <a16:rowId xmlns:a16="http://schemas.microsoft.com/office/drawing/2014/main" val="2158851004"/>
-                      </a:ext>
-                    </a:extLst>
-                  </a:tr>
-                </a:tbl>
-              </a:graphicData>
-            </a:graphic>
-          </p:graphicFrame>
-        </mc:Fallback>
-      </mc:AlternateContent>
     </p:spTree>
     <p:extLst>
       <p:ext uri="{BB962C8B-B14F-4D97-AF65-F5344CB8AC3E}">
@@ -39710,93 +38953,10 @@
   <p:clrMapOvr>
     <a:masterClrMapping/>
   </p:clrMapOvr>
-  <p:timing>
-    <p:tnLst>
-      <p:par>
-        <p:cTn id="1" dur="indefinite" restart="never" nodeType="tmRoot">
-          <p:childTnLst>
-            <p:seq concurrent="1" nextAc="seek">
-              <p:cTn id="2" dur="indefinite" nodeType="mainSeq">
-                <p:childTnLst>
-                  <p:par>
-                    <p:cTn id="3" fill="hold">
-                      <p:stCondLst>
-                        <p:cond delay="indefinite"/>
-                      </p:stCondLst>
-                      <p:childTnLst>
-                        <p:par>
-                          <p:cTn id="4" fill="hold">
-                            <p:stCondLst>
-                              <p:cond delay="0"/>
-                            </p:stCondLst>
-                            <p:childTnLst>
-                              <p:par>
-                                <p:cTn id="5" presetID="10" presetClass="entr" presetSubtype="0" fill="hold" nodeType="clickEffect">
-                                  <p:stCondLst>
-                                    <p:cond delay="0"/>
-                                  </p:stCondLst>
-                                  <p:childTnLst>
-                                    <p:set>
-                                      <p:cBhvr>
-                                        <p:cTn id="6" dur="1" fill="hold">
-                                          <p:stCondLst>
-                                            <p:cond delay="0"/>
-                                          </p:stCondLst>
-                                        </p:cTn>
-                                        <p:tgtEl>
-                                          <p:spTgt spid="7"/>
-                                        </p:tgtEl>
-                                        <p:attrNameLst>
-                                          <p:attrName>style.visibility</p:attrName>
-                                        </p:attrNameLst>
-                                      </p:cBhvr>
-                                      <p:to>
-                                        <p:strVal val="visible"/>
-                                      </p:to>
-                                    </p:set>
-                                    <p:animEffect transition="in" filter="fade">
-                                      <p:cBhvr>
-                                        <p:cTn id="7" dur="500"/>
-                                        <p:tgtEl>
-                                          <p:spTgt spid="7"/>
-                                        </p:tgtEl>
-                                      </p:cBhvr>
-                                    </p:animEffect>
-                                  </p:childTnLst>
-                                </p:cTn>
-                              </p:par>
-                            </p:childTnLst>
-                          </p:cTn>
-                        </p:par>
-                      </p:childTnLst>
-                    </p:cTn>
-                  </p:par>
-                </p:childTnLst>
-              </p:cTn>
-              <p:prevCondLst>
-                <p:cond evt="onPrev" delay="0">
-                  <p:tgtEl>
-                    <p:sldTgt/>
-                  </p:tgtEl>
-                </p:cond>
-              </p:prevCondLst>
-              <p:nextCondLst>
-                <p:cond evt="onNext" delay="0">
-                  <p:tgtEl>
-                    <p:sldTgt/>
-                  </p:tgtEl>
-                </p:cond>
-              </p:nextCondLst>
-            </p:seq>
-          </p:childTnLst>
-        </p:cTn>
-      </p:par>
-    </p:tnLst>
-  </p:timing>
 </p:sld>
 </file>
 
-<file path=ppt/slides/slide47.xml><?xml version="1.0" encoding="utf-8"?>
+<file path=ppt/slides/slide46.xml><?xml version="1.0" encoding="utf-8"?>
 <p:sld xmlns:a="http://schemas.openxmlformats.org/drawingml/2006/main" xmlns:r="http://schemas.openxmlformats.org/officeDocument/2006/relationships" xmlns:p="http://schemas.openxmlformats.org/presentationml/2006/main">
   <p:cSld>
     <p:spTree>
@@ -39866,7 +39026,7 @@
           <a:p>
             <a:fld id="{4655F2EB-082D-1A4D-B2FA-EA5F6FE60629}" type="slidenum">
               <a:rPr lang="en-US" smtClean="0"/>
-              <a:t>47</a:t>
+              <a:t>46</a:t>
             </a:fld>
             <a:endParaRPr lang="en-US"/>
           </a:p>
@@ -40066,7 +39226,7 @@
 </p:sld>
 </file>
 
-<file path=ppt/slides/slide48.xml><?xml version="1.0" encoding="utf-8"?>
+<file path=ppt/slides/slide47.xml><?xml version="1.0" encoding="utf-8"?>
 <p:sld xmlns:a="http://schemas.openxmlformats.org/drawingml/2006/main" xmlns:r="http://schemas.openxmlformats.org/officeDocument/2006/relationships" xmlns:p="http://schemas.openxmlformats.org/presentationml/2006/main">
   <p:cSld>
     <p:spTree>
@@ -40149,7 +39309,7 @@
           <a:p>
             <a:fld id="{4655F2EB-082D-1A4D-B2FA-EA5F6FE60629}" type="slidenum">
               <a:rPr lang="en-US" smtClean="0"/>
-              <a:t>48</a:t>
+              <a:t>47</a:t>
             </a:fld>
             <a:endParaRPr lang="en-US"/>
           </a:p>
@@ -40168,7 +39328,7 @@
 </p:sld>
 </file>
 
-<file path=ppt/slides/slide49.xml><?xml version="1.0" encoding="utf-8"?>
+<file path=ppt/slides/slide48.xml><?xml version="1.0" encoding="utf-8"?>
 <p:sld xmlns:a="http://schemas.openxmlformats.org/drawingml/2006/main" xmlns:r="http://schemas.openxmlformats.org/officeDocument/2006/relationships" xmlns:p="http://schemas.openxmlformats.org/presentationml/2006/main">
   <p:cSld>
     <p:spTree>
@@ -40235,7 +39395,7 @@
           <a:p>
             <a:fld id="{4655F2EB-082D-1A4D-B2FA-EA5F6FE60629}" type="slidenum">
               <a:rPr lang="en-US" smtClean="0"/>
-              <a:t>49</a:t>
+              <a:t>48</a:t>
             </a:fld>
             <a:endParaRPr lang="en-US"/>
           </a:p>
@@ -40376,6 +39536,219 @@
 </p:sld>
 </file>
 
+<file path=ppt/slides/slide49.xml><?xml version="1.0" encoding="utf-8"?>
+<p:sld xmlns:a="http://schemas.openxmlformats.org/drawingml/2006/main" xmlns:r="http://schemas.openxmlformats.org/officeDocument/2006/relationships" xmlns:p="http://schemas.openxmlformats.org/presentationml/2006/main">
+  <p:cSld>
+    <p:spTree>
+      <p:nvGrpSpPr>
+        <p:cNvPr id="1" name=""/>
+        <p:cNvGrpSpPr/>
+        <p:nvPr/>
+      </p:nvGrpSpPr>
+      <p:grpSpPr>
+        <a:xfrm>
+          <a:off x="0" y="0"/>
+          <a:ext cx="0" cy="0"/>
+          <a:chOff x="0" y="0"/>
+          <a:chExt cx="0" cy="0"/>
+        </a:xfrm>
+      </p:grpSpPr>
+      <p:sp>
+        <p:nvSpPr>
+          <p:cNvPr id="2" name="Title 1"/>
+          <p:cNvSpPr>
+            <a:spLocks noGrp="1"/>
+          </p:cNvSpPr>
+          <p:nvPr>
+            <p:ph type="title"/>
+          </p:nvPr>
+        </p:nvSpPr>
+        <p:spPr>
+          <a:xfrm>
+            <a:off x="838200" y="389049"/>
+            <a:ext cx="10515600" cy="837240"/>
+          </a:xfrm>
+        </p:spPr>
+        <p:txBody>
+          <a:bodyPr>
+            <a:noAutofit/>
+          </a:bodyPr>
+          <a:lstStyle/>
+          <a:p>
+            <a:r>
+              <a:rPr lang="en-US" b="1" dirty="0">
+                <a:latin typeface="Consolas" charset="0"/>
+                <a:ea typeface="Consolas" charset="0"/>
+                <a:cs typeface="Consolas" charset="0"/>
+              </a:rPr>
+              <a:t>Multiple Regression</a:t>
+            </a:r>
+          </a:p>
+        </p:txBody>
+      </p:sp>
+      <p:sp>
+        <p:nvSpPr>
+          <p:cNvPr id="5" name="Slide Number Placeholder 4"/>
+          <p:cNvSpPr>
+            <a:spLocks noGrp="1"/>
+          </p:cNvSpPr>
+          <p:nvPr>
+            <p:ph type="sldNum" sz="quarter" idx="12"/>
+          </p:nvPr>
+        </p:nvSpPr>
+        <p:spPr/>
+        <p:txBody>
+          <a:bodyPr/>
+          <a:lstStyle/>
+          <a:p>
+            <a:fld id="{4655F2EB-082D-1A4D-B2FA-EA5F6FE60629}" type="slidenum">
+              <a:rPr lang="en-US" smtClean="0"/>
+              <a:t>49</a:t>
+            </a:fld>
+            <a:endParaRPr lang="en-US"/>
+          </a:p>
+        </p:txBody>
+      </p:sp>
+      <p:sp>
+        <p:nvSpPr>
+          <p:cNvPr id="3" name="TextBox 2">
+            <a:extLst>
+              <a:ext uri="{FF2B5EF4-FFF2-40B4-BE49-F238E27FC236}">
+                <a16:creationId xmlns:a16="http://schemas.microsoft.com/office/drawing/2014/main" id="{7943EA56-ADA9-5948-99BD-9766F1EB58C0}"/>
+              </a:ext>
+            </a:extLst>
+          </p:cNvPr>
+          <p:cNvSpPr txBox="1"/>
+          <p:nvPr/>
+        </p:nvSpPr>
+        <p:spPr>
+          <a:xfrm>
+            <a:off x="838200" y="1754435"/>
+            <a:ext cx="10023688" cy="1200329"/>
+          </a:xfrm>
+          <a:prstGeom prst="rect">
+            <a:avLst/>
+          </a:prstGeom>
+          <a:noFill/>
+        </p:spPr>
+        <p:txBody>
+          <a:bodyPr wrap="square" rtlCol="0">
+            <a:spAutoFit/>
+          </a:bodyPr>
+          <a:lstStyle/>
+          <a:p>
+            <a:r>
+              <a:rPr lang="en-US" sz="3600" dirty="0">
+                <a:latin typeface="Consolas" panose="020B0609020204030204" pitchFamily="49" charset="0"/>
+                <a:cs typeface="Consolas" panose="020B0609020204030204" pitchFamily="49" charset="0"/>
+              </a:rPr>
+              <a:t>Provides us with a few more things to think about</a:t>
+            </a:r>
+          </a:p>
+        </p:txBody>
+      </p:sp>
+      <p:sp>
+        <p:nvSpPr>
+          <p:cNvPr id="38" name="TextBox 37">
+            <a:extLst>
+              <a:ext uri="{FF2B5EF4-FFF2-40B4-BE49-F238E27FC236}">
+                <a16:creationId xmlns:a16="http://schemas.microsoft.com/office/drawing/2014/main" id="{85F78AD9-D361-6E44-A2AA-050A29FBE69B}"/>
+              </a:ext>
+            </a:extLst>
+          </p:cNvPr>
+          <p:cNvSpPr txBox="1"/>
+          <p:nvPr/>
+        </p:nvSpPr>
+        <p:spPr>
+          <a:xfrm>
+            <a:off x="1576374" y="3519880"/>
+            <a:ext cx="9438834" cy="2862322"/>
+          </a:xfrm>
+          <a:prstGeom prst="rect">
+            <a:avLst/>
+          </a:prstGeom>
+          <a:noFill/>
+        </p:spPr>
+        <p:txBody>
+          <a:bodyPr wrap="square" rtlCol="0">
+            <a:spAutoFit/>
+          </a:bodyPr>
+          <a:lstStyle/>
+          <a:p>
+            <a:r>
+              <a:rPr lang="en-US" sz="3600" b="1" dirty="0">
+                <a:solidFill>
+                  <a:schemeClr val="accent3"/>
+                </a:solidFill>
+                <a:latin typeface="Consolas" panose="020B0609020204030204" pitchFamily="49" charset="0"/>
+                <a:cs typeface="Consolas" panose="020B0609020204030204" pitchFamily="49" charset="0"/>
+              </a:rPr>
+              <a:t>1. Variable Selection</a:t>
+            </a:r>
+          </a:p>
+          <a:p>
+            <a:r>
+              <a:rPr lang="en-US" sz="3600" b="1" dirty="0">
+                <a:solidFill>
+                  <a:schemeClr val="accent3"/>
+                </a:solidFill>
+                <a:latin typeface="Consolas" panose="020B0609020204030204" pitchFamily="49" charset="0"/>
+                <a:cs typeface="Consolas" panose="020B0609020204030204" pitchFamily="49" charset="0"/>
+              </a:rPr>
+              <a:t>2. Assumption Checks (much more </a:t>
+            </a:r>
+          </a:p>
+          <a:p>
+            <a:r>
+              <a:rPr lang="en-US" sz="3600" b="1" dirty="0">
+                <a:solidFill>
+                  <a:schemeClr val="accent3"/>
+                </a:solidFill>
+                <a:latin typeface="Consolas" panose="020B0609020204030204" pitchFamily="49" charset="0"/>
+                <a:cs typeface="Consolas" panose="020B0609020204030204" pitchFamily="49" charset="0"/>
+              </a:rPr>
+              <a:t>   difficult in logistic regression)</a:t>
+            </a:r>
+          </a:p>
+          <a:p>
+            <a:r>
+              <a:rPr lang="en-US" sz="3600" b="1" dirty="0">
+                <a:solidFill>
+                  <a:schemeClr val="accent3"/>
+                </a:solidFill>
+                <a:latin typeface="Consolas" panose="020B0609020204030204" pitchFamily="49" charset="0"/>
+                <a:cs typeface="Consolas" panose="020B0609020204030204" pitchFamily="49" charset="0"/>
+              </a:rPr>
+              <a:t>3. Multi-collinearity</a:t>
+            </a:r>
+          </a:p>
+          <a:p>
+            <a:r>
+              <a:rPr lang="en-US" sz="3600" b="1" dirty="0">
+                <a:solidFill>
+                  <a:schemeClr val="accent3"/>
+                </a:solidFill>
+                <a:latin typeface="Consolas" panose="020B0609020204030204" pitchFamily="49" charset="0"/>
+                <a:cs typeface="Consolas" panose="020B0609020204030204" pitchFamily="49" charset="0"/>
+              </a:rPr>
+              <a:t>4. Interactions</a:t>
+            </a:r>
+          </a:p>
+        </p:txBody>
+      </p:sp>
+    </p:spTree>
+    <p:extLst>
+      <p:ext uri="{BB962C8B-B14F-4D97-AF65-F5344CB8AC3E}">
+        <p14:creationId xmlns:p14="http://schemas.microsoft.com/office/powerpoint/2010/main" val="3676066505"/>
+      </p:ext>
+    </p:extLst>
+  </p:cSld>
+  <p:clrMapOvr>
+    <a:masterClrMapping/>
+  </p:clrMapOvr>
+</p:sld>
+</file>
+
 <file path=ppt/slides/slide5.xml><?xml version="1.0" encoding="utf-8"?>
 <p:sld xmlns:a="http://schemas.openxmlformats.org/drawingml/2006/main" xmlns:r="http://schemas.openxmlformats.org/officeDocument/2006/relationships" xmlns:p="http://schemas.openxmlformats.org/presentationml/2006/main">
   <p:cSld>
@@ -40690,7 +40063,7 @@
                 <a:ea typeface="Consolas" charset="0"/>
                 <a:cs typeface="Consolas" charset="0"/>
               </a:rPr>
-              <a:t>Multiple Regression</a:t>
+              <a:t>Variable Selection</a:t>
             </a:r>
           </a:p>
         </p:txBody>
@@ -40732,8 +40105,8 @@
         </p:nvSpPr>
         <p:spPr>
           <a:xfrm>
-            <a:off x="838200" y="1754435"/>
-            <a:ext cx="10023688" cy="1200329"/>
+            <a:off x="838200" y="1720312"/>
+            <a:ext cx="4743606" cy="646331"/>
           </a:xfrm>
           <a:prstGeom prst="rect">
             <a:avLst/>
@@ -40741,7 +40114,7 @@
           <a:noFill/>
         </p:spPr>
         <p:txBody>
-          <a:bodyPr wrap="square" rtlCol="0">
+          <a:bodyPr wrap="none" rtlCol="0">
             <a:spAutoFit/>
           </a:bodyPr>
           <a:lstStyle/>
@@ -40751,7 +40124,7 @@
                 <a:latin typeface="Consolas" panose="020B0609020204030204" pitchFamily="49" charset="0"/>
                 <a:cs typeface="Consolas" panose="020B0609020204030204" pitchFamily="49" charset="0"/>
               </a:rPr>
-              <a:t>Provides us with a few more things to think about</a:t>
+              <a:t>Several Approaches</a:t>
             </a:r>
           </a:p>
         </p:txBody>
@@ -40770,8 +40143,8 @@
         </p:nvSpPr>
         <p:spPr>
           <a:xfrm>
-            <a:off x="1576374" y="3519880"/>
-            <a:ext cx="9438834" cy="2862322"/>
+            <a:off x="838200" y="2620978"/>
+            <a:ext cx="10515600" cy="2308324"/>
           </a:xfrm>
           <a:prstGeom prst="rect">
             <a:avLst/>
@@ -40787,60 +40160,48 @@
             <a:r>
               <a:rPr lang="en-US" sz="3600" b="1" dirty="0">
                 <a:solidFill>
-                  <a:schemeClr val="accent3"/>
+                  <a:schemeClr val="tx2"/>
                 </a:solidFill>
                 <a:latin typeface="Consolas" panose="020B0609020204030204" pitchFamily="49" charset="0"/>
                 <a:cs typeface="Consolas" panose="020B0609020204030204" pitchFamily="49" charset="0"/>
               </a:rPr>
-              <a:t>1. Variable Selection</a:t>
+              <a:t>1. Forward</a:t>
             </a:r>
           </a:p>
           <a:p>
             <a:r>
               <a:rPr lang="en-US" sz="3600" b="1" dirty="0">
                 <a:solidFill>
-                  <a:schemeClr val="accent3"/>
+                  <a:schemeClr val="tx2"/>
                 </a:solidFill>
                 <a:latin typeface="Consolas" panose="020B0609020204030204" pitchFamily="49" charset="0"/>
                 <a:cs typeface="Consolas" panose="020B0609020204030204" pitchFamily="49" charset="0"/>
               </a:rPr>
-              <a:t>2. Assumption Checks (much more </a:t>
+              <a:t>2. Backward</a:t>
             </a:r>
           </a:p>
           <a:p>
             <a:r>
               <a:rPr lang="en-US" sz="3600" b="1" dirty="0">
                 <a:solidFill>
-                  <a:schemeClr val="accent3"/>
+                  <a:schemeClr val="tx2"/>
                 </a:solidFill>
                 <a:latin typeface="Consolas" panose="020B0609020204030204" pitchFamily="49" charset="0"/>
                 <a:cs typeface="Consolas" panose="020B0609020204030204" pitchFamily="49" charset="0"/>
               </a:rPr>
-              <a:t>   difficult in logistic regression)</a:t>
+              <a:t>3. Lasso</a:t>
             </a:r>
           </a:p>
           <a:p>
             <a:r>
               <a:rPr lang="en-US" sz="3600" b="1" dirty="0">
                 <a:solidFill>
-                  <a:schemeClr val="accent3"/>
+                  <a:schemeClr val="tx2"/>
                 </a:solidFill>
                 <a:latin typeface="Consolas" panose="020B0609020204030204" pitchFamily="49" charset="0"/>
                 <a:cs typeface="Consolas" panose="020B0609020204030204" pitchFamily="49" charset="0"/>
               </a:rPr>
-              <a:t>3. Multi-collinearity</a:t>
-            </a:r>
-          </a:p>
-          <a:p>
-            <a:r>
-              <a:rPr lang="en-US" sz="3600" b="1" dirty="0">
-                <a:solidFill>
-                  <a:schemeClr val="accent3"/>
-                </a:solidFill>
-                <a:latin typeface="Consolas" panose="020B0609020204030204" pitchFamily="49" charset="0"/>
-                <a:cs typeface="Consolas" panose="020B0609020204030204" pitchFamily="49" charset="0"/>
-              </a:rPr>
-              <a:t>4. Interactions</a:t>
+              <a:t>4. Covariates then predictor of interest</a:t>
             </a:r>
           </a:p>
         </p:txBody>
@@ -40848,7 +40209,7 @@
     </p:spTree>
     <p:extLst>
       <p:ext uri="{BB962C8B-B14F-4D97-AF65-F5344CB8AC3E}">
-        <p14:creationId xmlns:p14="http://schemas.microsoft.com/office/powerpoint/2010/main" val="3676066505"/>
+        <p14:creationId xmlns:p14="http://schemas.microsoft.com/office/powerpoint/2010/main" val="2718470499"/>
       </p:ext>
     </p:extLst>
   </p:cSld>
@@ -40887,207 +40248,6 @@
         </p:nvSpPr>
         <p:spPr>
           <a:xfrm>
-            <a:off x="838200" y="389049"/>
-            <a:ext cx="10515600" cy="837240"/>
-          </a:xfrm>
-        </p:spPr>
-        <p:txBody>
-          <a:bodyPr>
-            <a:noAutofit/>
-          </a:bodyPr>
-          <a:lstStyle/>
-          <a:p>
-            <a:r>
-              <a:rPr lang="en-US" b="1" dirty="0">
-                <a:latin typeface="Consolas" charset="0"/>
-                <a:ea typeface="Consolas" charset="0"/>
-                <a:cs typeface="Consolas" charset="0"/>
-              </a:rPr>
-              <a:t>Variable Selection</a:t>
-            </a:r>
-          </a:p>
-        </p:txBody>
-      </p:sp>
-      <p:sp>
-        <p:nvSpPr>
-          <p:cNvPr id="5" name="Slide Number Placeholder 4"/>
-          <p:cNvSpPr>
-            <a:spLocks noGrp="1"/>
-          </p:cNvSpPr>
-          <p:nvPr>
-            <p:ph type="sldNum" sz="quarter" idx="12"/>
-          </p:nvPr>
-        </p:nvSpPr>
-        <p:spPr/>
-        <p:txBody>
-          <a:bodyPr/>
-          <a:lstStyle/>
-          <a:p>
-            <a:fld id="{4655F2EB-082D-1A4D-B2FA-EA5F6FE60629}" type="slidenum">
-              <a:rPr lang="en-US" smtClean="0"/>
-              <a:t>51</a:t>
-            </a:fld>
-            <a:endParaRPr lang="en-US"/>
-          </a:p>
-        </p:txBody>
-      </p:sp>
-      <p:sp>
-        <p:nvSpPr>
-          <p:cNvPr id="3" name="TextBox 2">
-            <a:extLst>
-              <a:ext uri="{FF2B5EF4-FFF2-40B4-BE49-F238E27FC236}">
-                <a16:creationId xmlns:a16="http://schemas.microsoft.com/office/drawing/2014/main" id="{7943EA56-ADA9-5948-99BD-9766F1EB58C0}"/>
-              </a:ext>
-            </a:extLst>
-          </p:cNvPr>
-          <p:cNvSpPr txBox="1"/>
-          <p:nvPr/>
-        </p:nvSpPr>
-        <p:spPr>
-          <a:xfrm>
-            <a:off x="838200" y="1720312"/>
-            <a:ext cx="4743606" cy="646331"/>
-          </a:xfrm>
-          <a:prstGeom prst="rect">
-            <a:avLst/>
-          </a:prstGeom>
-          <a:noFill/>
-        </p:spPr>
-        <p:txBody>
-          <a:bodyPr wrap="none" rtlCol="0">
-            <a:spAutoFit/>
-          </a:bodyPr>
-          <a:lstStyle/>
-          <a:p>
-            <a:r>
-              <a:rPr lang="en-US" sz="3600" dirty="0">
-                <a:latin typeface="Consolas" panose="020B0609020204030204" pitchFamily="49" charset="0"/>
-                <a:cs typeface="Consolas" panose="020B0609020204030204" pitchFamily="49" charset="0"/>
-              </a:rPr>
-              <a:t>Several Approaches</a:t>
-            </a:r>
-          </a:p>
-        </p:txBody>
-      </p:sp>
-      <p:sp>
-        <p:nvSpPr>
-          <p:cNvPr id="38" name="TextBox 37">
-            <a:extLst>
-              <a:ext uri="{FF2B5EF4-FFF2-40B4-BE49-F238E27FC236}">
-                <a16:creationId xmlns:a16="http://schemas.microsoft.com/office/drawing/2014/main" id="{85F78AD9-D361-6E44-A2AA-050A29FBE69B}"/>
-              </a:ext>
-            </a:extLst>
-          </p:cNvPr>
-          <p:cNvSpPr txBox="1"/>
-          <p:nvPr/>
-        </p:nvSpPr>
-        <p:spPr>
-          <a:xfrm>
-            <a:off x="838200" y="2620978"/>
-            <a:ext cx="10515600" cy="2308324"/>
-          </a:xfrm>
-          <a:prstGeom prst="rect">
-            <a:avLst/>
-          </a:prstGeom>
-          <a:noFill/>
-        </p:spPr>
-        <p:txBody>
-          <a:bodyPr wrap="square" rtlCol="0">
-            <a:spAutoFit/>
-          </a:bodyPr>
-          <a:lstStyle/>
-          <a:p>
-            <a:r>
-              <a:rPr lang="en-US" sz="3600" b="1" dirty="0">
-                <a:solidFill>
-                  <a:schemeClr val="tx2"/>
-                </a:solidFill>
-                <a:latin typeface="Consolas" panose="020B0609020204030204" pitchFamily="49" charset="0"/>
-                <a:cs typeface="Consolas" panose="020B0609020204030204" pitchFamily="49" charset="0"/>
-              </a:rPr>
-              <a:t>1. Forward</a:t>
-            </a:r>
-          </a:p>
-          <a:p>
-            <a:r>
-              <a:rPr lang="en-US" sz="3600" b="1" dirty="0">
-                <a:solidFill>
-                  <a:schemeClr val="tx2"/>
-                </a:solidFill>
-                <a:latin typeface="Consolas" panose="020B0609020204030204" pitchFamily="49" charset="0"/>
-                <a:cs typeface="Consolas" panose="020B0609020204030204" pitchFamily="49" charset="0"/>
-              </a:rPr>
-              <a:t>2. Backward</a:t>
-            </a:r>
-          </a:p>
-          <a:p>
-            <a:r>
-              <a:rPr lang="en-US" sz="3600" b="1" dirty="0">
-                <a:solidFill>
-                  <a:schemeClr val="tx2"/>
-                </a:solidFill>
-                <a:latin typeface="Consolas" panose="020B0609020204030204" pitchFamily="49" charset="0"/>
-                <a:cs typeface="Consolas" panose="020B0609020204030204" pitchFamily="49" charset="0"/>
-              </a:rPr>
-              <a:t>3. Lasso</a:t>
-            </a:r>
-          </a:p>
-          <a:p>
-            <a:r>
-              <a:rPr lang="en-US" sz="3600" b="1" dirty="0">
-                <a:solidFill>
-                  <a:schemeClr val="tx2"/>
-                </a:solidFill>
-                <a:latin typeface="Consolas" panose="020B0609020204030204" pitchFamily="49" charset="0"/>
-                <a:cs typeface="Consolas" panose="020B0609020204030204" pitchFamily="49" charset="0"/>
-              </a:rPr>
-              <a:t>4. Covariates then predictor of interest</a:t>
-            </a:r>
-          </a:p>
-        </p:txBody>
-      </p:sp>
-    </p:spTree>
-    <p:extLst>
-      <p:ext uri="{BB962C8B-B14F-4D97-AF65-F5344CB8AC3E}">
-        <p14:creationId xmlns:p14="http://schemas.microsoft.com/office/powerpoint/2010/main" val="2718470499"/>
-      </p:ext>
-    </p:extLst>
-  </p:cSld>
-  <p:clrMapOvr>
-    <a:masterClrMapping/>
-  </p:clrMapOvr>
-</p:sld>
-</file>
-
-<file path=ppt/slides/slide52.xml><?xml version="1.0" encoding="utf-8"?>
-<p:sld xmlns:a="http://schemas.openxmlformats.org/drawingml/2006/main" xmlns:r="http://schemas.openxmlformats.org/officeDocument/2006/relationships" xmlns:p="http://schemas.openxmlformats.org/presentationml/2006/main">
-  <p:cSld>
-    <p:spTree>
-      <p:nvGrpSpPr>
-        <p:cNvPr id="1" name=""/>
-        <p:cNvGrpSpPr/>
-        <p:nvPr/>
-      </p:nvGrpSpPr>
-      <p:grpSpPr>
-        <a:xfrm>
-          <a:off x="0" y="0"/>
-          <a:ext cx="0" cy="0"/>
-          <a:chOff x="0" y="0"/>
-          <a:chExt cx="0" cy="0"/>
-        </a:xfrm>
-      </p:grpSpPr>
-      <p:sp>
-        <p:nvSpPr>
-          <p:cNvPr id="2" name="Title 1"/>
-          <p:cNvSpPr>
-            <a:spLocks noGrp="1"/>
-          </p:cNvSpPr>
-          <p:nvPr>
-            <p:ph type="title"/>
-          </p:nvPr>
-        </p:nvSpPr>
-        <p:spPr>
-          <a:xfrm>
             <a:off x="838200" y="585636"/>
             <a:ext cx="10515600" cy="837240"/>
           </a:xfrm>
@@ -41126,7 +40286,7 @@
           <a:p>
             <a:fld id="{4655F2EB-082D-1A4D-B2FA-EA5F6FE60629}" type="slidenum">
               <a:rPr lang="en-US" smtClean="0"/>
-              <a:t>52</a:t>
+              <a:t>51</a:t>
             </a:fld>
             <a:endParaRPr lang="en-US"/>
           </a:p>
@@ -41358,6 +40518,171 @@
 </p:sld>
 </file>
 
+<file path=ppt/slides/slide52.xml><?xml version="1.0" encoding="utf-8"?>
+<p:sld xmlns:a="http://schemas.openxmlformats.org/drawingml/2006/main" xmlns:r="http://schemas.openxmlformats.org/officeDocument/2006/relationships" xmlns:p="http://schemas.openxmlformats.org/presentationml/2006/main">
+  <p:cSld>
+    <p:spTree>
+      <p:nvGrpSpPr>
+        <p:cNvPr id="1" name=""/>
+        <p:cNvGrpSpPr/>
+        <p:nvPr/>
+      </p:nvGrpSpPr>
+      <p:grpSpPr>
+        <a:xfrm>
+          <a:off x="0" y="0"/>
+          <a:ext cx="0" cy="0"/>
+          <a:chOff x="0" y="0"/>
+          <a:chExt cx="0" cy="0"/>
+        </a:xfrm>
+      </p:grpSpPr>
+      <p:sp>
+        <p:nvSpPr>
+          <p:cNvPr id="2" name="Title 1"/>
+          <p:cNvSpPr>
+            <a:spLocks noGrp="1"/>
+          </p:cNvSpPr>
+          <p:nvPr>
+            <p:ph type="title"/>
+          </p:nvPr>
+        </p:nvSpPr>
+        <p:spPr>
+          <a:xfrm>
+            <a:off x="838200" y="389049"/>
+            <a:ext cx="10515600" cy="837240"/>
+          </a:xfrm>
+        </p:spPr>
+        <p:txBody>
+          <a:bodyPr>
+            <a:noAutofit/>
+          </a:bodyPr>
+          <a:lstStyle/>
+          <a:p>
+            <a:r>
+              <a:rPr lang="en-US" b="1" dirty="0">
+                <a:latin typeface="Consolas" charset="0"/>
+                <a:ea typeface="Consolas" charset="0"/>
+                <a:cs typeface="Consolas" charset="0"/>
+              </a:rPr>
+              <a:t>Assumption Checks</a:t>
+            </a:r>
+          </a:p>
+        </p:txBody>
+      </p:sp>
+      <p:sp>
+        <p:nvSpPr>
+          <p:cNvPr id="5" name="Slide Number Placeholder 4"/>
+          <p:cNvSpPr>
+            <a:spLocks noGrp="1"/>
+          </p:cNvSpPr>
+          <p:nvPr>
+            <p:ph type="sldNum" sz="quarter" idx="12"/>
+          </p:nvPr>
+        </p:nvSpPr>
+        <p:spPr/>
+        <p:txBody>
+          <a:bodyPr/>
+          <a:lstStyle/>
+          <a:p>
+            <a:fld id="{4655F2EB-082D-1A4D-B2FA-EA5F6FE60629}" type="slidenum">
+              <a:rPr lang="en-US" smtClean="0"/>
+              <a:t>52</a:t>
+            </a:fld>
+            <a:endParaRPr lang="en-US"/>
+          </a:p>
+        </p:txBody>
+      </p:sp>
+      <p:sp>
+        <p:nvSpPr>
+          <p:cNvPr id="3" name="TextBox 2">
+            <a:extLst>
+              <a:ext uri="{FF2B5EF4-FFF2-40B4-BE49-F238E27FC236}">
+                <a16:creationId xmlns:a16="http://schemas.microsoft.com/office/drawing/2014/main" id="{7943EA56-ADA9-5948-99BD-9766F1EB58C0}"/>
+              </a:ext>
+            </a:extLst>
+          </p:cNvPr>
+          <p:cNvSpPr txBox="1"/>
+          <p:nvPr/>
+        </p:nvSpPr>
+        <p:spPr>
+          <a:xfrm>
+            <a:off x="838201" y="1720312"/>
+            <a:ext cx="10351576" cy="1200329"/>
+          </a:xfrm>
+          <a:prstGeom prst="rect">
+            <a:avLst/>
+          </a:prstGeom>
+          <a:noFill/>
+        </p:spPr>
+        <p:txBody>
+          <a:bodyPr wrap="square" rtlCol="0">
+            <a:spAutoFit/>
+          </a:bodyPr>
+          <a:lstStyle/>
+          <a:p>
+            <a:r>
+              <a:rPr lang="en-US" sz="3600" b="1" dirty="0">
+                <a:latin typeface="Consolas" panose="020B0609020204030204" pitchFamily="49" charset="0"/>
+                <a:cs typeface="Consolas" panose="020B0609020204030204" pitchFamily="49" charset="0"/>
+              </a:rPr>
+              <a:t>Difficult (we won’t cover it in this class)</a:t>
+            </a:r>
+          </a:p>
+        </p:txBody>
+      </p:sp>
+      <p:sp>
+        <p:nvSpPr>
+          <p:cNvPr id="38" name="TextBox 37">
+            <a:extLst>
+              <a:ext uri="{FF2B5EF4-FFF2-40B4-BE49-F238E27FC236}">
+                <a16:creationId xmlns:a16="http://schemas.microsoft.com/office/drawing/2014/main" id="{85F78AD9-D361-6E44-A2AA-050A29FBE69B}"/>
+              </a:ext>
+            </a:extLst>
+          </p:cNvPr>
+          <p:cNvSpPr txBox="1"/>
+          <p:nvPr/>
+        </p:nvSpPr>
+        <p:spPr>
+          <a:xfrm>
+            <a:off x="838200" y="3438166"/>
+            <a:ext cx="9438834" cy="1200329"/>
+          </a:xfrm>
+          <a:prstGeom prst="rect">
+            <a:avLst/>
+          </a:prstGeom>
+          <a:noFill/>
+        </p:spPr>
+        <p:txBody>
+          <a:bodyPr wrap="square" rtlCol="0">
+            <a:spAutoFit/>
+          </a:bodyPr>
+          <a:lstStyle/>
+          <a:p>
+            <a:r>
+              <a:rPr lang="en-US" sz="3600" b="1" dirty="0">
+                <a:solidFill>
+                  <a:schemeClr val="accent3"/>
+                </a:solidFill>
+                <a:latin typeface="Consolas" panose="020B0609020204030204" pitchFamily="49" charset="0"/>
+                <a:cs typeface="Consolas" panose="020B0609020204030204" pitchFamily="49" charset="0"/>
+              </a:rPr>
+              <a:t>Jamovi doesn’t provide many checks (only collinearity)</a:t>
+            </a:r>
+          </a:p>
+        </p:txBody>
+      </p:sp>
+    </p:spTree>
+    <p:extLst>
+      <p:ext uri="{BB962C8B-B14F-4D97-AF65-F5344CB8AC3E}">
+        <p14:creationId xmlns:p14="http://schemas.microsoft.com/office/powerpoint/2010/main" val="1862403963"/>
+      </p:ext>
+    </p:extLst>
+  </p:cSld>
+  <p:clrMapOvr>
+    <a:masterClrMapping/>
+  </p:clrMapOvr>
+</p:sld>
+</file>
+
 <file path=ppt/slides/slide53.xml><?xml version="1.0" encoding="utf-8"?>
 <p:sld xmlns:a="http://schemas.openxmlformats.org/drawingml/2006/main" xmlns:r="http://schemas.openxmlformats.org/officeDocument/2006/relationships" xmlns:p="http://schemas.openxmlformats.org/presentationml/2006/main">
   <p:cSld>
@@ -41403,7 +40728,7 @@
                 <a:ea typeface="Consolas" charset="0"/>
                 <a:cs typeface="Consolas" charset="0"/>
               </a:rPr>
-              <a:t>Assumption Checks</a:t>
+              <a:t>Multi-Collinearity</a:t>
             </a:r>
           </a:p>
         </p:txBody>
@@ -41445,8 +40770,8 @@
         </p:nvSpPr>
         <p:spPr>
           <a:xfrm>
-            <a:off x="838201" y="1720312"/>
-            <a:ext cx="10351576" cy="1200329"/>
+            <a:off x="838200" y="1720312"/>
+            <a:ext cx="9545664" cy="1754326"/>
           </a:xfrm>
           <a:prstGeom prst="rect">
             <a:avLst/>
@@ -41464,7 +40789,7 @@
                 <a:latin typeface="Consolas" panose="020B0609020204030204" pitchFamily="49" charset="0"/>
                 <a:cs typeface="Consolas" panose="020B0609020204030204" pitchFamily="49" charset="0"/>
               </a:rPr>
-              <a:t>Difficult (we won’t cover it in this class)</a:t>
+              <a:t>When two or more predictors are very related to each other or are linear combinations of each other</a:t>
             </a:r>
           </a:p>
         </p:txBody>
@@ -41483,8 +40808,8 @@
         </p:nvSpPr>
         <p:spPr>
           <a:xfrm>
-            <a:off x="838200" y="3438166"/>
-            <a:ext cx="9438834" cy="1200329"/>
+            <a:off x="838200" y="3968661"/>
+            <a:ext cx="9438834" cy="1754326"/>
           </a:xfrm>
           <a:prstGeom prst="rect">
             <a:avLst/>
@@ -41505,7 +40830,19 @@
                 <a:latin typeface="Consolas" panose="020B0609020204030204" pitchFamily="49" charset="0"/>
                 <a:cs typeface="Consolas" panose="020B0609020204030204" pitchFamily="49" charset="0"/>
               </a:rPr>
-              <a:t>Jamovi doesn’t provide many checks (only collinearity)</a:t>
+              <a:t>Check correlations</a:t>
+            </a:r>
+          </a:p>
+          <a:p>
+            <a:r>
+              <a:rPr lang="en-US" sz="3600" b="1" dirty="0">
+                <a:solidFill>
+                  <a:schemeClr val="accent3"/>
+                </a:solidFill>
+                <a:latin typeface="Consolas" panose="020B0609020204030204" pitchFamily="49" charset="0"/>
+                <a:cs typeface="Consolas" panose="020B0609020204030204" pitchFamily="49" charset="0"/>
+              </a:rPr>
+              <a:t>Dummy codes are correct (Jamovi does this automatically)</a:t>
             </a:r>
           </a:p>
         </p:txBody>
@@ -41513,7 +40850,7 @@
     </p:spTree>
     <p:extLst>
       <p:ext uri="{BB962C8B-B14F-4D97-AF65-F5344CB8AC3E}">
-        <p14:creationId xmlns:p14="http://schemas.microsoft.com/office/powerpoint/2010/main" val="1862403963"/>
+        <p14:creationId xmlns:p14="http://schemas.microsoft.com/office/powerpoint/2010/main" val="3156660655"/>
       </p:ext>
     </p:extLst>
   </p:cSld>
@@ -41568,7 +40905,7 @@
                 <a:ea typeface="Consolas" charset="0"/>
                 <a:cs typeface="Consolas" charset="0"/>
               </a:rPr>
-              <a:t>Multi-Collinearity</a:t>
+              <a:t>Interactions</a:t>
             </a:r>
           </a:p>
         </p:txBody>
@@ -41591,183 +40928,6 @@
             <a:fld id="{4655F2EB-082D-1A4D-B2FA-EA5F6FE60629}" type="slidenum">
               <a:rPr lang="en-US" smtClean="0"/>
               <a:t>54</a:t>
-            </a:fld>
-            <a:endParaRPr lang="en-US"/>
-          </a:p>
-        </p:txBody>
-      </p:sp>
-      <p:sp>
-        <p:nvSpPr>
-          <p:cNvPr id="3" name="TextBox 2">
-            <a:extLst>
-              <a:ext uri="{FF2B5EF4-FFF2-40B4-BE49-F238E27FC236}">
-                <a16:creationId xmlns:a16="http://schemas.microsoft.com/office/drawing/2014/main" id="{7943EA56-ADA9-5948-99BD-9766F1EB58C0}"/>
-              </a:ext>
-            </a:extLst>
-          </p:cNvPr>
-          <p:cNvSpPr txBox="1"/>
-          <p:nvPr/>
-        </p:nvSpPr>
-        <p:spPr>
-          <a:xfrm>
-            <a:off x="838200" y="1720312"/>
-            <a:ext cx="9545664" cy="1754326"/>
-          </a:xfrm>
-          <a:prstGeom prst="rect">
-            <a:avLst/>
-          </a:prstGeom>
-          <a:noFill/>
-        </p:spPr>
-        <p:txBody>
-          <a:bodyPr wrap="square" rtlCol="0">
-            <a:spAutoFit/>
-          </a:bodyPr>
-          <a:lstStyle/>
-          <a:p>
-            <a:r>
-              <a:rPr lang="en-US" sz="3600" b="1" dirty="0">
-                <a:latin typeface="Consolas" panose="020B0609020204030204" pitchFamily="49" charset="0"/>
-                <a:cs typeface="Consolas" panose="020B0609020204030204" pitchFamily="49" charset="0"/>
-              </a:rPr>
-              <a:t>When two or more predictors are very related to each other or are linear combinations of each other</a:t>
-            </a:r>
-          </a:p>
-        </p:txBody>
-      </p:sp>
-      <p:sp>
-        <p:nvSpPr>
-          <p:cNvPr id="38" name="TextBox 37">
-            <a:extLst>
-              <a:ext uri="{FF2B5EF4-FFF2-40B4-BE49-F238E27FC236}">
-                <a16:creationId xmlns:a16="http://schemas.microsoft.com/office/drawing/2014/main" id="{85F78AD9-D361-6E44-A2AA-050A29FBE69B}"/>
-              </a:ext>
-            </a:extLst>
-          </p:cNvPr>
-          <p:cNvSpPr txBox="1"/>
-          <p:nvPr/>
-        </p:nvSpPr>
-        <p:spPr>
-          <a:xfrm>
-            <a:off x="838200" y="3968661"/>
-            <a:ext cx="9438834" cy="1754326"/>
-          </a:xfrm>
-          <a:prstGeom prst="rect">
-            <a:avLst/>
-          </a:prstGeom>
-          <a:noFill/>
-        </p:spPr>
-        <p:txBody>
-          <a:bodyPr wrap="square" rtlCol="0">
-            <a:spAutoFit/>
-          </a:bodyPr>
-          <a:lstStyle/>
-          <a:p>
-            <a:r>
-              <a:rPr lang="en-US" sz="3600" b="1" dirty="0">
-                <a:solidFill>
-                  <a:schemeClr val="accent3"/>
-                </a:solidFill>
-                <a:latin typeface="Consolas" panose="020B0609020204030204" pitchFamily="49" charset="0"/>
-                <a:cs typeface="Consolas" panose="020B0609020204030204" pitchFamily="49" charset="0"/>
-              </a:rPr>
-              <a:t>Check correlations</a:t>
-            </a:r>
-          </a:p>
-          <a:p>
-            <a:r>
-              <a:rPr lang="en-US" sz="3600" b="1" dirty="0">
-                <a:solidFill>
-                  <a:schemeClr val="accent3"/>
-                </a:solidFill>
-                <a:latin typeface="Consolas" panose="020B0609020204030204" pitchFamily="49" charset="0"/>
-                <a:cs typeface="Consolas" panose="020B0609020204030204" pitchFamily="49" charset="0"/>
-              </a:rPr>
-              <a:t>Dummy codes are correct (Jamovi does this automatically)</a:t>
-            </a:r>
-          </a:p>
-        </p:txBody>
-      </p:sp>
-    </p:spTree>
-    <p:extLst>
-      <p:ext uri="{BB962C8B-B14F-4D97-AF65-F5344CB8AC3E}">
-        <p14:creationId xmlns:p14="http://schemas.microsoft.com/office/powerpoint/2010/main" val="3156660655"/>
-      </p:ext>
-    </p:extLst>
-  </p:cSld>
-  <p:clrMapOvr>
-    <a:masterClrMapping/>
-  </p:clrMapOvr>
-</p:sld>
-</file>
-
-<file path=ppt/slides/slide55.xml><?xml version="1.0" encoding="utf-8"?>
-<p:sld xmlns:a="http://schemas.openxmlformats.org/drawingml/2006/main" xmlns:r="http://schemas.openxmlformats.org/officeDocument/2006/relationships" xmlns:p="http://schemas.openxmlformats.org/presentationml/2006/main">
-  <p:cSld>
-    <p:spTree>
-      <p:nvGrpSpPr>
-        <p:cNvPr id="1" name=""/>
-        <p:cNvGrpSpPr/>
-        <p:nvPr/>
-      </p:nvGrpSpPr>
-      <p:grpSpPr>
-        <a:xfrm>
-          <a:off x="0" y="0"/>
-          <a:ext cx="0" cy="0"/>
-          <a:chOff x="0" y="0"/>
-          <a:chExt cx="0" cy="0"/>
-        </a:xfrm>
-      </p:grpSpPr>
-      <p:sp>
-        <p:nvSpPr>
-          <p:cNvPr id="2" name="Title 1"/>
-          <p:cNvSpPr>
-            <a:spLocks noGrp="1"/>
-          </p:cNvSpPr>
-          <p:nvPr>
-            <p:ph type="title"/>
-          </p:nvPr>
-        </p:nvSpPr>
-        <p:spPr>
-          <a:xfrm>
-            <a:off x="838200" y="389049"/>
-            <a:ext cx="10515600" cy="837240"/>
-          </a:xfrm>
-        </p:spPr>
-        <p:txBody>
-          <a:bodyPr>
-            <a:noAutofit/>
-          </a:bodyPr>
-          <a:lstStyle/>
-          <a:p>
-            <a:r>
-              <a:rPr lang="en-US" b="1" dirty="0">
-                <a:latin typeface="Consolas" charset="0"/>
-                <a:ea typeface="Consolas" charset="0"/>
-                <a:cs typeface="Consolas" charset="0"/>
-              </a:rPr>
-              <a:t>Interactions</a:t>
-            </a:r>
-          </a:p>
-        </p:txBody>
-      </p:sp>
-      <p:sp>
-        <p:nvSpPr>
-          <p:cNvPr id="5" name="Slide Number Placeholder 4"/>
-          <p:cNvSpPr>
-            <a:spLocks noGrp="1"/>
-          </p:cNvSpPr>
-          <p:nvPr>
-            <p:ph type="sldNum" sz="quarter" idx="12"/>
-          </p:nvPr>
-        </p:nvSpPr>
-        <p:spPr/>
-        <p:txBody>
-          <a:bodyPr/>
-          <a:lstStyle/>
-          <a:p>
-            <a:fld id="{4655F2EB-082D-1A4D-B2FA-EA5F6FE60629}" type="slidenum">
-              <a:rPr lang="en-US" smtClean="0"/>
-              <a:t>55</a:t>
             </a:fld>
             <a:endParaRPr lang="en-US"/>
           </a:p>
@@ -41892,7 +41052,7 @@
 </p:sld>
 </file>
 
-<file path=ppt/slides/slide56.xml><?xml version="1.0" encoding="utf-8"?>
+<file path=ppt/slides/slide55.xml><?xml version="1.0" encoding="utf-8"?>
 <p:sld xmlns:a="http://schemas.openxmlformats.org/drawingml/2006/main" xmlns:r="http://schemas.openxmlformats.org/officeDocument/2006/relationships" xmlns:p="http://schemas.openxmlformats.org/presentationml/2006/main">
   <p:cSld>
     <p:spTree>
@@ -41989,7 +41149,7 @@
           <a:p>
             <a:fld id="{4655F2EB-082D-1A4D-B2FA-EA5F6FE60629}" type="slidenum">
               <a:rPr lang="en-US" smtClean="0"/>
-              <a:t>56</a:t>
+              <a:t>55</a:t>
             </a:fld>
             <a:endParaRPr lang="en-US"/>
           </a:p>
@@ -42104,6 +41264,154 @@
 </p:sld>
 </file>
 
+<file path=ppt/slides/slide56.xml><?xml version="1.0" encoding="utf-8"?>
+<p:sld xmlns:a="http://schemas.openxmlformats.org/drawingml/2006/main" xmlns:r="http://schemas.openxmlformats.org/officeDocument/2006/relationships" xmlns:p="http://schemas.openxmlformats.org/presentationml/2006/main">
+  <p:cSld>
+    <p:spTree>
+      <p:nvGrpSpPr>
+        <p:cNvPr id="1" name=""/>
+        <p:cNvGrpSpPr/>
+        <p:nvPr/>
+      </p:nvGrpSpPr>
+      <p:grpSpPr>
+        <a:xfrm>
+          <a:off x="0" y="0"/>
+          <a:ext cx="0" cy="0"/>
+          <a:chOff x="0" y="0"/>
+          <a:chExt cx="0" cy="0"/>
+        </a:xfrm>
+      </p:grpSpPr>
+      <p:sp>
+        <p:nvSpPr>
+          <p:cNvPr id="4" name="Rectangle 3"/>
+          <p:cNvSpPr/>
+          <p:nvPr/>
+        </p:nvSpPr>
+        <p:spPr>
+          <a:xfrm>
+            <a:off x="408212" y="1108332"/>
+            <a:ext cx="11413671" cy="4216539"/>
+          </a:xfrm>
+          <a:prstGeom prst="rect">
+            <a:avLst/>
+          </a:prstGeom>
+        </p:spPr>
+        <p:txBody>
+          <a:bodyPr wrap="square">
+            <a:spAutoFit/>
+          </a:bodyPr>
+          <a:lstStyle/>
+          <a:p>
+            <a:pPr algn="ctr"/>
+            <a:r>
+              <a:rPr lang="en-US" sz="8800" b="1" dirty="0">
+                <a:solidFill>
+                  <a:schemeClr val="accent3"/>
+                </a:solidFill>
+                <a:latin typeface="Consolas" charset="0"/>
+                <a:ea typeface="Consolas" charset="0"/>
+                <a:cs typeface="Consolas" charset="0"/>
+              </a:rPr>
+              <a:t>Questions?</a:t>
+            </a:r>
+          </a:p>
+          <a:p>
+            <a:pPr algn="ctr"/>
+            <a:r>
+              <a:rPr lang="en-US" sz="6000" b="1" dirty="0">
+                <a:solidFill>
+                  <a:schemeClr val="accent1"/>
+                </a:solidFill>
+                <a:latin typeface="Consolas" charset="0"/>
+                <a:cs typeface="Consolas" charset="0"/>
+              </a:rPr>
+              <a:t>Please post them to the discussion board before class starts</a:t>
+            </a:r>
+            <a:endParaRPr lang="en-US" sz="6000" dirty="0">
+              <a:solidFill>
+                <a:schemeClr val="accent1"/>
+              </a:solidFill>
+            </a:endParaRPr>
+          </a:p>
+        </p:txBody>
+      </p:sp>
+      <p:sp>
+        <p:nvSpPr>
+          <p:cNvPr id="2" name="Slide Number Placeholder 1"/>
+          <p:cNvSpPr>
+            <a:spLocks noGrp="1"/>
+          </p:cNvSpPr>
+          <p:nvPr>
+            <p:ph type="sldNum" sz="quarter" idx="12"/>
+          </p:nvPr>
+        </p:nvSpPr>
+        <p:spPr/>
+        <p:txBody>
+          <a:bodyPr/>
+          <a:lstStyle/>
+          <a:p>
+            <a:fld id="{4655F2EB-082D-1A4D-B2FA-EA5F6FE60629}" type="slidenum">
+              <a:rPr lang="en-US" smtClean="0"/>
+              <a:t>56</a:t>
+            </a:fld>
+            <a:endParaRPr lang="en-US"/>
+          </a:p>
+        </p:txBody>
+      </p:sp>
+      <p:sp>
+        <p:nvSpPr>
+          <p:cNvPr id="3" name="TextBox 2">
+            <a:extLst>
+              <a:ext uri="{FF2B5EF4-FFF2-40B4-BE49-F238E27FC236}">
+                <a16:creationId xmlns:a16="http://schemas.microsoft.com/office/drawing/2014/main" id="{AFE30D6B-58FB-6F42-B0AC-D167B8DED558}"/>
+              </a:ext>
+            </a:extLst>
+          </p:cNvPr>
+          <p:cNvSpPr txBox="1"/>
+          <p:nvPr/>
+        </p:nvSpPr>
+        <p:spPr>
+          <a:xfrm>
+            <a:off x="3869882" y="5987018"/>
+            <a:ext cx="4490332" cy="369332"/>
+          </a:xfrm>
+          <a:prstGeom prst="rect">
+            <a:avLst/>
+          </a:prstGeom>
+          <a:noFill/>
+        </p:spPr>
+        <p:txBody>
+          <a:bodyPr wrap="none" rtlCol="0">
+            <a:spAutoFit/>
+          </a:bodyPr>
+          <a:lstStyle/>
+          <a:p>
+            <a:r>
+              <a:rPr lang="en-US" b="1" dirty="0">
+                <a:solidFill>
+                  <a:schemeClr val="accent6"/>
+                </a:solidFill>
+                <a:latin typeface="Consolas" panose="020B0609020204030204" pitchFamily="49" charset="0"/>
+                <a:cs typeface="Consolas" panose="020B0609020204030204" pitchFamily="49" charset="0"/>
+              </a:rPr>
+              <a:t>End of Pre-Recorded Lecture Slides</a:t>
+            </a:r>
+          </a:p>
+        </p:txBody>
+      </p:sp>
+    </p:spTree>
+    <p:extLst>
+      <p:ext uri="{BB962C8B-B14F-4D97-AF65-F5344CB8AC3E}">
+        <p14:creationId xmlns:p14="http://schemas.microsoft.com/office/powerpoint/2010/main" val="3696218960"/>
+      </p:ext>
+    </p:extLst>
+  </p:cSld>
+  <p:clrMapOvr>
+    <a:masterClrMapping/>
+  </p:clrMapOvr>
+</p:sld>
+</file>
+
 <file path=ppt/slides/slide57.xml><?xml version="1.0" encoding="utf-8"?>
 <p:sld xmlns:a="http://schemas.openxmlformats.org/drawingml/2006/main" xmlns:r="http://schemas.openxmlformats.org/officeDocument/2006/relationships" xmlns:p="http://schemas.openxmlformats.org/presentationml/2006/main">
   <p:cSld>
@@ -42129,154 +41437,6 @@
         </p:nvSpPr>
         <p:spPr>
           <a:xfrm>
-            <a:off x="408212" y="1108332"/>
-            <a:ext cx="11413671" cy="4216539"/>
-          </a:xfrm>
-          <a:prstGeom prst="rect">
-            <a:avLst/>
-          </a:prstGeom>
-        </p:spPr>
-        <p:txBody>
-          <a:bodyPr wrap="square">
-            <a:spAutoFit/>
-          </a:bodyPr>
-          <a:lstStyle/>
-          <a:p>
-            <a:pPr algn="ctr"/>
-            <a:r>
-              <a:rPr lang="en-US" sz="8800" b="1" dirty="0">
-                <a:solidFill>
-                  <a:schemeClr val="accent3"/>
-                </a:solidFill>
-                <a:latin typeface="Consolas" charset="0"/>
-                <a:ea typeface="Consolas" charset="0"/>
-                <a:cs typeface="Consolas" charset="0"/>
-              </a:rPr>
-              <a:t>Questions?</a:t>
-            </a:r>
-          </a:p>
-          <a:p>
-            <a:pPr algn="ctr"/>
-            <a:r>
-              <a:rPr lang="en-US" sz="6000" b="1" dirty="0">
-                <a:solidFill>
-                  <a:schemeClr val="accent1"/>
-                </a:solidFill>
-                <a:latin typeface="Consolas" charset="0"/>
-                <a:cs typeface="Consolas" charset="0"/>
-              </a:rPr>
-              <a:t>Please post them to the discussion board before class starts</a:t>
-            </a:r>
-            <a:endParaRPr lang="en-US" sz="6000" dirty="0">
-              <a:solidFill>
-                <a:schemeClr val="accent1"/>
-              </a:solidFill>
-            </a:endParaRPr>
-          </a:p>
-        </p:txBody>
-      </p:sp>
-      <p:sp>
-        <p:nvSpPr>
-          <p:cNvPr id="2" name="Slide Number Placeholder 1"/>
-          <p:cNvSpPr>
-            <a:spLocks noGrp="1"/>
-          </p:cNvSpPr>
-          <p:nvPr>
-            <p:ph type="sldNum" sz="quarter" idx="12"/>
-          </p:nvPr>
-        </p:nvSpPr>
-        <p:spPr/>
-        <p:txBody>
-          <a:bodyPr/>
-          <a:lstStyle/>
-          <a:p>
-            <a:fld id="{4655F2EB-082D-1A4D-B2FA-EA5F6FE60629}" type="slidenum">
-              <a:rPr lang="en-US" smtClean="0"/>
-              <a:t>57</a:t>
-            </a:fld>
-            <a:endParaRPr lang="en-US"/>
-          </a:p>
-        </p:txBody>
-      </p:sp>
-      <p:sp>
-        <p:nvSpPr>
-          <p:cNvPr id="3" name="TextBox 2">
-            <a:extLst>
-              <a:ext uri="{FF2B5EF4-FFF2-40B4-BE49-F238E27FC236}">
-                <a16:creationId xmlns:a16="http://schemas.microsoft.com/office/drawing/2014/main" id="{AFE30D6B-58FB-6F42-B0AC-D167B8DED558}"/>
-              </a:ext>
-            </a:extLst>
-          </p:cNvPr>
-          <p:cNvSpPr txBox="1"/>
-          <p:nvPr/>
-        </p:nvSpPr>
-        <p:spPr>
-          <a:xfrm>
-            <a:off x="3869882" y="5987018"/>
-            <a:ext cx="4490332" cy="369332"/>
-          </a:xfrm>
-          <a:prstGeom prst="rect">
-            <a:avLst/>
-          </a:prstGeom>
-          <a:noFill/>
-        </p:spPr>
-        <p:txBody>
-          <a:bodyPr wrap="none" rtlCol="0">
-            <a:spAutoFit/>
-          </a:bodyPr>
-          <a:lstStyle/>
-          <a:p>
-            <a:r>
-              <a:rPr lang="en-US" b="1" dirty="0">
-                <a:solidFill>
-                  <a:schemeClr val="accent6"/>
-                </a:solidFill>
-                <a:latin typeface="Consolas" panose="020B0609020204030204" pitchFamily="49" charset="0"/>
-                <a:cs typeface="Consolas" panose="020B0609020204030204" pitchFamily="49" charset="0"/>
-              </a:rPr>
-              <a:t>End of Pre-Recorded Lecture Slides</a:t>
-            </a:r>
-          </a:p>
-        </p:txBody>
-      </p:sp>
-    </p:spTree>
-    <p:extLst>
-      <p:ext uri="{BB962C8B-B14F-4D97-AF65-F5344CB8AC3E}">
-        <p14:creationId xmlns:p14="http://schemas.microsoft.com/office/powerpoint/2010/main" val="3696218960"/>
-      </p:ext>
-    </p:extLst>
-  </p:cSld>
-  <p:clrMapOvr>
-    <a:masterClrMapping/>
-  </p:clrMapOvr>
-</p:sld>
-</file>
-
-<file path=ppt/slides/slide58.xml><?xml version="1.0" encoding="utf-8"?>
-<p:sld xmlns:a="http://schemas.openxmlformats.org/drawingml/2006/main" xmlns:r="http://schemas.openxmlformats.org/officeDocument/2006/relationships" xmlns:p="http://schemas.openxmlformats.org/presentationml/2006/main">
-  <p:cSld>
-    <p:spTree>
-      <p:nvGrpSpPr>
-        <p:cNvPr id="1" name=""/>
-        <p:cNvGrpSpPr/>
-        <p:nvPr/>
-      </p:nvGrpSpPr>
-      <p:grpSpPr>
-        <a:xfrm>
-          <a:off x="0" y="0"/>
-          <a:ext cx="0" cy="0"/>
-          <a:chOff x="0" y="0"/>
-          <a:chExt cx="0" cy="0"/>
-        </a:xfrm>
-      </p:grpSpPr>
-      <p:sp>
-        <p:nvSpPr>
-          <p:cNvPr id="4" name="Rectangle 3"/>
-          <p:cNvSpPr/>
-          <p:nvPr/>
-        </p:nvSpPr>
-        <p:spPr>
-          <a:xfrm>
             <a:off x="571499" y="354177"/>
             <a:ext cx="11413671" cy="4154984"/>
           </a:xfrm>
@@ -42334,7 +41494,7 @@
           <a:p>
             <a:fld id="{4655F2EB-082D-1A4D-B2FA-EA5F6FE60629}" type="slidenum">
               <a:rPr lang="en-US" smtClean="0"/>
-              <a:t>58</a:t>
+              <a:t>57</a:t>
             </a:fld>
             <a:endParaRPr lang="en-US"/>
           </a:p>
@@ -42383,7 +41543,7 @@
 </p:sld>
 </file>
 
-<file path=ppt/slides/slide59.xml><?xml version="1.0" encoding="utf-8"?>
+<file path=ppt/slides/slide58.xml><?xml version="1.0" encoding="utf-8"?>
 <p:sld xmlns:a="http://schemas.openxmlformats.org/drawingml/2006/main" xmlns:r="http://schemas.openxmlformats.org/officeDocument/2006/relationships" xmlns:p="http://schemas.openxmlformats.org/presentationml/2006/main">
   <p:cSld>
     <p:spTree>
@@ -42458,7 +41618,7 @@
           <a:p>
             <a:fld id="{4655F2EB-082D-1A4D-B2FA-EA5F6FE60629}" type="slidenum">
               <a:rPr lang="en-US" smtClean="0"/>
-              <a:t>59</a:t>
+              <a:t>58</a:t>
             </a:fld>
             <a:endParaRPr lang="en-US" dirty="0"/>
           </a:p>

--- a/Slides/13_EDUC_6050_2018.pptx
+++ b/Slides/13_EDUC_6050_2018.pptx
@@ -39114,7 +39114,29 @@
                 <a:ea typeface="Consolas" charset="0"/>
                 <a:cs typeface="Consolas" charset="0"/>
               </a:rPr>
-              <a:t>The logistic regression analysis showed that income significantly predicted the odds of substance use (OR = -.923, p = .016). As income increased by $1000, the odds of using substances decreased by 7.7%. </a:t>
+              <a:t>The logistic regression analysis showed that income significantly predicted the odds of substance use (OR </a:t>
+            </a:r>
+            <a:r>
+              <a:rPr lang="en-US" sz="3600" b="1">
+                <a:solidFill>
+                  <a:schemeClr val="tx2"/>
+                </a:solidFill>
+                <a:latin typeface="Consolas" charset="0"/>
+                <a:ea typeface="Consolas" charset="0"/>
+                <a:cs typeface="Consolas" charset="0"/>
+              </a:rPr>
+              <a:t>= .</a:t>
+            </a:r>
+            <a:r>
+              <a:rPr lang="en-US" sz="3600" b="1" dirty="0">
+                <a:solidFill>
+                  <a:schemeClr val="tx2"/>
+                </a:solidFill>
+                <a:latin typeface="Consolas" charset="0"/>
+                <a:ea typeface="Consolas" charset="0"/>
+                <a:cs typeface="Consolas" charset="0"/>
+              </a:rPr>
+              <a:t>923, p = .016). As income increased by $1000, the odds of using substances decreased by 7.7%. </a:t>
             </a:r>
           </a:p>
         </p:txBody>
